--- a/Teleconference/20200428/01-standalone_nodered.pptx
+++ b/Teleconference/20200428/01-standalone_nodered.pptx
@@ -5,10 +5,10 @@
     <p:sldMasterId id="2147483648" r:id="rId4"/>
   </p:sldMasterIdLst>
   <p:notesMasterIdLst>
-    <p:notesMasterId r:id="rId16"/>
+    <p:notesMasterId r:id="rId15"/>
   </p:notesMasterIdLst>
   <p:handoutMasterIdLst>
-    <p:handoutMasterId r:id="rId17"/>
+    <p:handoutMasterId r:id="rId16"/>
   </p:handoutMasterIdLst>
   <p:sldIdLst>
     <p:sldId id="300" r:id="rId5"/>
@@ -16,12 +16,11 @@
     <p:sldId id="307" r:id="rId7"/>
     <p:sldId id="317" r:id="rId8"/>
     <p:sldId id="306" r:id="rId9"/>
-    <p:sldId id="315" r:id="rId10"/>
-    <p:sldId id="309" r:id="rId11"/>
-    <p:sldId id="318" r:id="rId12"/>
-    <p:sldId id="312" r:id="rId13"/>
-    <p:sldId id="319" r:id="rId14"/>
-    <p:sldId id="314" r:id="rId15"/>
+    <p:sldId id="309" r:id="rId10"/>
+    <p:sldId id="318" r:id="rId11"/>
+    <p:sldId id="312" r:id="rId12"/>
+    <p:sldId id="320" r:id="rId13"/>
+    <p:sldId id="314" r:id="rId14"/>
   </p:sldIdLst>
   <p:sldSz cx="9144000" cy="6858000" type="screen4x3"/>
   <p:notesSz cx="6807200" cy="9939338"/>
@@ -1003,6 +1002,16 @@
           </a:bodyPr>
           <a:lstStyle/>
           <a:p>
+            <a:r>
+              <a:rPr kumimoji="1" lang="en-US" altLang="ja-JP" dirty="0"/>
+              <a:t>Let me start my presentation.</a:t>
+            </a:r>
+          </a:p>
+          <a:p>
+            <a:r>
+              <a:rPr kumimoji="1" lang="en-US" altLang="ja-JP" dirty="0"/>
+              <a:t>In this slide, I would like to discuss the standalone Node-RED.</a:t>
+            </a:r>
             <a:endParaRPr kumimoji="1" lang="ja-JP" altLang="en-US" dirty="0"/>
           </a:p>
         </p:txBody>
@@ -1121,93 +1130,6 @@
     </p:spTree>
     <p:extLst>
       <p:ext uri="{BB962C8B-B14F-4D97-AF65-F5344CB8AC3E}">
-        <p14:creationId xmlns:p14="http://schemas.microsoft.com/office/powerpoint/2010/main" val="1722862880"/>
-      </p:ext>
-    </p:extLst>
-  </p:cSld>
-  <p:clrMapOvr>
-    <a:masterClrMapping/>
-  </p:clrMapOvr>
-</p:notes>
-</file>
-
-<file path=ppt/notesSlides/notesSlide11.xml><?xml version="1.0" encoding="utf-8"?>
-<p:notes xmlns:a="http://schemas.openxmlformats.org/drawingml/2006/main" xmlns:r="http://schemas.openxmlformats.org/officeDocument/2006/relationships" xmlns:p="http://schemas.openxmlformats.org/presentationml/2006/main">
-  <p:cSld>
-    <p:spTree>
-      <p:nvGrpSpPr>
-        <p:cNvPr id="1" name=""/>
-        <p:cNvGrpSpPr/>
-        <p:nvPr/>
-      </p:nvGrpSpPr>
-      <p:grpSpPr>
-        <a:xfrm>
-          <a:off x="0" y="0"/>
-          <a:ext cx="0" cy="0"/>
-          <a:chOff x="0" y="0"/>
-          <a:chExt cx="0" cy="0"/>
-        </a:xfrm>
-      </p:grpSpPr>
-      <p:sp>
-        <p:nvSpPr>
-          <p:cNvPr id="2" name="スライド イメージ プレースホルダ 1"/>
-          <p:cNvSpPr>
-            <a:spLocks noGrp="1" noRot="1" noChangeAspect="1"/>
-          </p:cNvSpPr>
-          <p:nvPr>
-            <p:ph type="sldImg"/>
-          </p:nvPr>
-        </p:nvSpPr>
-        <p:spPr/>
-      </p:sp>
-      <p:sp>
-        <p:nvSpPr>
-          <p:cNvPr id="3" name="ノート プレースホルダ 2"/>
-          <p:cNvSpPr>
-            <a:spLocks noGrp="1"/>
-          </p:cNvSpPr>
-          <p:nvPr>
-            <p:ph type="body" idx="1"/>
-          </p:nvPr>
-        </p:nvSpPr>
-        <p:spPr/>
-        <p:txBody>
-          <a:bodyPr>
-            <a:normAutofit/>
-          </a:bodyPr>
-          <a:lstStyle/>
-          <a:p>
-            <a:endParaRPr kumimoji="1" lang="ja-JP" altLang="en-US" dirty="0"/>
-          </a:p>
-        </p:txBody>
-      </p:sp>
-      <p:sp>
-        <p:nvSpPr>
-          <p:cNvPr id="4" name="スライド番号プレースホルダ 3"/>
-          <p:cNvSpPr>
-            <a:spLocks noGrp="1"/>
-          </p:cNvSpPr>
-          <p:nvPr>
-            <p:ph type="sldNum" sz="quarter" idx="10"/>
-          </p:nvPr>
-        </p:nvSpPr>
-        <p:spPr/>
-        <p:txBody>
-          <a:bodyPr/>
-          <a:lstStyle/>
-          <a:p>
-            <a:fld id="{8AF01994-2739-4319-8C13-74EB71056E38}" type="slidenum">
-              <a:rPr lang="en-US" altLang="ja-JP" smtClean="0"/>
-              <a:pPr/>
-              <a:t>10</a:t>
-            </a:fld>
-            <a:endParaRPr lang="en-US" altLang="ja-JP"/>
-          </a:p>
-        </p:txBody>
-      </p:sp>
-    </p:spTree>
-    <p:extLst>
-      <p:ext uri="{BB962C8B-B14F-4D97-AF65-F5344CB8AC3E}">
         <p14:creationId xmlns:p14="http://schemas.microsoft.com/office/powerpoint/2010/main" val="3126960093"/>
       </p:ext>
     </p:extLst>
@@ -1264,7 +1186,52 @@
           </a:bodyPr>
           <a:lstStyle/>
           <a:p>
-            <a:endParaRPr kumimoji="1" lang="ja-JP" altLang="en-US" dirty="0"/>
+            <a:r>
+              <a:rPr kumimoji="1" lang="en-US" altLang="ja-JP" dirty="0"/>
+              <a:t>This slide explains the background of the standalone Node-RED.</a:t>
+            </a:r>
+          </a:p>
+          <a:p>
+            <a:r>
+              <a:rPr kumimoji="1" lang="en-US" altLang="ja-JP" dirty="0"/>
+              <a:t>Our customer tend to use Node-RED in offline environments, for example, factories.</a:t>
+            </a:r>
+          </a:p>
+          <a:p>
+            <a:endParaRPr kumimoji="1" lang="en-US" altLang="ja-JP" dirty="0"/>
+          </a:p>
+          <a:p>
+            <a:r>
+              <a:rPr kumimoji="1" lang="en-US" altLang="ja-JP" dirty="0"/>
+              <a:t>Currently, Hitachi members are writing the document about how to install Node-RED for the offline environments.</a:t>
+            </a:r>
+          </a:p>
+          <a:p>
+            <a:r>
+              <a:rPr kumimoji="1" lang="en-US" altLang="ja-JP" dirty="0"/>
+              <a:t>In this document, we want to write the two points. </a:t>
+            </a:r>
+          </a:p>
+          <a:p>
+            <a:r>
+              <a:rPr kumimoji="1" lang="en-US" altLang="ja-JP" dirty="0"/>
+              <a:t>The first is the packaging to package Node-RED and nodes.</a:t>
+            </a:r>
+          </a:p>
+          <a:p>
+            <a:r>
+              <a:rPr kumimoji="1" lang="en-US" altLang="ja-JP" dirty="0"/>
+              <a:t>And the second is version-up without internet connections.</a:t>
+            </a:r>
+          </a:p>
+          <a:p>
+            <a:endParaRPr kumimoji="1" lang="en-US" altLang="ja-JP" dirty="0"/>
+          </a:p>
+          <a:p>
+            <a:r>
+              <a:rPr kumimoji="1" lang="en-US" altLang="ja-JP" dirty="0"/>
+              <a:t>As we talked in our Slack meeting, the</a:t>
+            </a:r>
           </a:p>
         </p:txBody>
       </p:sp>
@@ -1525,6 +1492,25 @@
           </a:bodyPr>
           <a:lstStyle/>
           <a:p>
+            <a:r>
+              <a:rPr kumimoji="1" lang="en-US" altLang="ja-JP" dirty="0"/>
+              <a:t>Random string</a:t>
+            </a:r>
+            <a:r>
+              <a:rPr kumimoji="1" lang="ja-JP" altLang="en-US"/>
+              <a:t>を参照できれば、外部のブラウザからもアクセスできる</a:t>
+            </a:r>
+            <a:endParaRPr kumimoji="1" lang="en-US" altLang="ja-JP" dirty="0"/>
+          </a:p>
+          <a:p>
+            <a:r>
+              <a:rPr kumimoji="1" lang="en-US" altLang="ja-JP" dirty="0" err="1"/>
+              <a:t>Settings.js</a:t>
+            </a:r>
+            <a:r>
+              <a:rPr kumimoji="1" lang="ja-JP" altLang="en-US"/>
+              <a:t>で接続元を限定できる機能を使えるか</a:t>
+            </a:r>
             <a:endParaRPr kumimoji="1" lang="ja-JP" altLang="en-US" dirty="0"/>
           </a:p>
         </p:txBody>
@@ -1643,7 +1629,7 @@
     </p:spTree>
     <p:extLst>
       <p:ext uri="{BB962C8B-B14F-4D97-AF65-F5344CB8AC3E}">
-        <p14:creationId xmlns:p14="http://schemas.microsoft.com/office/powerpoint/2010/main" val="2197625821"/>
+        <p14:creationId xmlns:p14="http://schemas.microsoft.com/office/powerpoint/2010/main" val="2857256431"/>
       </p:ext>
     </p:extLst>
   </p:cSld>
@@ -1730,7 +1716,7 @@
     </p:spTree>
     <p:extLst>
       <p:ext uri="{BB962C8B-B14F-4D97-AF65-F5344CB8AC3E}">
-        <p14:creationId xmlns:p14="http://schemas.microsoft.com/office/powerpoint/2010/main" val="2857256431"/>
+        <p14:creationId xmlns:p14="http://schemas.microsoft.com/office/powerpoint/2010/main" val="1527424821"/>
       </p:ext>
     </p:extLst>
   </p:cSld>
@@ -1817,7 +1803,7 @@
     </p:spTree>
     <p:extLst>
       <p:ext uri="{BB962C8B-B14F-4D97-AF65-F5344CB8AC3E}">
-        <p14:creationId xmlns:p14="http://schemas.microsoft.com/office/powerpoint/2010/main" val="1527424821"/>
+        <p14:creationId xmlns:p14="http://schemas.microsoft.com/office/powerpoint/2010/main" val="149117919"/>
       </p:ext>
     </p:extLst>
   </p:cSld>
@@ -1873,6 +1859,37 @@
           </a:bodyPr>
           <a:lstStyle/>
           <a:p>
+            <a:r>
+              <a:rPr kumimoji="1" lang="en-US" altLang="ja-JP" dirty="0" err="1"/>
+              <a:t>Settings.js</a:t>
+            </a:r>
+            <a:r>
+              <a:rPr kumimoji="1" lang="ja-JP" altLang="en-US"/>
+              <a:t>を読み込める様にするか。</a:t>
+            </a:r>
+            <a:endParaRPr kumimoji="1" lang="en-US" altLang="ja-JP" dirty="0"/>
+          </a:p>
+          <a:p>
+            <a:r>
+              <a:rPr kumimoji="1" lang="ja-JP" altLang="en-US"/>
+              <a:t>拡張子は</a:t>
+            </a:r>
+            <a:r>
+              <a:rPr kumimoji="1" lang="en-US" altLang="ja-JP" dirty="0"/>
+              <a:t>json</a:t>
+            </a:r>
+            <a:r>
+              <a:rPr kumimoji="1" lang="ja-JP" altLang="en-US"/>
+              <a:t>で良いか。</a:t>
+            </a:r>
+            <a:r>
+              <a:rPr kumimoji="1" lang="en-US" altLang="ja-JP" dirty="0"/>
+              <a:t>.red</a:t>
+            </a:r>
+            <a:r>
+              <a:rPr kumimoji="1" lang="ja-JP" altLang="en-US"/>
+              <a:t>とかもあり得る。</a:t>
+            </a:r>
             <a:endParaRPr kumimoji="1" lang="ja-JP" altLang="en-US" dirty="0"/>
           </a:p>
         </p:txBody>
@@ -1904,7 +1921,7 @@
     </p:spTree>
     <p:extLst>
       <p:ext uri="{BB962C8B-B14F-4D97-AF65-F5344CB8AC3E}">
-        <p14:creationId xmlns:p14="http://schemas.microsoft.com/office/powerpoint/2010/main" val="149117919"/>
+        <p14:creationId xmlns:p14="http://schemas.microsoft.com/office/powerpoint/2010/main" val="2111385784"/>
       </p:ext>
     </p:extLst>
   </p:cSld>
@@ -5119,183 +5136,6 @@
       </p:grpSpPr>
       <p:sp>
         <p:nvSpPr>
-          <p:cNvPr id="16" name="Text Box 33"/>
-          <p:cNvSpPr txBox="1">
-            <a:spLocks noChangeArrowheads="1"/>
-          </p:cNvSpPr>
-          <p:nvPr/>
-        </p:nvSpPr>
-        <p:spPr bwMode="gray">
-          <a:xfrm>
-            <a:off x="102644" y="911224"/>
-            <a:ext cx="9079730" cy="2123658"/>
-          </a:xfrm>
-          <a:prstGeom prst="rect">
-            <a:avLst/>
-          </a:prstGeom>
-          <a:noFill/>
-          <a:ln w="3175" cap="rnd">
-            <a:noFill/>
-            <a:miter lim="800000"/>
-            <a:headEnd/>
-            <a:tailEnd/>
-          </a:ln>
-          <a:effectLst/>
-        </p:spPr>
-        <p:txBody>
-          <a:bodyPr wrap="none">
-            <a:spAutoFit/>
-          </a:bodyPr>
-          <a:lstStyle/>
-          <a:p>
-            <a:pPr marL="342900" marR="0" lvl="0" indent="-342900" defTabSz="914400" eaLnBrk="1" fontAlgn="auto" latinLnBrk="0" hangingPunct="1">
-              <a:lnSpc>
-                <a:spcPct val="100000"/>
-              </a:lnSpc>
-              <a:spcBef>
-                <a:spcPts val="0"/>
-              </a:spcBef>
-              <a:spcAft>
-                <a:spcPts val="0"/>
-              </a:spcAft>
-              <a:buClrTx/>
-              <a:buSzTx/>
-              <a:buFont typeface="Arial" panose="020B0604020202020204" pitchFamily="34" charset="0"/>
-              <a:buChar char="•"/>
-              <a:tabLst/>
-              <a:defRPr/>
-            </a:pPr>
-            <a:r>
-              <a:rPr kumimoji="0" lang="en-US" altLang="ja-JP" sz="2200" kern="0" dirty="0">
-                <a:solidFill>
-                  <a:srgbClr val="000000"/>
-                </a:solidFill>
-                <a:latin typeface="+mn-ea"/>
-                <a:ea typeface="+mn-ea"/>
-              </a:rPr>
-              <a:t>File association</a:t>
-            </a:r>
-          </a:p>
-          <a:p>
-            <a:pPr marL="800100" lvl="1" indent="-342900" fontAlgn="auto">
-              <a:lnSpc>
-                <a:spcPct val="100000"/>
-              </a:lnSpc>
-              <a:spcBef>
-                <a:spcPts val="0"/>
-              </a:spcBef>
-              <a:spcAft>
-                <a:spcPts val="0"/>
-              </a:spcAft>
-              <a:buFont typeface="Arial" panose="020B0604020202020204" pitchFamily="34" charset="0"/>
-              <a:buChar char="•"/>
-              <a:defRPr/>
-            </a:pPr>
-            <a:r>
-              <a:rPr kumimoji="0" lang="en-US" altLang="ja-JP" sz="2200" kern="0" dirty="0">
-                <a:solidFill>
-                  <a:srgbClr val="000000"/>
-                </a:solidFill>
-                <a:latin typeface="+mn-ea"/>
-                <a:ea typeface="+mn-ea"/>
-              </a:rPr>
-              <a:t>After opening flow JSON file in explorer, the standalone Node-RED </a:t>
-            </a:r>
-            <a:br>
-              <a:rPr kumimoji="0" lang="en-US" altLang="ja-JP" sz="2200" kern="0" dirty="0">
-                <a:solidFill>
-                  <a:srgbClr val="000000"/>
-                </a:solidFill>
-                <a:latin typeface="+mn-ea"/>
-                <a:ea typeface="+mn-ea"/>
-              </a:rPr>
-            </a:br>
-            <a:r>
-              <a:rPr kumimoji="0" lang="en-US" altLang="ja-JP" sz="2200" kern="0" dirty="0">
-                <a:solidFill>
-                  <a:srgbClr val="000000"/>
-                </a:solidFill>
-                <a:latin typeface="+mn-ea"/>
-                <a:ea typeface="+mn-ea"/>
-              </a:rPr>
-              <a:t>starts to edit the flow.</a:t>
-            </a:r>
-          </a:p>
-          <a:p>
-            <a:pPr marL="800100" lvl="1" indent="-342900" fontAlgn="auto">
-              <a:lnSpc>
-                <a:spcPct val="100000"/>
-              </a:lnSpc>
-              <a:spcBef>
-                <a:spcPts val="0"/>
-              </a:spcBef>
-              <a:spcAft>
-                <a:spcPts val="0"/>
-              </a:spcAft>
-              <a:buFont typeface="Arial" panose="020B0604020202020204" pitchFamily="34" charset="0"/>
-              <a:buChar char="•"/>
-              <a:defRPr/>
-            </a:pPr>
-            <a:r>
-              <a:rPr kumimoji="0" lang="en-US" altLang="ja-JP" sz="2200" kern="0" dirty="0">
-                <a:solidFill>
-                  <a:srgbClr val="000000"/>
-                </a:solidFill>
-                <a:latin typeface="+mn-ea"/>
-                <a:ea typeface="+mn-ea"/>
-              </a:rPr>
-              <a:t>When clicking the deploy button, the Node-RED saves the flow.</a:t>
-            </a:r>
-          </a:p>
-          <a:p>
-            <a:pPr marL="800100" lvl="1" indent="-342900" fontAlgn="auto">
-              <a:lnSpc>
-                <a:spcPct val="100000"/>
-              </a:lnSpc>
-              <a:spcBef>
-                <a:spcPts val="0"/>
-              </a:spcBef>
-              <a:spcAft>
-                <a:spcPts val="0"/>
-              </a:spcAft>
-              <a:buFont typeface="Arial" panose="020B0604020202020204" pitchFamily="34" charset="0"/>
-              <a:buChar char="•"/>
-              <a:defRPr/>
-            </a:pPr>
-            <a:r>
-              <a:rPr kumimoji="0" lang="en-US" altLang="ja-JP" sz="2200" kern="0" dirty="0">
-                <a:solidFill>
-                  <a:srgbClr val="000000"/>
-                </a:solidFill>
-                <a:latin typeface="+mn-ea"/>
-                <a:ea typeface="+mn-ea"/>
-              </a:rPr>
-              <a:t>When closing the window without saving the flow,</a:t>
-            </a:r>
-            <a:br>
-              <a:rPr kumimoji="0" lang="en-US" altLang="ja-JP" sz="2200" kern="0" dirty="0">
-                <a:solidFill>
-                  <a:srgbClr val="000000"/>
-                </a:solidFill>
-                <a:latin typeface="+mn-ea"/>
-                <a:ea typeface="+mn-ea"/>
-              </a:rPr>
-            </a:br>
-            <a:r>
-              <a:rPr kumimoji="0" lang="en-US" altLang="ja-JP" sz="2200" kern="0" dirty="0">
-                <a:solidFill>
-                  <a:srgbClr val="000000"/>
-                </a:solidFill>
-                <a:latin typeface="+mn-ea"/>
-                <a:ea typeface="+mn-ea"/>
-              </a:rPr>
-              <a:t>the notification will be showed to save the flow or cancel closing.</a:t>
-            </a:r>
-          </a:p>
-        </p:txBody>
-      </p:sp>
-      <p:sp>
-        <p:nvSpPr>
           <p:cNvPr id="12" name="タイトル 11"/>
           <p:cNvSpPr>
             <a:spLocks noGrp="1"/>
@@ -5321,7 +5161,7 @@
                 <a:latin typeface="+mj-ea"/>
                 <a:ea typeface="+mj-ea"/>
               </a:rPr>
-              <a:t>Suggestion: Integration with file system (2/2)</a:t>
+              <a:t>Next step</a:t>
             </a:r>
             <a:endParaRPr kumimoji="1" lang="ja-JP" altLang="en-US" dirty="0">
               <a:latin typeface="+mj-ea"/>
@@ -5354,2129 +5194,6 @@
                 <a:defRPr/>
               </a:pPr>
               <a:t>9</a:t>
-            </a:fld>
-            <a:endParaRPr lang="en-US" altLang="ja-JP"/>
-          </a:p>
-        </p:txBody>
-      </p:sp>
-      <p:grpSp>
-        <p:nvGrpSpPr>
-          <p:cNvPr id="19" name="グループ化 18">
-            <a:extLst>
-              <a:ext uri="{FF2B5EF4-FFF2-40B4-BE49-F238E27FC236}">
-                <a16:creationId xmlns:a16="http://schemas.microsoft.com/office/drawing/2014/main" id="{745C43C8-5AC0-F74C-8B08-31F1F4551ECC}"/>
-              </a:ext>
-            </a:extLst>
-          </p:cNvPr>
-          <p:cNvGrpSpPr/>
-          <p:nvPr/>
-        </p:nvGrpSpPr>
-        <p:grpSpPr>
-          <a:xfrm>
-            <a:off x="2044109" y="3075507"/>
-            <a:ext cx="2243052" cy="1613706"/>
-            <a:chOff x="1886216" y="2770753"/>
-            <a:chExt cx="2243052" cy="1613706"/>
-          </a:xfrm>
-        </p:grpSpPr>
-        <p:pic>
-          <p:nvPicPr>
-            <p:cNvPr id="20" name="グラフィックス 19">
-              <a:extLst>
-                <a:ext uri="{FF2B5EF4-FFF2-40B4-BE49-F238E27FC236}">
-                  <a16:creationId xmlns:a16="http://schemas.microsoft.com/office/drawing/2014/main" id="{22F08766-3C92-A443-813F-82731A1BF574}"/>
-                </a:ext>
-              </a:extLst>
-            </p:cNvPr>
-            <p:cNvPicPr>
-              <a:picLocks noChangeAspect="1"/>
-            </p:cNvPicPr>
-            <p:nvPr/>
-          </p:nvPicPr>
-          <p:blipFill>
-            <a:blip r:embed="rId3">
-              <a:extLst>
-                <a:ext uri="{96DAC541-7B7A-43D3-8B79-37D633B846F1}">
-                  <asvg:svgBlip xmlns:asvg="http://schemas.microsoft.com/office/drawing/2016/SVG/main" r:embed="rId4"/>
-                </a:ext>
-              </a:extLst>
-            </a:blip>
-            <a:stretch>
-              <a:fillRect/>
-            </a:stretch>
-          </p:blipFill>
-          <p:spPr>
-            <a:xfrm>
-              <a:off x="1891980" y="2806050"/>
-              <a:ext cx="188129" cy="188129"/>
-            </a:xfrm>
-            <a:prstGeom prst="rect">
-              <a:avLst/>
-            </a:prstGeom>
-          </p:spPr>
-        </p:pic>
-        <p:pic>
-          <p:nvPicPr>
-            <p:cNvPr id="21" name="図 20" descr="コンピューターのスクリーンショット&#10;&#10;自動的に生成された説明">
-              <a:extLst>
-                <a:ext uri="{FF2B5EF4-FFF2-40B4-BE49-F238E27FC236}">
-                  <a16:creationId xmlns:a16="http://schemas.microsoft.com/office/drawing/2014/main" id="{6290C2EB-1616-FF49-9344-6D3E7C63DCF8}"/>
-                </a:ext>
-              </a:extLst>
-            </p:cNvPr>
-            <p:cNvPicPr>
-              <a:picLocks noChangeAspect="1"/>
-            </p:cNvPicPr>
-            <p:nvPr/>
-          </p:nvPicPr>
-          <p:blipFill>
-            <a:blip r:embed="rId5"/>
-            <a:stretch>
-              <a:fillRect/>
-            </a:stretch>
-          </p:blipFill>
-          <p:spPr>
-            <a:xfrm>
-              <a:off x="1898258" y="2990079"/>
-              <a:ext cx="2231009" cy="1394380"/>
-            </a:xfrm>
-            <a:prstGeom prst="rect">
-              <a:avLst/>
-            </a:prstGeom>
-          </p:spPr>
-        </p:pic>
-        <p:sp>
-          <p:nvSpPr>
-            <p:cNvPr id="22" name="正方形/長方形 21">
-              <a:extLst>
-                <a:ext uri="{FF2B5EF4-FFF2-40B4-BE49-F238E27FC236}">
-                  <a16:creationId xmlns:a16="http://schemas.microsoft.com/office/drawing/2014/main" id="{E6A5C146-6A11-1D42-91A6-4C177C65570D}"/>
-                </a:ext>
-              </a:extLst>
-            </p:cNvPr>
-            <p:cNvSpPr/>
-            <p:nvPr/>
-          </p:nvSpPr>
-          <p:spPr bwMode="auto">
-            <a:xfrm>
-              <a:off x="1886216" y="2796773"/>
-              <a:ext cx="2243052" cy="1584093"/>
-            </a:xfrm>
-            <a:prstGeom prst="rect">
-              <a:avLst/>
-            </a:prstGeom>
-            <a:noFill/>
-            <a:ln>
-              <a:headEnd/>
-              <a:tailEnd/>
-            </a:ln>
-          </p:spPr>
-          <p:style>
-            <a:lnRef idx="2">
-              <a:schemeClr val="dk1"/>
-            </a:lnRef>
-            <a:fillRef idx="1">
-              <a:schemeClr val="lt1"/>
-            </a:fillRef>
-            <a:effectRef idx="0">
-              <a:schemeClr val="dk1"/>
-            </a:effectRef>
-            <a:fontRef idx="minor">
-              <a:schemeClr val="dk1"/>
-            </a:fontRef>
-          </p:style>
-          <p:txBody>
-            <a:bodyPr wrap="none" rtlCol="0" anchor="ctr" anchorCtr="0">
-              <a:noAutofit/>
-            </a:bodyPr>
-            <a:lstStyle/>
-            <a:p>
-              <a:pPr algn="ctr"/>
-              <a:endParaRPr kumimoji="1" lang="ja-JP" altLang="en-US" sz="1800">
-                <a:solidFill>
-                  <a:schemeClr val="tx1"/>
-                </a:solidFill>
-              </a:endParaRPr>
-            </a:p>
-          </p:txBody>
-        </p:sp>
-        <p:sp>
-          <p:nvSpPr>
-            <p:cNvPr id="23" name="正方形/長方形 22">
-              <a:extLst>
-                <a:ext uri="{FF2B5EF4-FFF2-40B4-BE49-F238E27FC236}">
-                  <a16:creationId xmlns:a16="http://schemas.microsoft.com/office/drawing/2014/main" id="{132982D8-2493-BB4F-A6C6-2B89D7C0C7F6}"/>
-                </a:ext>
-              </a:extLst>
-            </p:cNvPr>
-            <p:cNvSpPr/>
-            <p:nvPr/>
-          </p:nvSpPr>
-          <p:spPr bwMode="auto">
-            <a:xfrm>
-              <a:off x="3885180" y="2796773"/>
-              <a:ext cx="241503" cy="195355"/>
-            </a:xfrm>
-            <a:prstGeom prst="rect">
-              <a:avLst/>
-            </a:prstGeom>
-            <a:noFill/>
-            <a:ln>
-              <a:headEnd/>
-              <a:tailEnd/>
-            </a:ln>
-          </p:spPr>
-          <p:style>
-            <a:lnRef idx="2">
-              <a:schemeClr val="dk1"/>
-            </a:lnRef>
-            <a:fillRef idx="1">
-              <a:schemeClr val="lt1"/>
-            </a:fillRef>
-            <a:effectRef idx="0">
-              <a:schemeClr val="dk1"/>
-            </a:effectRef>
-            <a:fontRef idx="minor">
-              <a:schemeClr val="dk1"/>
-            </a:fontRef>
-          </p:style>
-          <p:txBody>
-            <a:bodyPr wrap="none" rtlCol="0" anchor="ctr" anchorCtr="0">
-              <a:noAutofit/>
-            </a:bodyPr>
-            <a:lstStyle/>
-            <a:p>
-              <a:pPr algn="ctr"/>
-              <a:r>
-                <a:rPr kumimoji="1" lang="en-US" altLang="ja-JP" sz="1800" dirty="0">
-                  <a:solidFill>
-                    <a:schemeClr val="tx1"/>
-                  </a:solidFill>
-                </a:rPr>
-                <a:t>x</a:t>
-              </a:r>
-              <a:endParaRPr kumimoji="1" lang="ja-JP" altLang="en-US" sz="1800">
-                <a:solidFill>
-                  <a:schemeClr val="tx1"/>
-                </a:solidFill>
-              </a:endParaRPr>
-            </a:p>
-          </p:txBody>
-        </p:sp>
-        <p:sp>
-          <p:nvSpPr>
-            <p:cNvPr id="24" name="正方形/長方形 23">
-              <a:extLst>
-                <a:ext uri="{FF2B5EF4-FFF2-40B4-BE49-F238E27FC236}">
-                  <a16:creationId xmlns:a16="http://schemas.microsoft.com/office/drawing/2014/main" id="{AA12174A-0998-7E45-9B7D-28970C31D2C4}"/>
-                </a:ext>
-              </a:extLst>
-            </p:cNvPr>
-            <p:cNvSpPr/>
-            <p:nvPr/>
-          </p:nvSpPr>
-          <p:spPr bwMode="auto">
-            <a:xfrm>
-              <a:off x="3637656" y="2796773"/>
-              <a:ext cx="241503" cy="195355"/>
-            </a:xfrm>
-            <a:prstGeom prst="rect">
-              <a:avLst/>
-            </a:prstGeom>
-            <a:noFill/>
-            <a:ln>
-              <a:headEnd/>
-              <a:tailEnd/>
-            </a:ln>
-          </p:spPr>
-          <p:style>
-            <a:lnRef idx="2">
-              <a:schemeClr val="dk1"/>
-            </a:lnRef>
-            <a:fillRef idx="1">
-              <a:schemeClr val="lt1"/>
-            </a:fillRef>
-            <a:effectRef idx="0">
-              <a:schemeClr val="dk1"/>
-            </a:effectRef>
-            <a:fontRef idx="minor">
-              <a:schemeClr val="dk1"/>
-            </a:fontRef>
-          </p:style>
-          <p:txBody>
-            <a:bodyPr wrap="none" rtlCol="0" anchor="ctr" anchorCtr="0">
-              <a:noAutofit/>
-            </a:bodyPr>
-            <a:lstStyle/>
-            <a:p>
-              <a:pPr algn="ctr"/>
-              <a:endParaRPr kumimoji="1" lang="ja-JP" altLang="en-US" sz="1800">
-                <a:solidFill>
-                  <a:schemeClr val="tx1"/>
-                </a:solidFill>
-              </a:endParaRPr>
-            </a:p>
-          </p:txBody>
-        </p:sp>
-        <p:sp>
-          <p:nvSpPr>
-            <p:cNvPr id="26" name="正方形/長方形 25">
-              <a:extLst>
-                <a:ext uri="{FF2B5EF4-FFF2-40B4-BE49-F238E27FC236}">
-                  <a16:creationId xmlns:a16="http://schemas.microsoft.com/office/drawing/2014/main" id="{B4AA9640-C83E-E444-8BAD-25FAC47D7A5B}"/>
-                </a:ext>
-              </a:extLst>
-            </p:cNvPr>
-            <p:cNvSpPr/>
-            <p:nvPr/>
-          </p:nvSpPr>
-          <p:spPr bwMode="auto">
-            <a:xfrm>
-              <a:off x="3397004" y="2796773"/>
-              <a:ext cx="241503" cy="195355"/>
-            </a:xfrm>
-            <a:prstGeom prst="rect">
-              <a:avLst/>
-            </a:prstGeom>
-            <a:noFill/>
-            <a:ln>
-              <a:headEnd/>
-              <a:tailEnd/>
-            </a:ln>
-          </p:spPr>
-          <p:style>
-            <a:lnRef idx="2">
-              <a:schemeClr val="dk1"/>
-            </a:lnRef>
-            <a:fillRef idx="1">
-              <a:schemeClr val="lt1"/>
-            </a:fillRef>
-            <a:effectRef idx="0">
-              <a:schemeClr val="dk1"/>
-            </a:effectRef>
-            <a:fontRef idx="minor">
-              <a:schemeClr val="dk1"/>
-            </a:fontRef>
-          </p:style>
-          <p:txBody>
-            <a:bodyPr wrap="none" rtlCol="0" anchor="ctr" anchorCtr="0">
-              <a:noAutofit/>
-            </a:bodyPr>
-            <a:lstStyle/>
-            <a:p>
-              <a:pPr algn="ctr"/>
-              <a:endParaRPr kumimoji="1" lang="ja-JP" altLang="en-US" sz="1800" b="1">
-                <a:solidFill>
-                  <a:schemeClr val="tx1"/>
-                </a:solidFill>
-              </a:endParaRPr>
-            </a:p>
-          </p:txBody>
-        </p:sp>
-        <p:sp>
-          <p:nvSpPr>
-            <p:cNvPr id="28" name="正方形/長方形 27">
-              <a:extLst>
-                <a:ext uri="{FF2B5EF4-FFF2-40B4-BE49-F238E27FC236}">
-                  <a16:creationId xmlns:a16="http://schemas.microsoft.com/office/drawing/2014/main" id="{61B3A1FF-C9EA-0049-851F-0B0CCFF06CD9}"/>
-                </a:ext>
-              </a:extLst>
-            </p:cNvPr>
-            <p:cNvSpPr/>
-            <p:nvPr/>
-          </p:nvSpPr>
-          <p:spPr bwMode="auto">
-            <a:xfrm>
-              <a:off x="3696784" y="2851438"/>
-              <a:ext cx="123248" cy="85849"/>
-            </a:xfrm>
-            <a:prstGeom prst="rect">
-              <a:avLst/>
-            </a:prstGeom>
-            <a:noFill/>
-            <a:ln>
-              <a:headEnd/>
-              <a:tailEnd/>
-            </a:ln>
-          </p:spPr>
-          <p:style>
-            <a:lnRef idx="2">
-              <a:schemeClr val="dk1"/>
-            </a:lnRef>
-            <a:fillRef idx="1">
-              <a:schemeClr val="lt1"/>
-            </a:fillRef>
-            <a:effectRef idx="0">
-              <a:schemeClr val="dk1"/>
-            </a:effectRef>
-            <a:fontRef idx="minor">
-              <a:schemeClr val="dk1"/>
-            </a:fontRef>
-          </p:style>
-          <p:txBody>
-            <a:bodyPr wrap="none" rtlCol="0" anchor="ctr" anchorCtr="0">
-              <a:noAutofit/>
-            </a:bodyPr>
-            <a:lstStyle/>
-            <a:p>
-              <a:pPr algn="ctr"/>
-              <a:endParaRPr kumimoji="1" lang="ja-JP" altLang="en-US" sz="1800" b="1">
-                <a:solidFill>
-                  <a:schemeClr val="tx1"/>
-                </a:solidFill>
-              </a:endParaRPr>
-            </a:p>
-          </p:txBody>
-        </p:sp>
-        <p:cxnSp>
-          <p:nvCxnSpPr>
-            <p:cNvPr id="29" name="直線コネクタ 28">
-              <a:extLst>
-                <a:ext uri="{FF2B5EF4-FFF2-40B4-BE49-F238E27FC236}">
-                  <a16:creationId xmlns:a16="http://schemas.microsoft.com/office/drawing/2014/main" id="{CDDF6D78-35E7-274F-AE06-118ED8981EF6}"/>
-                </a:ext>
-              </a:extLst>
-            </p:cNvPr>
-            <p:cNvCxnSpPr/>
-            <p:nvPr/>
-          </p:nvCxnSpPr>
-          <p:spPr bwMode="auto">
-            <a:xfrm>
-              <a:off x="3446029" y="2937287"/>
-              <a:ext cx="133350" cy="0"/>
-            </a:xfrm>
-            <a:prstGeom prst="line">
-              <a:avLst/>
-            </a:prstGeom>
-            <a:noFill/>
-            <a:ln w="19050" cap="flat" cmpd="sng" algn="ctr">
-              <a:solidFill>
-                <a:schemeClr val="tx1"/>
-              </a:solidFill>
-              <a:prstDash val="solid"/>
-              <a:round/>
-              <a:headEnd type="none" w="med" len="med"/>
-              <a:tailEnd type="none" w="med" len="med"/>
-            </a:ln>
-            <a:effectLst/>
-          </p:spPr>
-        </p:cxnSp>
-        <p:sp>
-          <p:nvSpPr>
-            <p:cNvPr id="30" name="Text Box 33">
-              <a:extLst>
-                <a:ext uri="{FF2B5EF4-FFF2-40B4-BE49-F238E27FC236}">
-                  <a16:creationId xmlns:a16="http://schemas.microsoft.com/office/drawing/2014/main" id="{7455D905-581A-4542-AC34-277D37023194}"/>
-                </a:ext>
-              </a:extLst>
-            </p:cNvPr>
-            <p:cNvSpPr txBox="1">
-              <a:spLocks noChangeArrowheads="1"/>
-            </p:cNvSpPr>
-            <p:nvPr/>
-          </p:nvSpPr>
-          <p:spPr bwMode="gray">
-            <a:xfrm>
-              <a:off x="2009483" y="2770753"/>
-              <a:ext cx="777777" cy="261610"/>
-            </a:xfrm>
-            <a:prstGeom prst="rect">
-              <a:avLst/>
-            </a:prstGeom>
-            <a:noFill/>
-            <a:ln w="3175" cap="rnd">
-              <a:noFill/>
-              <a:miter lim="800000"/>
-              <a:headEnd/>
-              <a:tailEnd/>
-            </a:ln>
-            <a:effectLst/>
-          </p:spPr>
-          <p:txBody>
-            <a:bodyPr wrap="none">
-              <a:spAutoFit/>
-            </a:bodyPr>
-            <a:lstStyle/>
-            <a:p>
-              <a:pPr marL="0" marR="0" lvl="0" indent="0" algn="ctr" defTabSz="914400" eaLnBrk="1" fontAlgn="auto" latinLnBrk="0" hangingPunct="1">
-                <a:lnSpc>
-                  <a:spcPct val="100000"/>
-                </a:lnSpc>
-                <a:spcBef>
-                  <a:spcPts val="0"/>
-                </a:spcBef>
-                <a:spcAft>
-                  <a:spcPts val="0"/>
-                </a:spcAft>
-                <a:buClrTx/>
-                <a:buSzTx/>
-                <a:buFontTx/>
-                <a:buNone/>
-                <a:tabLst/>
-                <a:defRPr/>
-              </a:pPr>
-              <a:r>
-                <a:rPr kumimoji="0" lang="en-US" altLang="ja-JP" sz="1050" kern="0" dirty="0">
-                  <a:solidFill>
-                    <a:schemeClr val="tx1"/>
-                  </a:solidFill>
-                  <a:latin typeface="+mn-ea"/>
-                  <a:ea typeface="+mn-ea"/>
-                </a:rPr>
-                <a:t>Node-RED</a:t>
-              </a:r>
-            </a:p>
-          </p:txBody>
-        </p:sp>
-      </p:grpSp>
-      <p:sp>
-        <p:nvSpPr>
-          <p:cNvPr id="2" name="1 つの角を切り取った四角形 1">
-            <a:extLst>
-              <a:ext uri="{FF2B5EF4-FFF2-40B4-BE49-F238E27FC236}">
-                <a16:creationId xmlns:a16="http://schemas.microsoft.com/office/drawing/2014/main" id="{9B61144D-3933-1941-8A6C-DBB1709B6D2F}"/>
-              </a:ext>
-            </a:extLst>
-          </p:cNvPr>
-          <p:cNvSpPr/>
-          <p:nvPr/>
-        </p:nvSpPr>
-        <p:spPr bwMode="auto">
-          <a:xfrm>
-            <a:off x="344264" y="3362603"/>
-            <a:ext cx="1054619" cy="1043353"/>
-          </a:xfrm>
-          <a:prstGeom prst="snip1Rect">
-            <a:avLst/>
-          </a:prstGeom>
-          <a:ln>
-            <a:headEnd/>
-            <a:tailEnd/>
-          </a:ln>
-        </p:spPr>
-        <p:style>
-          <a:lnRef idx="2">
-            <a:schemeClr val="dk1"/>
-          </a:lnRef>
-          <a:fillRef idx="1">
-            <a:schemeClr val="lt1"/>
-          </a:fillRef>
-          <a:effectRef idx="0">
-            <a:schemeClr val="dk1"/>
-          </a:effectRef>
-          <a:fontRef idx="minor">
-            <a:schemeClr val="dk1"/>
-          </a:fontRef>
-        </p:style>
-        <p:txBody>
-          <a:bodyPr wrap="none" rtlCol="0" anchor="ctr" anchorCtr="0">
-            <a:noAutofit/>
-          </a:bodyPr>
-          <a:lstStyle/>
-          <a:p>
-            <a:r>
-              <a:rPr kumimoji="1" lang="en-US" altLang="ja-JP" sz="1800" dirty="0" err="1">
-                <a:solidFill>
-                  <a:schemeClr val="tx1"/>
-                </a:solidFill>
-              </a:rPr>
-              <a:t>flow.json</a:t>
-            </a:r>
-            <a:endParaRPr kumimoji="1" lang="ja-JP" altLang="en-US" sz="1800">
-              <a:solidFill>
-                <a:schemeClr val="tx1"/>
-              </a:solidFill>
-            </a:endParaRPr>
-          </a:p>
-        </p:txBody>
-      </p:sp>
-      <p:grpSp>
-        <p:nvGrpSpPr>
-          <p:cNvPr id="32" name="グループ化 31">
-            <a:extLst>
-              <a:ext uri="{FF2B5EF4-FFF2-40B4-BE49-F238E27FC236}">
-                <a16:creationId xmlns:a16="http://schemas.microsoft.com/office/drawing/2014/main" id="{766D257B-4957-4A4B-8AB0-C48945DADCCA}"/>
-              </a:ext>
-            </a:extLst>
-          </p:cNvPr>
-          <p:cNvGrpSpPr/>
-          <p:nvPr/>
-        </p:nvGrpSpPr>
-        <p:grpSpPr>
-          <a:xfrm>
-            <a:off x="4947357" y="3077426"/>
-            <a:ext cx="2243052" cy="1613706"/>
-            <a:chOff x="1886216" y="2770753"/>
-            <a:chExt cx="2243052" cy="1613706"/>
-          </a:xfrm>
-        </p:grpSpPr>
-        <p:pic>
-          <p:nvPicPr>
-            <p:cNvPr id="33" name="グラフィックス 32">
-              <a:extLst>
-                <a:ext uri="{FF2B5EF4-FFF2-40B4-BE49-F238E27FC236}">
-                  <a16:creationId xmlns:a16="http://schemas.microsoft.com/office/drawing/2014/main" id="{2AF0152C-61F1-2248-BD36-520E4DE54D7D}"/>
-                </a:ext>
-              </a:extLst>
-            </p:cNvPr>
-            <p:cNvPicPr>
-              <a:picLocks noChangeAspect="1"/>
-            </p:cNvPicPr>
-            <p:nvPr/>
-          </p:nvPicPr>
-          <p:blipFill>
-            <a:blip r:embed="rId3">
-              <a:extLst>
-                <a:ext uri="{96DAC541-7B7A-43D3-8B79-37D633B846F1}">
-                  <asvg:svgBlip xmlns:asvg="http://schemas.microsoft.com/office/drawing/2016/SVG/main" r:embed="rId4"/>
-                </a:ext>
-              </a:extLst>
-            </a:blip>
-            <a:stretch>
-              <a:fillRect/>
-            </a:stretch>
-          </p:blipFill>
-          <p:spPr>
-            <a:xfrm>
-              <a:off x="1891980" y="2806050"/>
-              <a:ext cx="188129" cy="188129"/>
-            </a:xfrm>
-            <a:prstGeom prst="rect">
-              <a:avLst/>
-            </a:prstGeom>
-          </p:spPr>
-        </p:pic>
-        <p:pic>
-          <p:nvPicPr>
-            <p:cNvPr id="34" name="図 33" descr="コンピューターのスクリーンショット&#10;&#10;自動的に生成された説明">
-              <a:extLst>
-                <a:ext uri="{FF2B5EF4-FFF2-40B4-BE49-F238E27FC236}">
-                  <a16:creationId xmlns:a16="http://schemas.microsoft.com/office/drawing/2014/main" id="{F4D3CAFE-A97B-3E48-AF60-A6DFF4326D38}"/>
-                </a:ext>
-              </a:extLst>
-            </p:cNvPr>
-            <p:cNvPicPr>
-              <a:picLocks noChangeAspect="1"/>
-            </p:cNvPicPr>
-            <p:nvPr/>
-          </p:nvPicPr>
-          <p:blipFill>
-            <a:blip r:embed="rId5"/>
-            <a:stretch>
-              <a:fillRect/>
-            </a:stretch>
-          </p:blipFill>
-          <p:spPr>
-            <a:xfrm>
-              <a:off x="1898258" y="2990079"/>
-              <a:ext cx="2231009" cy="1394380"/>
-            </a:xfrm>
-            <a:prstGeom prst="rect">
-              <a:avLst/>
-            </a:prstGeom>
-          </p:spPr>
-        </p:pic>
-        <p:sp>
-          <p:nvSpPr>
-            <p:cNvPr id="35" name="正方形/長方形 34">
-              <a:extLst>
-                <a:ext uri="{FF2B5EF4-FFF2-40B4-BE49-F238E27FC236}">
-                  <a16:creationId xmlns:a16="http://schemas.microsoft.com/office/drawing/2014/main" id="{9FBC9447-73D4-8C41-93AC-0A5311A1A668}"/>
-                </a:ext>
-              </a:extLst>
-            </p:cNvPr>
-            <p:cNvSpPr/>
-            <p:nvPr/>
-          </p:nvSpPr>
-          <p:spPr bwMode="auto">
-            <a:xfrm>
-              <a:off x="1886216" y="2796773"/>
-              <a:ext cx="2243052" cy="1584093"/>
-            </a:xfrm>
-            <a:prstGeom prst="rect">
-              <a:avLst/>
-            </a:prstGeom>
-            <a:noFill/>
-            <a:ln>
-              <a:headEnd/>
-              <a:tailEnd/>
-            </a:ln>
-          </p:spPr>
-          <p:style>
-            <a:lnRef idx="2">
-              <a:schemeClr val="dk1"/>
-            </a:lnRef>
-            <a:fillRef idx="1">
-              <a:schemeClr val="lt1"/>
-            </a:fillRef>
-            <a:effectRef idx="0">
-              <a:schemeClr val="dk1"/>
-            </a:effectRef>
-            <a:fontRef idx="minor">
-              <a:schemeClr val="dk1"/>
-            </a:fontRef>
-          </p:style>
-          <p:txBody>
-            <a:bodyPr wrap="none" rtlCol="0" anchor="ctr" anchorCtr="0">
-              <a:noAutofit/>
-            </a:bodyPr>
-            <a:lstStyle/>
-            <a:p>
-              <a:pPr algn="ctr"/>
-              <a:endParaRPr kumimoji="1" lang="ja-JP" altLang="en-US" sz="1800">
-                <a:solidFill>
-                  <a:schemeClr val="tx1"/>
-                </a:solidFill>
-              </a:endParaRPr>
-            </a:p>
-          </p:txBody>
-        </p:sp>
-        <p:sp>
-          <p:nvSpPr>
-            <p:cNvPr id="36" name="正方形/長方形 35">
-              <a:extLst>
-                <a:ext uri="{FF2B5EF4-FFF2-40B4-BE49-F238E27FC236}">
-                  <a16:creationId xmlns:a16="http://schemas.microsoft.com/office/drawing/2014/main" id="{64FADA5A-E0DD-EB45-A3CA-044448181865}"/>
-                </a:ext>
-              </a:extLst>
-            </p:cNvPr>
-            <p:cNvSpPr/>
-            <p:nvPr/>
-          </p:nvSpPr>
-          <p:spPr bwMode="auto">
-            <a:xfrm>
-              <a:off x="3885180" y="2796773"/>
-              <a:ext cx="241503" cy="195355"/>
-            </a:xfrm>
-            <a:prstGeom prst="rect">
-              <a:avLst/>
-            </a:prstGeom>
-            <a:noFill/>
-            <a:ln>
-              <a:headEnd/>
-              <a:tailEnd/>
-            </a:ln>
-          </p:spPr>
-          <p:style>
-            <a:lnRef idx="2">
-              <a:schemeClr val="dk1"/>
-            </a:lnRef>
-            <a:fillRef idx="1">
-              <a:schemeClr val="lt1"/>
-            </a:fillRef>
-            <a:effectRef idx="0">
-              <a:schemeClr val="dk1"/>
-            </a:effectRef>
-            <a:fontRef idx="minor">
-              <a:schemeClr val="dk1"/>
-            </a:fontRef>
-          </p:style>
-          <p:txBody>
-            <a:bodyPr wrap="none" rtlCol="0" anchor="ctr" anchorCtr="0">
-              <a:noAutofit/>
-            </a:bodyPr>
-            <a:lstStyle/>
-            <a:p>
-              <a:pPr algn="ctr"/>
-              <a:r>
-                <a:rPr kumimoji="1" lang="en-US" altLang="ja-JP" sz="1800" dirty="0">
-                  <a:solidFill>
-                    <a:schemeClr val="tx1"/>
-                  </a:solidFill>
-                </a:rPr>
-                <a:t>x</a:t>
-              </a:r>
-              <a:endParaRPr kumimoji="1" lang="ja-JP" altLang="en-US" sz="1800">
-                <a:solidFill>
-                  <a:schemeClr val="tx1"/>
-                </a:solidFill>
-              </a:endParaRPr>
-            </a:p>
-          </p:txBody>
-        </p:sp>
-        <p:sp>
-          <p:nvSpPr>
-            <p:cNvPr id="37" name="正方形/長方形 36">
-              <a:extLst>
-                <a:ext uri="{FF2B5EF4-FFF2-40B4-BE49-F238E27FC236}">
-                  <a16:creationId xmlns:a16="http://schemas.microsoft.com/office/drawing/2014/main" id="{79F7C839-A920-A048-A785-5332B9081D85}"/>
-                </a:ext>
-              </a:extLst>
-            </p:cNvPr>
-            <p:cNvSpPr/>
-            <p:nvPr/>
-          </p:nvSpPr>
-          <p:spPr bwMode="auto">
-            <a:xfrm>
-              <a:off x="3637656" y="2796773"/>
-              <a:ext cx="241503" cy="195355"/>
-            </a:xfrm>
-            <a:prstGeom prst="rect">
-              <a:avLst/>
-            </a:prstGeom>
-            <a:noFill/>
-            <a:ln>
-              <a:headEnd/>
-              <a:tailEnd/>
-            </a:ln>
-          </p:spPr>
-          <p:style>
-            <a:lnRef idx="2">
-              <a:schemeClr val="dk1"/>
-            </a:lnRef>
-            <a:fillRef idx="1">
-              <a:schemeClr val="lt1"/>
-            </a:fillRef>
-            <a:effectRef idx="0">
-              <a:schemeClr val="dk1"/>
-            </a:effectRef>
-            <a:fontRef idx="minor">
-              <a:schemeClr val="dk1"/>
-            </a:fontRef>
-          </p:style>
-          <p:txBody>
-            <a:bodyPr wrap="none" rtlCol="0" anchor="ctr" anchorCtr="0">
-              <a:noAutofit/>
-            </a:bodyPr>
-            <a:lstStyle/>
-            <a:p>
-              <a:pPr algn="ctr"/>
-              <a:endParaRPr kumimoji="1" lang="ja-JP" altLang="en-US" sz="1800">
-                <a:solidFill>
-                  <a:schemeClr val="tx1"/>
-                </a:solidFill>
-              </a:endParaRPr>
-            </a:p>
-          </p:txBody>
-        </p:sp>
-        <p:sp>
-          <p:nvSpPr>
-            <p:cNvPr id="38" name="正方形/長方形 37">
-              <a:extLst>
-                <a:ext uri="{FF2B5EF4-FFF2-40B4-BE49-F238E27FC236}">
-                  <a16:creationId xmlns:a16="http://schemas.microsoft.com/office/drawing/2014/main" id="{EE8FCB20-9543-E648-A9EB-5813D2D01292}"/>
-                </a:ext>
-              </a:extLst>
-            </p:cNvPr>
-            <p:cNvSpPr/>
-            <p:nvPr/>
-          </p:nvSpPr>
-          <p:spPr bwMode="auto">
-            <a:xfrm>
-              <a:off x="3397004" y="2796773"/>
-              <a:ext cx="241503" cy="195355"/>
-            </a:xfrm>
-            <a:prstGeom prst="rect">
-              <a:avLst/>
-            </a:prstGeom>
-            <a:noFill/>
-            <a:ln>
-              <a:headEnd/>
-              <a:tailEnd/>
-            </a:ln>
-          </p:spPr>
-          <p:style>
-            <a:lnRef idx="2">
-              <a:schemeClr val="dk1"/>
-            </a:lnRef>
-            <a:fillRef idx="1">
-              <a:schemeClr val="lt1"/>
-            </a:fillRef>
-            <a:effectRef idx="0">
-              <a:schemeClr val="dk1"/>
-            </a:effectRef>
-            <a:fontRef idx="minor">
-              <a:schemeClr val="dk1"/>
-            </a:fontRef>
-          </p:style>
-          <p:txBody>
-            <a:bodyPr wrap="none" rtlCol="0" anchor="ctr" anchorCtr="0">
-              <a:noAutofit/>
-            </a:bodyPr>
-            <a:lstStyle/>
-            <a:p>
-              <a:pPr algn="ctr"/>
-              <a:endParaRPr kumimoji="1" lang="ja-JP" altLang="en-US" sz="1800" b="1">
-                <a:solidFill>
-                  <a:schemeClr val="tx1"/>
-                </a:solidFill>
-              </a:endParaRPr>
-            </a:p>
-          </p:txBody>
-        </p:sp>
-        <p:sp>
-          <p:nvSpPr>
-            <p:cNvPr id="39" name="正方形/長方形 38">
-              <a:extLst>
-                <a:ext uri="{FF2B5EF4-FFF2-40B4-BE49-F238E27FC236}">
-                  <a16:creationId xmlns:a16="http://schemas.microsoft.com/office/drawing/2014/main" id="{33B61C6C-DB2F-4246-B632-E8E87D93C654}"/>
-                </a:ext>
-              </a:extLst>
-            </p:cNvPr>
-            <p:cNvSpPr/>
-            <p:nvPr/>
-          </p:nvSpPr>
-          <p:spPr bwMode="auto">
-            <a:xfrm>
-              <a:off x="3696784" y="2851438"/>
-              <a:ext cx="123248" cy="85849"/>
-            </a:xfrm>
-            <a:prstGeom prst="rect">
-              <a:avLst/>
-            </a:prstGeom>
-            <a:noFill/>
-            <a:ln>
-              <a:headEnd/>
-              <a:tailEnd/>
-            </a:ln>
-          </p:spPr>
-          <p:style>
-            <a:lnRef idx="2">
-              <a:schemeClr val="dk1"/>
-            </a:lnRef>
-            <a:fillRef idx="1">
-              <a:schemeClr val="lt1"/>
-            </a:fillRef>
-            <a:effectRef idx="0">
-              <a:schemeClr val="dk1"/>
-            </a:effectRef>
-            <a:fontRef idx="minor">
-              <a:schemeClr val="dk1"/>
-            </a:fontRef>
-          </p:style>
-          <p:txBody>
-            <a:bodyPr wrap="none" rtlCol="0" anchor="ctr" anchorCtr="0">
-              <a:noAutofit/>
-            </a:bodyPr>
-            <a:lstStyle/>
-            <a:p>
-              <a:pPr algn="ctr"/>
-              <a:endParaRPr kumimoji="1" lang="ja-JP" altLang="en-US" sz="1800" b="1">
-                <a:solidFill>
-                  <a:schemeClr val="tx1"/>
-                </a:solidFill>
-              </a:endParaRPr>
-            </a:p>
-          </p:txBody>
-        </p:sp>
-        <p:cxnSp>
-          <p:nvCxnSpPr>
-            <p:cNvPr id="40" name="直線コネクタ 39">
-              <a:extLst>
-                <a:ext uri="{FF2B5EF4-FFF2-40B4-BE49-F238E27FC236}">
-                  <a16:creationId xmlns:a16="http://schemas.microsoft.com/office/drawing/2014/main" id="{B83DB8F7-323E-4148-96EA-7116E54D4FFC}"/>
-                </a:ext>
-              </a:extLst>
-            </p:cNvPr>
-            <p:cNvCxnSpPr/>
-            <p:nvPr/>
-          </p:nvCxnSpPr>
-          <p:spPr bwMode="auto">
-            <a:xfrm>
-              <a:off x="3446029" y="2937287"/>
-              <a:ext cx="133350" cy="0"/>
-            </a:xfrm>
-            <a:prstGeom prst="line">
-              <a:avLst/>
-            </a:prstGeom>
-            <a:noFill/>
-            <a:ln w="19050" cap="flat" cmpd="sng" algn="ctr">
-              <a:solidFill>
-                <a:schemeClr val="tx1"/>
-              </a:solidFill>
-              <a:prstDash val="solid"/>
-              <a:round/>
-              <a:headEnd type="none" w="med" len="med"/>
-              <a:tailEnd type="none" w="med" len="med"/>
-            </a:ln>
-            <a:effectLst/>
-          </p:spPr>
-        </p:cxnSp>
-        <p:sp>
-          <p:nvSpPr>
-            <p:cNvPr id="41" name="Text Box 33">
-              <a:extLst>
-                <a:ext uri="{FF2B5EF4-FFF2-40B4-BE49-F238E27FC236}">
-                  <a16:creationId xmlns:a16="http://schemas.microsoft.com/office/drawing/2014/main" id="{FFAC2E47-AC8F-B34D-ACED-46EF01392F91}"/>
-                </a:ext>
-              </a:extLst>
-            </p:cNvPr>
-            <p:cNvSpPr txBox="1">
-              <a:spLocks noChangeArrowheads="1"/>
-            </p:cNvSpPr>
-            <p:nvPr/>
-          </p:nvSpPr>
-          <p:spPr bwMode="gray">
-            <a:xfrm>
-              <a:off x="2009483" y="2770753"/>
-              <a:ext cx="777777" cy="261610"/>
-            </a:xfrm>
-            <a:prstGeom prst="rect">
-              <a:avLst/>
-            </a:prstGeom>
-            <a:noFill/>
-            <a:ln w="3175" cap="rnd">
-              <a:noFill/>
-              <a:miter lim="800000"/>
-              <a:headEnd/>
-              <a:tailEnd/>
-            </a:ln>
-            <a:effectLst/>
-          </p:spPr>
-          <p:txBody>
-            <a:bodyPr wrap="none">
-              <a:spAutoFit/>
-            </a:bodyPr>
-            <a:lstStyle/>
-            <a:p>
-              <a:pPr marL="0" marR="0" lvl="0" indent="0" algn="ctr" defTabSz="914400" eaLnBrk="1" fontAlgn="auto" latinLnBrk="0" hangingPunct="1">
-                <a:lnSpc>
-                  <a:spcPct val="100000"/>
-                </a:lnSpc>
-                <a:spcBef>
-                  <a:spcPts val="0"/>
-                </a:spcBef>
-                <a:spcAft>
-                  <a:spcPts val="0"/>
-                </a:spcAft>
-                <a:buClrTx/>
-                <a:buSzTx/>
-                <a:buFontTx/>
-                <a:buNone/>
-                <a:tabLst/>
-                <a:defRPr/>
-              </a:pPr>
-              <a:r>
-                <a:rPr kumimoji="0" lang="en-US" altLang="ja-JP" sz="1050" kern="0" dirty="0">
-                  <a:solidFill>
-                    <a:schemeClr val="tx1"/>
-                  </a:solidFill>
-                  <a:latin typeface="+mn-ea"/>
-                  <a:ea typeface="+mn-ea"/>
-                </a:rPr>
-                <a:t>Node-RED</a:t>
-              </a:r>
-            </a:p>
-          </p:txBody>
-        </p:sp>
-      </p:grpSp>
-      <p:sp>
-        <p:nvSpPr>
-          <p:cNvPr id="3" name="右矢印 2">
-            <a:extLst>
-              <a:ext uri="{FF2B5EF4-FFF2-40B4-BE49-F238E27FC236}">
-                <a16:creationId xmlns:a16="http://schemas.microsoft.com/office/drawing/2014/main" id="{68989AB6-AF65-9E4B-B588-09E043C42606}"/>
-              </a:ext>
-            </a:extLst>
-          </p:cNvPr>
-          <p:cNvSpPr/>
-          <p:nvPr/>
-        </p:nvSpPr>
-        <p:spPr bwMode="auto">
-          <a:xfrm>
-            <a:off x="1439224" y="3546469"/>
-            <a:ext cx="739882" cy="772162"/>
-          </a:xfrm>
-          <a:prstGeom prst="rightArrow">
-            <a:avLst/>
-          </a:prstGeom>
-          <a:solidFill>
-            <a:schemeClr val="bg1">
-              <a:lumMod val="75000"/>
-            </a:schemeClr>
-          </a:solidFill>
-          <a:ln w="9525">
-            <a:noFill/>
-            <a:miter lim="800000"/>
-            <a:headEnd/>
-            <a:tailEnd/>
-          </a:ln>
-          <a:effectLst/>
-        </p:spPr>
-        <p:txBody>
-          <a:bodyPr wrap="none" rtlCol="0" anchor="ctr" anchorCtr="0">
-            <a:noAutofit/>
-          </a:bodyPr>
-          <a:lstStyle/>
-          <a:p>
-            <a:r>
-              <a:rPr kumimoji="1" lang="en-US" altLang="ja-JP" sz="1800" dirty="0">
-                <a:solidFill>
-                  <a:schemeClr val="tx1"/>
-                </a:solidFill>
-              </a:rPr>
-              <a:t>Open</a:t>
-            </a:r>
-            <a:endParaRPr kumimoji="1" lang="ja-JP" altLang="en-US" sz="1800">
-              <a:solidFill>
-                <a:schemeClr val="tx1"/>
-              </a:solidFill>
-            </a:endParaRPr>
-          </a:p>
-        </p:txBody>
-      </p:sp>
-      <p:sp>
-        <p:nvSpPr>
-          <p:cNvPr id="42" name="1 つの角を切り取った四角形 41">
-            <a:extLst>
-              <a:ext uri="{FF2B5EF4-FFF2-40B4-BE49-F238E27FC236}">
-                <a16:creationId xmlns:a16="http://schemas.microsoft.com/office/drawing/2014/main" id="{2D559CCA-995E-9941-8694-2ECE18C25B53}"/>
-              </a:ext>
-            </a:extLst>
-          </p:cNvPr>
-          <p:cNvSpPr/>
-          <p:nvPr/>
-        </p:nvSpPr>
-        <p:spPr bwMode="auto">
-          <a:xfrm>
-            <a:off x="7833569" y="3371896"/>
-            <a:ext cx="1054619" cy="1043353"/>
-          </a:xfrm>
-          <a:prstGeom prst="snip1Rect">
-            <a:avLst/>
-          </a:prstGeom>
-          <a:ln>
-            <a:headEnd/>
-            <a:tailEnd/>
-          </a:ln>
-        </p:spPr>
-        <p:style>
-          <a:lnRef idx="2">
-            <a:schemeClr val="dk1"/>
-          </a:lnRef>
-          <a:fillRef idx="1">
-            <a:schemeClr val="lt1"/>
-          </a:fillRef>
-          <a:effectRef idx="0">
-            <a:schemeClr val="dk1"/>
-          </a:effectRef>
-          <a:fontRef idx="minor">
-            <a:schemeClr val="dk1"/>
-          </a:fontRef>
-        </p:style>
-        <p:txBody>
-          <a:bodyPr wrap="none" rtlCol="0" anchor="ctr" anchorCtr="0">
-            <a:noAutofit/>
-          </a:bodyPr>
-          <a:lstStyle/>
-          <a:p>
-            <a:r>
-              <a:rPr kumimoji="1" lang="en-US" altLang="ja-JP" sz="1800" dirty="0" err="1">
-                <a:solidFill>
-                  <a:schemeClr val="tx1"/>
-                </a:solidFill>
-              </a:rPr>
-              <a:t>flow.json</a:t>
-            </a:r>
-            <a:endParaRPr kumimoji="1" lang="ja-JP" altLang="en-US" sz="1800">
-              <a:solidFill>
-                <a:schemeClr val="tx1"/>
-              </a:solidFill>
-            </a:endParaRPr>
-          </a:p>
-        </p:txBody>
-      </p:sp>
-      <p:sp>
-        <p:nvSpPr>
-          <p:cNvPr id="43" name="右矢印 42">
-            <a:extLst>
-              <a:ext uri="{FF2B5EF4-FFF2-40B4-BE49-F238E27FC236}">
-                <a16:creationId xmlns:a16="http://schemas.microsoft.com/office/drawing/2014/main" id="{C5E1075F-2B01-154E-9A38-B281C804ECD4}"/>
-              </a:ext>
-            </a:extLst>
-          </p:cNvPr>
-          <p:cNvSpPr/>
-          <p:nvPr/>
-        </p:nvSpPr>
-        <p:spPr bwMode="auto">
-          <a:xfrm>
-            <a:off x="7069250" y="3507491"/>
-            <a:ext cx="739882" cy="772162"/>
-          </a:xfrm>
-          <a:prstGeom prst="rightArrow">
-            <a:avLst/>
-          </a:prstGeom>
-          <a:solidFill>
-            <a:schemeClr val="bg1">
-              <a:lumMod val="75000"/>
-            </a:schemeClr>
-          </a:solidFill>
-          <a:ln w="9525">
-            <a:noFill/>
-            <a:miter lim="800000"/>
-            <a:headEnd/>
-            <a:tailEnd/>
-          </a:ln>
-          <a:effectLst/>
-        </p:spPr>
-        <p:txBody>
-          <a:bodyPr wrap="none" rtlCol="0" anchor="ctr" anchorCtr="0">
-            <a:noAutofit/>
-          </a:bodyPr>
-          <a:lstStyle/>
-          <a:p>
-            <a:r>
-              <a:rPr kumimoji="1" lang="en-US" altLang="ja-JP" sz="1800" dirty="0">
-                <a:solidFill>
-                  <a:schemeClr val="tx1"/>
-                </a:solidFill>
-              </a:rPr>
-              <a:t>Save</a:t>
-            </a:r>
-            <a:endParaRPr kumimoji="1" lang="ja-JP" altLang="en-US" sz="1800">
-              <a:solidFill>
-                <a:schemeClr val="tx1"/>
-              </a:solidFill>
-            </a:endParaRPr>
-          </a:p>
-        </p:txBody>
-      </p:sp>
-      <p:sp>
-        <p:nvSpPr>
-          <p:cNvPr id="4" name="上矢印 3">
-            <a:extLst>
-              <a:ext uri="{FF2B5EF4-FFF2-40B4-BE49-F238E27FC236}">
-                <a16:creationId xmlns:a16="http://schemas.microsoft.com/office/drawing/2014/main" id="{24405071-6071-9740-8972-EBD33F492BC5}"/>
-              </a:ext>
-            </a:extLst>
-          </p:cNvPr>
-          <p:cNvSpPr/>
-          <p:nvPr/>
-        </p:nvSpPr>
-        <p:spPr bwMode="auto">
-          <a:xfrm rot="18900000">
-            <a:off x="1071438" y="4151600"/>
-            <a:ext cx="358211" cy="462375"/>
-          </a:xfrm>
-          <a:prstGeom prst="upArrow">
-            <a:avLst>
-              <a:gd name="adj1" fmla="val 28575"/>
-              <a:gd name="adj2" fmla="val 69636"/>
-            </a:avLst>
-          </a:prstGeom>
-          <a:ln>
-            <a:headEnd/>
-            <a:tailEnd/>
-          </a:ln>
-        </p:spPr>
-        <p:style>
-          <a:lnRef idx="2">
-            <a:schemeClr val="dk1"/>
-          </a:lnRef>
-          <a:fillRef idx="1">
-            <a:schemeClr val="lt1"/>
-          </a:fillRef>
-          <a:effectRef idx="0">
-            <a:schemeClr val="dk1"/>
-          </a:effectRef>
-          <a:fontRef idx="minor">
-            <a:schemeClr val="dk1"/>
-          </a:fontRef>
-        </p:style>
-        <p:txBody>
-          <a:bodyPr wrap="none" rtlCol="0" anchor="ctr" anchorCtr="0">
-            <a:noAutofit/>
-          </a:bodyPr>
-          <a:lstStyle/>
-          <a:p>
-            <a:pPr algn="ctr"/>
-            <a:endParaRPr kumimoji="1" lang="ja-JP" altLang="en-US" sz="1800">
-              <a:solidFill>
-                <a:schemeClr val="tx1"/>
-              </a:solidFill>
-            </a:endParaRPr>
-          </a:p>
-        </p:txBody>
-      </p:sp>
-      <p:sp>
-        <p:nvSpPr>
-          <p:cNvPr id="44" name="上矢印 43">
-            <a:extLst>
-              <a:ext uri="{FF2B5EF4-FFF2-40B4-BE49-F238E27FC236}">
-                <a16:creationId xmlns:a16="http://schemas.microsoft.com/office/drawing/2014/main" id="{7C2515B0-F291-E940-8FCE-9984AB0399C0}"/>
-              </a:ext>
-            </a:extLst>
-          </p:cNvPr>
-          <p:cNvSpPr/>
-          <p:nvPr/>
-        </p:nvSpPr>
-        <p:spPr bwMode="auto">
-          <a:xfrm rot="18900000">
-            <a:off x="6505137" y="3315282"/>
-            <a:ext cx="358211" cy="462375"/>
-          </a:xfrm>
-          <a:prstGeom prst="upArrow">
-            <a:avLst>
-              <a:gd name="adj1" fmla="val 28575"/>
-              <a:gd name="adj2" fmla="val 69636"/>
-            </a:avLst>
-          </a:prstGeom>
-          <a:ln>
-            <a:headEnd/>
-            <a:tailEnd/>
-          </a:ln>
-        </p:spPr>
-        <p:style>
-          <a:lnRef idx="2">
-            <a:schemeClr val="dk1"/>
-          </a:lnRef>
-          <a:fillRef idx="1">
-            <a:schemeClr val="lt1"/>
-          </a:fillRef>
-          <a:effectRef idx="0">
-            <a:schemeClr val="dk1"/>
-          </a:effectRef>
-          <a:fontRef idx="minor">
-            <a:schemeClr val="dk1"/>
-          </a:fontRef>
-        </p:style>
-        <p:txBody>
-          <a:bodyPr wrap="none" rtlCol="0" anchor="ctr" anchorCtr="0">
-            <a:noAutofit/>
-          </a:bodyPr>
-          <a:lstStyle/>
-          <a:p>
-            <a:pPr algn="ctr"/>
-            <a:endParaRPr kumimoji="1" lang="ja-JP" altLang="en-US" sz="1800">
-              <a:solidFill>
-                <a:schemeClr val="tx1"/>
-              </a:solidFill>
-            </a:endParaRPr>
-          </a:p>
-        </p:txBody>
-      </p:sp>
-      <p:grpSp>
-        <p:nvGrpSpPr>
-          <p:cNvPr id="45" name="グループ化 44">
-            <a:extLst>
-              <a:ext uri="{FF2B5EF4-FFF2-40B4-BE49-F238E27FC236}">
-                <a16:creationId xmlns:a16="http://schemas.microsoft.com/office/drawing/2014/main" id="{2DC691AF-BC69-7F45-B64F-1F643C3FA09C}"/>
-              </a:ext>
-            </a:extLst>
-          </p:cNvPr>
-          <p:cNvGrpSpPr/>
-          <p:nvPr/>
-        </p:nvGrpSpPr>
-        <p:grpSpPr>
-          <a:xfrm>
-            <a:off x="3450474" y="4931557"/>
-            <a:ext cx="2243052" cy="1613706"/>
-            <a:chOff x="1886216" y="2770753"/>
-            <a:chExt cx="2243052" cy="1613706"/>
-          </a:xfrm>
-        </p:grpSpPr>
-        <p:pic>
-          <p:nvPicPr>
-            <p:cNvPr id="46" name="グラフィックス 45">
-              <a:extLst>
-                <a:ext uri="{FF2B5EF4-FFF2-40B4-BE49-F238E27FC236}">
-                  <a16:creationId xmlns:a16="http://schemas.microsoft.com/office/drawing/2014/main" id="{31B89B0E-575B-8D47-8DDC-86AB6AAB65FF}"/>
-                </a:ext>
-              </a:extLst>
-            </p:cNvPr>
-            <p:cNvPicPr>
-              <a:picLocks noChangeAspect="1"/>
-            </p:cNvPicPr>
-            <p:nvPr/>
-          </p:nvPicPr>
-          <p:blipFill>
-            <a:blip r:embed="rId3">
-              <a:extLst>
-                <a:ext uri="{96DAC541-7B7A-43D3-8B79-37D633B846F1}">
-                  <asvg:svgBlip xmlns:asvg="http://schemas.microsoft.com/office/drawing/2016/SVG/main" r:embed="rId4"/>
-                </a:ext>
-              </a:extLst>
-            </a:blip>
-            <a:stretch>
-              <a:fillRect/>
-            </a:stretch>
-          </p:blipFill>
-          <p:spPr>
-            <a:xfrm>
-              <a:off x="1891980" y="2806050"/>
-              <a:ext cx="188129" cy="188129"/>
-            </a:xfrm>
-            <a:prstGeom prst="rect">
-              <a:avLst/>
-            </a:prstGeom>
-          </p:spPr>
-        </p:pic>
-        <p:pic>
-          <p:nvPicPr>
-            <p:cNvPr id="47" name="図 46" descr="コンピューターのスクリーンショット&#10;&#10;自動的に生成された説明">
-              <a:extLst>
-                <a:ext uri="{FF2B5EF4-FFF2-40B4-BE49-F238E27FC236}">
-                  <a16:creationId xmlns:a16="http://schemas.microsoft.com/office/drawing/2014/main" id="{512DCE5F-F231-D748-A7BB-2E411E86E9FD}"/>
-                </a:ext>
-              </a:extLst>
-            </p:cNvPr>
-            <p:cNvPicPr>
-              <a:picLocks noChangeAspect="1"/>
-            </p:cNvPicPr>
-            <p:nvPr/>
-          </p:nvPicPr>
-          <p:blipFill>
-            <a:blip r:embed="rId5"/>
-            <a:stretch>
-              <a:fillRect/>
-            </a:stretch>
-          </p:blipFill>
-          <p:spPr>
-            <a:xfrm>
-              <a:off x="1898258" y="2990079"/>
-              <a:ext cx="2231009" cy="1394380"/>
-            </a:xfrm>
-            <a:prstGeom prst="rect">
-              <a:avLst/>
-            </a:prstGeom>
-          </p:spPr>
-        </p:pic>
-        <p:sp>
-          <p:nvSpPr>
-            <p:cNvPr id="48" name="正方形/長方形 47">
-              <a:extLst>
-                <a:ext uri="{FF2B5EF4-FFF2-40B4-BE49-F238E27FC236}">
-                  <a16:creationId xmlns:a16="http://schemas.microsoft.com/office/drawing/2014/main" id="{463D2335-5FBA-094C-95E0-90B610266044}"/>
-                </a:ext>
-              </a:extLst>
-            </p:cNvPr>
-            <p:cNvSpPr/>
-            <p:nvPr/>
-          </p:nvSpPr>
-          <p:spPr bwMode="auto">
-            <a:xfrm>
-              <a:off x="1886216" y="2796773"/>
-              <a:ext cx="2243052" cy="1584093"/>
-            </a:xfrm>
-            <a:prstGeom prst="rect">
-              <a:avLst/>
-            </a:prstGeom>
-            <a:noFill/>
-            <a:ln>
-              <a:headEnd/>
-              <a:tailEnd/>
-            </a:ln>
-          </p:spPr>
-          <p:style>
-            <a:lnRef idx="2">
-              <a:schemeClr val="dk1"/>
-            </a:lnRef>
-            <a:fillRef idx="1">
-              <a:schemeClr val="lt1"/>
-            </a:fillRef>
-            <a:effectRef idx="0">
-              <a:schemeClr val="dk1"/>
-            </a:effectRef>
-            <a:fontRef idx="minor">
-              <a:schemeClr val="dk1"/>
-            </a:fontRef>
-          </p:style>
-          <p:txBody>
-            <a:bodyPr wrap="none" rtlCol="0" anchor="ctr" anchorCtr="0">
-              <a:noAutofit/>
-            </a:bodyPr>
-            <a:lstStyle/>
-            <a:p>
-              <a:pPr algn="ctr"/>
-              <a:endParaRPr kumimoji="1" lang="ja-JP" altLang="en-US" sz="1800">
-                <a:solidFill>
-                  <a:schemeClr val="tx1"/>
-                </a:solidFill>
-              </a:endParaRPr>
-            </a:p>
-          </p:txBody>
-        </p:sp>
-        <p:sp>
-          <p:nvSpPr>
-            <p:cNvPr id="49" name="正方形/長方形 48">
-              <a:extLst>
-                <a:ext uri="{FF2B5EF4-FFF2-40B4-BE49-F238E27FC236}">
-                  <a16:creationId xmlns:a16="http://schemas.microsoft.com/office/drawing/2014/main" id="{56AD4B77-FC7A-FF46-AF8D-4912D7FCFDC8}"/>
-                </a:ext>
-              </a:extLst>
-            </p:cNvPr>
-            <p:cNvSpPr/>
-            <p:nvPr/>
-          </p:nvSpPr>
-          <p:spPr bwMode="auto">
-            <a:xfrm>
-              <a:off x="3885180" y="2796773"/>
-              <a:ext cx="241503" cy="195355"/>
-            </a:xfrm>
-            <a:prstGeom prst="rect">
-              <a:avLst/>
-            </a:prstGeom>
-            <a:noFill/>
-            <a:ln>
-              <a:headEnd/>
-              <a:tailEnd/>
-            </a:ln>
-          </p:spPr>
-          <p:style>
-            <a:lnRef idx="2">
-              <a:schemeClr val="dk1"/>
-            </a:lnRef>
-            <a:fillRef idx="1">
-              <a:schemeClr val="lt1"/>
-            </a:fillRef>
-            <a:effectRef idx="0">
-              <a:schemeClr val="dk1"/>
-            </a:effectRef>
-            <a:fontRef idx="minor">
-              <a:schemeClr val="dk1"/>
-            </a:fontRef>
-          </p:style>
-          <p:txBody>
-            <a:bodyPr wrap="none" rtlCol="0" anchor="ctr" anchorCtr="0">
-              <a:noAutofit/>
-            </a:bodyPr>
-            <a:lstStyle/>
-            <a:p>
-              <a:pPr algn="ctr"/>
-              <a:r>
-                <a:rPr kumimoji="1" lang="en-US" altLang="ja-JP" sz="1800" dirty="0">
-                  <a:solidFill>
-                    <a:schemeClr val="tx1"/>
-                  </a:solidFill>
-                </a:rPr>
-                <a:t>x</a:t>
-              </a:r>
-              <a:endParaRPr kumimoji="1" lang="ja-JP" altLang="en-US" sz="1800">
-                <a:solidFill>
-                  <a:schemeClr val="tx1"/>
-                </a:solidFill>
-              </a:endParaRPr>
-            </a:p>
-          </p:txBody>
-        </p:sp>
-        <p:sp>
-          <p:nvSpPr>
-            <p:cNvPr id="50" name="正方形/長方形 49">
-              <a:extLst>
-                <a:ext uri="{FF2B5EF4-FFF2-40B4-BE49-F238E27FC236}">
-                  <a16:creationId xmlns:a16="http://schemas.microsoft.com/office/drawing/2014/main" id="{7FADB6DD-5157-5846-B5FD-4429EFF39690}"/>
-                </a:ext>
-              </a:extLst>
-            </p:cNvPr>
-            <p:cNvSpPr/>
-            <p:nvPr/>
-          </p:nvSpPr>
-          <p:spPr bwMode="auto">
-            <a:xfrm>
-              <a:off x="3637656" y="2796773"/>
-              <a:ext cx="241503" cy="195355"/>
-            </a:xfrm>
-            <a:prstGeom prst="rect">
-              <a:avLst/>
-            </a:prstGeom>
-            <a:noFill/>
-            <a:ln>
-              <a:headEnd/>
-              <a:tailEnd/>
-            </a:ln>
-          </p:spPr>
-          <p:style>
-            <a:lnRef idx="2">
-              <a:schemeClr val="dk1"/>
-            </a:lnRef>
-            <a:fillRef idx="1">
-              <a:schemeClr val="lt1"/>
-            </a:fillRef>
-            <a:effectRef idx="0">
-              <a:schemeClr val="dk1"/>
-            </a:effectRef>
-            <a:fontRef idx="minor">
-              <a:schemeClr val="dk1"/>
-            </a:fontRef>
-          </p:style>
-          <p:txBody>
-            <a:bodyPr wrap="none" rtlCol="0" anchor="ctr" anchorCtr="0">
-              <a:noAutofit/>
-            </a:bodyPr>
-            <a:lstStyle/>
-            <a:p>
-              <a:pPr algn="ctr"/>
-              <a:endParaRPr kumimoji="1" lang="ja-JP" altLang="en-US" sz="1800">
-                <a:solidFill>
-                  <a:schemeClr val="tx1"/>
-                </a:solidFill>
-              </a:endParaRPr>
-            </a:p>
-          </p:txBody>
-        </p:sp>
-        <p:sp>
-          <p:nvSpPr>
-            <p:cNvPr id="51" name="正方形/長方形 50">
-              <a:extLst>
-                <a:ext uri="{FF2B5EF4-FFF2-40B4-BE49-F238E27FC236}">
-                  <a16:creationId xmlns:a16="http://schemas.microsoft.com/office/drawing/2014/main" id="{7A89F407-91A9-644F-8DCD-8A1F44C56821}"/>
-                </a:ext>
-              </a:extLst>
-            </p:cNvPr>
-            <p:cNvSpPr/>
-            <p:nvPr/>
-          </p:nvSpPr>
-          <p:spPr bwMode="auto">
-            <a:xfrm>
-              <a:off x="3397004" y="2796773"/>
-              <a:ext cx="241503" cy="195355"/>
-            </a:xfrm>
-            <a:prstGeom prst="rect">
-              <a:avLst/>
-            </a:prstGeom>
-            <a:noFill/>
-            <a:ln>
-              <a:headEnd/>
-              <a:tailEnd/>
-            </a:ln>
-          </p:spPr>
-          <p:style>
-            <a:lnRef idx="2">
-              <a:schemeClr val="dk1"/>
-            </a:lnRef>
-            <a:fillRef idx="1">
-              <a:schemeClr val="lt1"/>
-            </a:fillRef>
-            <a:effectRef idx="0">
-              <a:schemeClr val="dk1"/>
-            </a:effectRef>
-            <a:fontRef idx="minor">
-              <a:schemeClr val="dk1"/>
-            </a:fontRef>
-          </p:style>
-          <p:txBody>
-            <a:bodyPr wrap="none" rtlCol="0" anchor="ctr" anchorCtr="0">
-              <a:noAutofit/>
-            </a:bodyPr>
-            <a:lstStyle/>
-            <a:p>
-              <a:pPr algn="ctr"/>
-              <a:endParaRPr kumimoji="1" lang="ja-JP" altLang="en-US" sz="1800" b="1">
-                <a:solidFill>
-                  <a:schemeClr val="tx1"/>
-                </a:solidFill>
-              </a:endParaRPr>
-            </a:p>
-          </p:txBody>
-        </p:sp>
-        <p:sp>
-          <p:nvSpPr>
-            <p:cNvPr id="52" name="正方形/長方形 51">
-              <a:extLst>
-                <a:ext uri="{FF2B5EF4-FFF2-40B4-BE49-F238E27FC236}">
-                  <a16:creationId xmlns:a16="http://schemas.microsoft.com/office/drawing/2014/main" id="{AC481189-B890-434C-8DAD-1457A34DC2E0}"/>
-                </a:ext>
-              </a:extLst>
-            </p:cNvPr>
-            <p:cNvSpPr/>
-            <p:nvPr/>
-          </p:nvSpPr>
-          <p:spPr bwMode="auto">
-            <a:xfrm>
-              <a:off x="3696784" y="2851438"/>
-              <a:ext cx="123248" cy="85849"/>
-            </a:xfrm>
-            <a:prstGeom prst="rect">
-              <a:avLst/>
-            </a:prstGeom>
-            <a:noFill/>
-            <a:ln>
-              <a:headEnd/>
-              <a:tailEnd/>
-            </a:ln>
-          </p:spPr>
-          <p:style>
-            <a:lnRef idx="2">
-              <a:schemeClr val="dk1"/>
-            </a:lnRef>
-            <a:fillRef idx="1">
-              <a:schemeClr val="lt1"/>
-            </a:fillRef>
-            <a:effectRef idx="0">
-              <a:schemeClr val="dk1"/>
-            </a:effectRef>
-            <a:fontRef idx="minor">
-              <a:schemeClr val="dk1"/>
-            </a:fontRef>
-          </p:style>
-          <p:txBody>
-            <a:bodyPr wrap="none" rtlCol="0" anchor="ctr" anchorCtr="0">
-              <a:noAutofit/>
-            </a:bodyPr>
-            <a:lstStyle/>
-            <a:p>
-              <a:pPr algn="ctr"/>
-              <a:endParaRPr kumimoji="1" lang="ja-JP" altLang="en-US" sz="1800" b="1">
-                <a:solidFill>
-                  <a:schemeClr val="tx1"/>
-                </a:solidFill>
-              </a:endParaRPr>
-            </a:p>
-          </p:txBody>
-        </p:sp>
-        <p:cxnSp>
-          <p:nvCxnSpPr>
-            <p:cNvPr id="53" name="直線コネクタ 52">
-              <a:extLst>
-                <a:ext uri="{FF2B5EF4-FFF2-40B4-BE49-F238E27FC236}">
-                  <a16:creationId xmlns:a16="http://schemas.microsoft.com/office/drawing/2014/main" id="{8B37DFA5-6560-0E4A-BFD0-D637D4801FAC}"/>
-                </a:ext>
-              </a:extLst>
-            </p:cNvPr>
-            <p:cNvCxnSpPr/>
-            <p:nvPr/>
-          </p:nvCxnSpPr>
-          <p:spPr bwMode="auto">
-            <a:xfrm>
-              <a:off x="3446029" y="2937287"/>
-              <a:ext cx="133350" cy="0"/>
-            </a:xfrm>
-            <a:prstGeom prst="line">
-              <a:avLst/>
-            </a:prstGeom>
-            <a:noFill/>
-            <a:ln w="19050" cap="flat" cmpd="sng" algn="ctr">
-              <a:solidFill>
-                <a:schemeClr val="tx1"/>
-              </a:solidFill>
-              <a:prstDash val="solid"/>
-              <a:round/>
-              <a:headEnd type="none" w="med" len="med"/>
-              <a:tailEnd type="none" w="med" len="med"/>
-            </a:ln>
-            <a:effectLst/>
-          </p:spPr>
-        </p:cxnSp>
-        <p:sp>
-          <p:nvSpPr>
-            <p:cNvPr id="54" name="Text Box 33">
-              <a:extLst>
-                <a:ext uri="{FF2B5EF4-FFF2-40B4-BE49-F238E27FC236}">
-                  <a16:creationId xmlns:a16="http://schemas.microsoft.com/office/drawing/2014/main" id="{F17530A6-3759-5347-A666-D25AC2A57A75}"/>
-                </a:ext>
-              </a:extLst>
-            </p:cNvPr>
-            <p:cNvSpPr txBox="1">
-              <a:spLocks noChangeArrowheads="1"/>
-            </p:cNvSpPr>
-            <p:nvPr/>
-          </p:nvSpPr>
-          <p:spPr bwMode="gray">
-            <a:xfrm>
-              <a:off x="2009483" y="2770753"/>
-              <a:ext cx="777777" cy="261610"/>
-            </a:xfrm>
-            <a:prstGeom prst="rect">
-              <a:avLst/>
-            </a:prstGeom>
-            <a:noFill/>
-            <a:ln w="3175" cap="rnd">
-              <a:noFill/>
-              <a:miter lim="800000"/>
-              <a:headEnd/>
-              <a:tailEnd/>
-            </a:ln>
-            <a:effectLst/>
-          </p:spPr>
-          <p:txBody>
-            <a:bodyPr wrap="none">
-              <a:spAutoFit/>
-            </a:bodyPr>
-            <a:lstStyle/>
-            <a:p>
-              <a:pPr marL="0" marR="0" lvl="0" indent="0" algn="ctr" defTabSz="914400" eaLnBrk="1" fontAlgn="auto" latinLnBrk="0" hangingPunct="1">
-                <a:lnSpc>
-                  <a:spcPct val="100000"/>
-                </a:lnSpc>
-                <a:spcBef>
-                  <a:spcPts val="0"/>
-                </a:spcBef>
-                <a:spcAft>
-                  <a:spcPts val="0"/>
-                </a:spcAft>
-                <a:buClrTx/>
-                <a:buSzTx/>
-                <a:buFontTx/>
-                <a:buNone/>
-                <a:tabLst/>
-                <a:defRPr/>
-              </a:pPr>
-              <a:r>
-                <a:rPr kumimoji="0" lang="en-US" altLang="ja-JP" sz="1050" kern="0" dirty="0">
-                  <a:solidFill>
-                    <a:schemeClr val="tx1"/>
-                  </a:solidFill>
-                  <a:latin typeface="+mn-ea"/>
-                  <a:ea typeface="+mn-ea"/>
-                </a:rPr>
-                <a:t>Node-RED</a:t>
-              </a:r>
-            </a:p>
-          </p:txBody>
-        </p:sp>
-      </p:grpSp>
-      <p:sp>
-        <p:nvSpPr>
-          <p:cNvPr id="55" name="上矢印 54">
-            <a:extLst>
-              <a:ext uri="{FF2B5EF4-FFF2-40B4-BE49-F238E27FC236}">
-                <a16:creationId xmlns:a16="http://schemas.microsoft.com/office/drawing/2014/main" id="{C2E75B0F-256E-8B4C-AD4A-6E7BC074C098}"/>
-              </a:ext>
-            </a:extLst>
-          </p:cNvPr>
-          <p:cNvSpPr/>
-          <p:nvPr/>
-        </p:nvSpPr>
-        <p:spPr bwMode="auto">
-          <a:xfrm rot="18900000">
-            <a:off x="5543559" y="4990491"/>
-            <a:ext cx="358211" cy="462375"/>
-          </a:xfrm>
-          <a:prstGeom prst="upArrow">
-            <a:avLst>
-              <a:gd name="adj1" fmla="val 28575"/>
-              <a:gd name="adj2" fmla="val 69636"/>
-            </a:avLst>
-          </a:prstGeom>
-          <a:ln>
-            <a:headEnd/>
-            <a:tailEnd/>
-          </a:ln>
-        </p:spPr>
-        <p:style>
-          <a:lnRef idx="2">
-            <a:schemeClr val="dk1"/>
-          </a:lnRef>
-          <a:fillRef idx="1">
-            <a:schemeClr val="lt1"/>
-          </a:fillRef>
-          <a:effectRef idx="0">
-            <a:schemeClr val="dk1"/>
-          </a:effectRef>
-          <a:fontRef idx="minor">
-            <a:schemeClr val="dk1"/>
-          </a:fontRef>
-        </p:style>
-        <p:txBody>
-          <a:bodyPr wrap="none" rtlCol="0" anchor="ctr" anchorCtr="0">
-            <a:noAutofit/>
-          </a:bodyPr>
-          <a:lstStyle/>
-          <a:p>
-            <a:pPr algn="ctr"/>
-            <a:endParaRPr kumimoji="1" lang="ja-JP" altLang="en-US" sz="1800">
-              <a:solidFill>
-                <a:schemeClr val="tx1"/>
-              </a:solidFill>
-            </a:endParaRPr>
-          </a:p>
-        </p:txBody>
-      </p:sp>
-      <p:grpSp>
-        <p:nvGrpSpPr>
-          <p:cNvPr id="58" name="グループ化 57">
-            <a:extLst>
-              <a:ext uri="{FF2B5EF4-FFF2-40B4-BE49-F238E27FC236}">
-                <a16:creationId xmlns:a16="http://schemas.microsoft.com/office/drawing/2014/main" id="{81458B90-23FD-6E4E-AB6B-B33552CC1682}"/>
-              </a:ext>
-            </a:extLst>
-          </p:cNvPr>
-          <p:cNvGrpSpPr/>
-          <p:nvPr/>
-        </p:nvGrpSpPr>
-        <p:grpSpPr>
-          <a:xfrm>
-            <a:off x="3744188" y="5169351"/>
-            <a:ext cx="1728312" cy="377219"/>
-            <a:chOff x="5459512" y="5226412"/>
-            <a:chExt cx="2793534" cy="580243"/>
-          </a:xfrm>
-        </p:grpSpPr>
-        <p:sp>
-          <p:nvSpPr>
-            <p:cNvPr id="7" name="正方形/長方形 6">
-              <a:extLst>
-                <a:ext uri="{FF2B5EF4-FFF2-40B4-BE49-F238E27FC236}">
-                  <a16:creationId xmlns:a16="http://schemas.microsoft.com/office/drawing/2014/main" id="{094A9757-8120-3944-9744-D5EE41A48891}"/>
-                </a:ext>
-              </a:extLst>
-            </p:cNvPr>
-            <p:cNvSpPr/>
-            <p:nvPr/>
-          </p:nvSpPr>
-          <p:spPr bwMode="auto">
-            <a:xfrm>
-              <a:off x="5459512" y="5226412"/>
-              <a:ext cx="2793534" cy="580243"/>
-            </a:xfrm>
-            <a:prstGeom prst="rect">
-              <a:avLst/>
-            </a:prstGeom>
-            <a:ln>
-              <a:solidFill>
-                <a:srgbClr val="FF0026"/>
-              </a:solidFill>
-              <a:headEnd/>
-              <a:tailEnd/>
-            </a:ln>
-          </p:spPr>
-          <p:style>
-            <a:lnRef idx="2">
-              <a:schemeClr val="dk1"/>
-            </a:lnRef>
-            <a:fillRef idx="1">
-              <a:schemeClr val="lt1"/>
-            </a:fillRef>
-            <a:effectRef idx="0">
-              <a:schemeClr val="dk1"/>
-            </a:effectRef>
-            <a:fontRef idx="minor">
-              <a:schemeClr val="dk1"/>
-            </a:fontRef>
-          </p:style>
-          <p:txBody>
-            <a:bodyPr wrap="none" rtlCol="0" anchor="ctr" anchorCtr="0">
-              <a:noAutofit/>
-            </a:bodyPr>
-            <a:lstStyle/>
-            <a:p>
-              <a:r>
-                <a:rPr kumimoji="1" lang="en-US" altLang="ja-JP" sz="1100" dirty="0">
-                  <a:solidFill>
-                    <a:srgbClr val="FF0000"/>
-                  </a:solidFill>
-                </a:rPr>
-                <a:t>Exit?</a:t>
-              </a:r>
-              <a:endParaRPr kumimoji="1" lang="ja-JP" altLang="en-US" sz="1100">
-                <a:solidFill>
-                  <a:srgbClr val="FF0000"/>
-                </a:solidFill>
-              </a:endParaRPr>
-            </a:p>
-          </p:txBody>
-        </p:sp>
-        <p:sp>
-          <p:nvSpPr>
-            <p:cNvPr id="56" name="正方形/長方形 55">
-              <a:extLst>
-                <a:ext uri="{FF2B5EF4-FFF2-40B4-BE49-F238E27FC236}">
-                  <a16:creationId xmlns:a16="http://schemas.microsoft.com/office/drawing/2014/main" id="{7739B1FE-D898-2F4F-8620-99DBC4D63BAB}"/>
-                </a:ext>
-              </a:extLst>
-            </p:cNvPr>
-            <p:cNvSpPr/>
-            <p:nvPr/>
-          </p:nvSpPr>
-          <p:spPr bwMode="auto">
-            <a:xfrm>
-              <a:off x="7335203" y="5406096"/>
-              <a:ext cx="782209" cy="341826"/>
-            </a:xfrm>
-            <a:prstGeom prst="rect">
-              <a:avLst/>
-            </a:prstGeom>
-            <a:ln>
-              <a:solidFill>
-                <a:srgbClr val="FF0026"/>
-              </a:solidFill>
-              <a:headEnd/>
-              <a:tailEnd/>
-            </a:ln>
-          </p:spPr>
-          <p:style>
-            <a:lnRef idx="2">
-              <a:schemeClr val="dk1"/>
-            </a:lnRef>
-            <a:fillRef idx="1">
-              <a:schemeClr val="lt1"/>
-            </a:fillRef>
-            <a:effectRef idx="0">
-              <a:schemeClr val="dk1"/>
-            </a:effectRef>
-            <a:fontRef idx="minor">
-              <a:schemeClr val="dk1"/>
-            </a:fontRef>
-          </p:style>
-          <p:txBody>
-            <a:bodyPr wrap="none" rtlCol="0" anchor="ctr" anchorCtr="0">
-              <a:noAutofit/>
-            </a:bodyPr>
-            <a:lstStyle/>
-            <a:p>
-              <a:pPr algn="ctr"/>
-              <a:r>
-                <a:rPr kumimoji="1" lang="en-US" altLang="ja-JP" sz="1100" dirty="0">
-                  <a:solidFill>
-                    <a:srgbClr val="FF0000"/>
-                  </a:solidFill>
-                </a:rPr>
-                <a:t>Cancel</a:t>
-              </a:r>
-              <a:endParaRPr kumimoji="1" lang="ja-JP" altLang="en-US" sz="1100">
-                <a:solidFill>
-                  <a:srgbClr val="FF0000"/>
-                </a:solidFill>
-              </a:endParaRPr>
-            </a:p>
-          </p:txBody>
-        </p:sp>
-        <p:sp>
-          <p:nvSpPr>
-            <p:cNvPr id="57" name="正方形/長方形 56">
-              <a:extLst>
-                <a:ext uri="{FF2B5EF4-FFF2-40B4-BE49-F238E27FC236}">
-                  <a16:creationId xmlns:a16="http://schemas.microsoft.com/office/drawing/2014/main" id="{D0AA8574-1273-BC42-B9C7-C3436F60490F}"/>
-                </a:ext>
-              </a:extLst>
-            </p:cNvPr>
-            <p:cNvSpPr/>
-            <p:nvPr/>
-          </p:nvSpPr>
-          <p:spPr bwMode="auto">
-            <a:xfrm>
-              <a:off x="6184715" y="5406097"/>
-              <a:ext cx="1087560" cy="341826"/>
-            </a:xfrm>
-            <a:prstGeom prst="rect">
-              <a:avLst/>
-            </a:prstGeom>
-            <a:ln>
-              <a:solidFill>
-                <a:srgbClr val="FF0026"/>
-              </a:solidFill>
-              <a:headEnd/>
-              <a:tailEnd/>
-            </a:ln>
-          </p:spPr>
-          <p:style>
-            <a:lnRef idx="2">
-              <a:schemeClr val="dk1"/>
-            </a:lnRef>
-            <a:fillRef idx="1">
-              <a:schemeClr val="lt1"/>
-            </a:fillRef>
-            <a:effectRef idx="0">
-              <a:schemeClr val="dk1"/>
-            </a:effectRef>
-            <a:fontRef idx="minor">
-              <a:schemeClr val="dk1"/>
-            </a:fontRef>
-          </p:style>
-          <p:txBody>
-            <a:bodyPr wrap="none" rtlCol="0" anchor="ctr" anchorCtr="0">
-              <a:noAutofit/>
-            </a:bodyPr>
-            <a:lstStyle/>
-            <a:p>
-              <a:pPr algn="ctr"/>
-              <a:r>
-                <a:rPr kumimoji="1" lang="en-US" altLang="ja-JP" sz="1100" dirty="0" err="1">
-                  <a:solidFill>
-                    <a:srgbClr val="FF0000"/>
-                  </a:solidFill>
-                </a:rPr>
-                <a:t>Save&amp;OK</a:t>
-              </a:r>
-              <a:endParaRPr kumimoji="1" lang="ja-JP" altLang="en-US" sz="1100">
-                <a:solidFill>
-                  <a:srgbClr val="FF0000"/>
-                </a:solidFill>
-              </a:endParaRPr>
-            </a:p>
-          </p:txBody>
-        </p:sp>
-      </p:grpSp>
-    </p:spTree>
-    <p:extLst>
-      <p:ext uri="{BB962C8B-B14F-4D97-AF65-F5344CB8AC3E}">
-        <p14:creationId xmlns:p14="http://schemas.microsoft.com/office/powerpoint/2010/main" val="3700708483"/>
-      </p:ext>
-    </p:extLst>
-  </p:cSld>
-  <p:clrMapOvr>
-    <a:masterClrMapping/>
-  </p:clrMapOvr>
-</p:sld>
-</file>
-
-<file path=ppt/slides/slide11.xml><?xml version="1.0" encoding="utf-8"?>
-<p:sld xmlns:a="http://schemas.openxmlformats.org/drawingml/2006/main" xmlns:r="http://schemas.openxmlformats.org/officeDocument/2006/relationships" xmlns:p="http://schemas.openxmlformats.org/presentationml/2006/main">
-  <p:cSld>
-    <p:spTree>
-      <p:nvGrpSpPr>
-        <p:cNvPr id="1" name=""/>
-        <p:cNvGrpSpPr/>
-        <p:nvPr/>
-      </p:nvGrpSpPr>
-      <p:grpSpPr>
-        <a:xfrm>
-          <a:off x="0" y="0"/>
-          <a:ext cx="0" cy="0"/>
-          <a:chOff x="0" y="0"/>
-          <a:chExt cx="0" cy="0"/>
-        </a:xfrm>
-      </p:grpSpPr>
-      <p:sp>
-        <p:nvSpPr>
-          <p:cNvPr id="12" name="タイトル 11"/>
-          <p:cNvSpPr>
-            <a:spLocks noGrp="1"/>
-          </p:cNvSpPr>
-          <p:nvPr>
-            <p:ph type="title"/>
-          </p:nvPr>
-        </p:nvSpPr>
-        <p:spPr bwMode="gray">
-          <a:xfrm>
-            <a:off x="113191" y="179482"/>
-            <a:ext cx="7326000" cy="424732"/>
-          </a:xfrm>
-        </p:spPr>
-        <p:txBody>
-          <a:bodyPr wrap="square">
-            <a:spAutoFit/>
-          </a:bodyPr>
-          <a:lstStyle/>
-          <a:p>
-            <a:r>
-              <a:rPr kumimoji="1" lang="en-US" altLang="ja-JP" dirty="0">
-                <a:latin typeface="+mj-ea"/>
-                <a:ea typeface="+mj-ea"/>
-              </a:rPr>
-              <a:t>Next step</a:t>
-            </a:r>
-            <a:endParaRPr kumimoji="1" lang="ja-JP" altLang="en-US" dirty="0">
-              <a:latin typeface="+mj-ea"/>
-              <a:ea typeface="+mj-ea"/>
-            </a:endParaRPr>
-          </a:p>
-        </p:txBody>
-      </p:sp>
-      <p:sp>
-        <p:nvSpPr>
-          <p:cNvPr id="6" name="スライド番号プレースホルダ 5"/>
-          <p:cNvSpPr>
-            <a:spLocks noGrp="1"/>
-          </p:cNvSpPr>
-          <p:nvPr>
-            <p:ph type="sldNum" sz="quarter" idx="10"/>
-          </p:nvPr>
-        </p:nvSpPr>
-        <p:spPr/>
-        <p:txBody>
-          <a:bodyPr/>
-          <a:lstStyle/>
-          <a:p>
-            <a:pPr>
-              <a:defRPr/>
-            </a:pPr>
-            <a:fld id="{B69A64E9-DEE1-40B5-88E8-A6C3DD001D0B}" type="slidenum">
-              <a:rPr lang="en-US" altLang="ja-JP" smtClean="0"/>
-              <a:pPr>
-                <a:defRPr/>
-              </a:pPr>
-              <a:t>10</a:t>
             </a:fld>
             <a:endParaRPr lang="en-US" altLang="ja-JP"/>
           </a:p>
@@ -8033,7 +5750,7 @@
                 <a:latin typeface="+mn-ea"/>
                 <a:ea typeface="+mn-ea"/>
               </a:rPr>
-              <a:t>             The Container should be restarted to connect new devices.</a:t>
+              <a:t>             The container should be restarted to connect new devices.</a:t>
             </a:r>
           </a:p>
           <a:p>
@@ -10974,6 +8691,32 @@
             </a:r>
           </a:p>
           <a:p>
+            <a:pPr marL="0" marR="0" lvl="0" indent="0" defTabSz="914400" eaLnBrk="1" fontAlgn="auto" latinLnBrk="0" hangingPunct="1">
+              <a:lnSpc>
+                <a:spcPct val="100000"/>
+              </a:lnSpc>
+              <a:spcBef>
+                <a:spcPts val="0"/>
+              </a:spcBef>
+              <a:spcAft>
+                <a:spcPts val="0"/>
+              </a:spcAft>
+              <a:buClrTx/>
+              <a:buSzTx/>
+              <a:buFontTx/>
+              <a:buNone/>
+              <a:tabLst/>
+              <a:defRPr/>
+            </a:pPr>
+            <a:endParaRPr kumimoji="0" lang="en-US" altLang="ja-JP" sz="2200" kern="0" dirty="0">
+              <a:solidFill>
+                <a:srgbClr val="000000"/>
+              </a:solidFill>
+              <a:latin typeface="+mn-ea"/>
+              <a:ea typeface="+mn-ea"/>
+            </a:endParaRPr>
+          </a:p>
+          <a:p>
             <a:pPr marL="342900" marR="0" lvl="0" indent="-342900" defTabSz="914400" eaLnBrk="1" fontAlgn="auto" latinLnBrk="0" hangingPunct="1">
               <a:lnSpc>
                 <a:spcPct val="100000"/>
@@ -11003,7 +8746,7 @@
             </a:r>
           </a:p>
           <a:p>
-            <a:pPr marL="342900" marR="0" lvl="0" indent="-342900" defTabSz="914400" eaLnBrk="1" fontAlgn="auto" latinLnBrk="0" hangingPunct="1">
+            <a:pPr marR="0" lvl="0" defTabSz="914400" eaLnBrk="1" fontAlgn="auto" latinLnBrk="0" hangingPunct="1">
               <a:lnSpc>
                 <a:spcPct val="100000"/>
               </a:lnSpc>
@@ -11015,8 +8758,6 @@
               </a:spcAft>
               <a:buClrTx/>
               <a:buSzTx/>
-              <a:buFont typeface="Arial" panose="020B0604020202020204" pitchFamily="34" charset="0"/>
-              <a:buChar char="•"/>
               <a:tabLst/>
               <a:defRPr/>
             </a:pPr>
@@ -11027,35 +8768,6 @@
               <a:latin typeface="+mn-ea"/>
               <a:ea typeface="+mn-ea"/>
             </a:endParaRPr>
-          </a:p>
-          <a:p>
-            <a:pPr marL="342900" marR="0" lvl="0" indent="-342900" defTabSz="914400" eaLnBrk="1" fontAlgn="auto" latinLnBrk="0" hangingPunct="1">
-              <a:lnSpc>
-                <a:spcPct val="100000"/>
-              </a:lnSpc>
-              <a:spcBef>
-                <a:spcPts val="0"/>
-              </a:spcBef>
-              <a:spcAft>
-                <a:spcPts val="0"/>
-              </a:spcAft>
-              <a:buClrTx/>
-              <a:buSzTx/>
-              <a:buFont typeface="Arial" panose="020B0604020202020204" pitchFamily="34" charset="0"/>
-              <a:buChar char="•"/>
-              <a:tabLst/>
-              <a:defRPr/>
-            </a:pPr>
-            <a:r>
-              <a:rPr kumimoji="0" lang="en-US" altLang="ja-JP" sz="2200" kern="0" dirty="0">
-                <a:solidFill>
-                  <a:srgbClr val="000000"/>
-                </a:solidFill>
-                <a:latin typeface="+mn-ea"/>
-                <a:ea typeface="+mn-ea"/>
-              </a:rPr>
-              <a:t>Suggestion about windowless mode related to the use case 4</a:t>
-            </a:r>
           </a:p>
         </p:txBody>
       </p:sp>
@@ -12665,7 +10377,7 @@
         <p:spPr bwMode="gray">
           <a:xfrm>
             <a:off x="102644" y="911224"/>
-            <a:ext cx="7709162" cy="1107996"/>
+            <a:ext cx="7771679" cy="1107996"/>
           </a:xfrm>
           <a:prstGeom prst="rect">
             <a:avLst/>
@@ -14330,2442 +12042,6 @@
         <p:spPr bwMode="gray">
           <a:xfrm>
             <a:off x="102644" y="911224"/>
-            <a:ext cx="8369599" cy="769441"/>
-          </a:xfrm>
-          <a:prstGeom prst="rect">
-            <a:avLst/>
-          </a:prstGeom>
-          <a:noFill/>
-          <a:ln w="3175" cap="rnd">
-            <a:noFill/>
-            <a:miter lim="800000"/>
-            <a:headEnd/>
-            <a:tailEnd/>
-          </a:ln>
-          <a:effectLst/>
-        </p:spPr>
-        <p:txBody>
-          <a:bodyPr wrap="none">
-            <a:spAutoFit/>
-          </a:bodyPr>
-          <a:lstStyle/>
-          <a:p>
-            <a:pPr marL="0" marR="0" lvl="0" indent="0" defTabSz="914400" eaLnBrk="1" fontAlgn="auto" latinLnBrk="0" hangingPunct="1">
-              <a:lnSpc>
-                <a:spcPct val="100000"/>
-              </a:lnSpc>
-              <a:spcBef>
-                <a:spcPts val="0"/>
-              </a:spcBef>
-              <a:spcAft>
-                <a:spcPts val="0"/>
-              </a:spcAft>
-              <a:buClrTx/>
-              <a:buSzTx/>
-              <a:buFontTx/>
-              <a:buNone/>
-              <a:tabLst/>
-              <a:defRPr/>
-            </a:pPr>
-            <a:r>
-              <a:rPr kumimoji="0" lang="en-US" altLang="ja-JP" sz="2200" kern="0" dirty="0">
-                <a:solidFill>
-                  <a:srgbClr val="000000"/>
-                </a:solidFill>
-                <a:latin typeface="+mn-ea"/>
-                <a:ea typeface="+mn-ea"/>
-              </a:rPr>
-              <a:t>When users want to use the old version of Node.js</a:t>
-            </a:r>
-          </a:p>
-          <a:p>
-            <a:pPr marL="0" marR="0" lvl="0" indent="0" defTabSz="914400" eaLnBrk="1" fontAlgn="auto" latinLnBrk="0" hangingPunct="1">
-              <a:lnSpc>
-                <a:spcPct val="100000"/>
-              </a:lnSpc>
-              <a:spcBef>
-                <a:spcPts val="0"/>
-              </a:spcBef>
-              <a:spcAft>
-                <a:spcPts val="0"/>
-              </a:spcAft>
-              <a:buClrTx/>
-              <a:buSzTx/>
-              <a:buFontTx/>
-              <a:buNone/>
-              <a:tabLst/>
-              <a:defRPr/>
-            </a:pPr>
-            <a:r>
-              <a:rPr kumimoji="0" lang="en-US" altLang="ja-JP" sz="2200" kern="0" dirty="0">
-                <a:solidFill>
-                  <a:srgbClr val="000000"/>
-                </a:solidFill>
-                <a:latin typeface="+mn-ea"/>
-                <a:ea typeface="+mn-ea"/>
-              </a:rPr>
-              <a:t>but they use the latest browser, the windowless mode may be ideal.</a:t>
-            </a:r>
-            <a:endParaRPr kumimoji="0" lang="en-US" altLang="ja-JP" sz="2200" b="0" i="0" u="none" strike="noStrike" kern="0" cap="none" spc="0" normalizeH="0" baseline="0" noProof="0" dirty="0">
-              <a:ln>
-                <a:noFill/>
-              </a:ln>
-              <a:solidFill>
-                <a:srgbClr val="000000"/>
-              </a:solidFill>
-              <a:effectLst/>
-              <a:uLnTx/>
-              <a:uFillTx/>
-              <a:latin typeface="+mn-ea"/>
-              <a:ea typeface="+mn-ea"/>
-            </a:endParaRPr>
-          </a:p>
-        </p:txBody>
-      </p:sp>
-      <p:sp>
-        <p:nvSpPr>
-          <p:cNvPr id="12" name="タイトル 11"/>
-          <p:cNvSpPr>
-            <a:spLocks noGrp="1"/>
-          </p:cNvSpPr>
-          <p:nvPr>
-            <p:ph type="title"/>
-          </p:nvPr>
-        </p:nvSpPr>
-        <p:spPr bwMode="gray">
-          <a:xfrm>
-            <a:off x="113190" y="179482"/>
-            <a:ext cx="9030810" cy="424732"/>
-          </a:xfrm>
-        </p:spPr>
-        <p:txBody>
-          <a:bodyPr wrap="square">
-            <a:spAutoFit/>
-          </a:bodyPr>
-          <a:lstStyle/>
-          <a:p>
-            <a:r>
-              <a:rPr lang="en-US" altLang="ja-JP" dirty="0"/>
-              <a:t>Suggestion: Enabling browser access to flow editor</a:t>
-            </a:r>
-            <a:endParaRPr kumimoji="1" lang="ja-JP" altLang="en-US" dirty="0">
-              <a:latin typeface="+mj-ea"/>
-              <a:ea typeface="+mj-ea"/>
-            </a:endParaRPr>
-          </a:p>
-        </p:txBody>
-      </p:sp>
-      <p:sp>
-        <p:nvSpPr>
-          <p:cNvPr id="6" name="スライド番号プレースホルダ 5"/>
-          <p:cNvSpPr>
-            <a:spLocks noGrp="1"/>
-          </p:cNvSpPr>
-          <p:nvPr>
-            <p:ph type="sldNum" sz="quarter" idx="10"/>
-          </p:nvPr>
-        </p:nvSpPr>
-        <p:spPr/>
-        <p:txBody>
-          <a:bodyPr/>
-          <a:lstStyle/>
-          <a:p>
-            <a:pPr>
-              <a:defRPr/>
-            </a:pPr>
-            <a:fld id="{B69A64E9-DEE1-40B5-88E8-A6C3DD001D0B}" type="slidenum">
-              <a:rPr lang="en-US" altLang="ja-JP" smtClean="0"/>
-              <a:pPr>
-                <a:defRPr/>
-              </a:pPr>
-              <a:t>5</a:t>
-            </a:fld>
-            <a:endParaRPr lang="en-US" altLang="ja-JP"/>
-          </a:p>
-        </p:txBody>
-      </p:sp>
-      <p:grpSp>
-        <p:nvGrpSpPr>
-          <p:cNvPr id="4" name="グループ化 3">
-            <a:extLst>
-              <a:ext uri="{FF2B5EF4-FFF2-40B4-BE49-F238E27FC236}">
-                <a16:creationId xmlns:a16="http://schemas.microsoft.com/office/drawing/2014/main" id="{DDC020A3-1E27-504E-8D81-A9060F739CE6}"/>
-              </a:ext>
-            </a:extLst>
-          </p:cNvPr>
-          <p:cNvGrpSpPr/>
-          <p:nvPr/>
-        </p:nvGrpSpPr>
-        <p:grpSpPr>
-          <a:xfrm>
-            <a:off x="4164219" y="3331735"/>
-            <a:ext cx="1307662" cy="923500"/>
-            <a:chOff x="1886216" y="2796773"/>
-            <a:chExt cx="2243052" cy="1584093"/>
-          </a:xfrm>
-        </p:grpSpPr>
-        <p:pic>
-          <p:nvPicPr>
-            <p:cNvPr id="7" name="グラフィックス 6">
-              <a:extLst>
-                <a:ext uri="{FF2B5EF4-FFF2-40B4-BE49-F238E27FC236}">
-                  <a16:creationId xmlns:a16="http://schemas.microsoft.com/office/drawing/2014/main" id="{57EDD053-495A-E34D-A1C8-C9909D7DD738}"/>
-                </a:ext>
-              </a:extLst>
-            </p:cNvPr>
-            <p:cNvPicPr>
-              <a:picLocks noChangeAspect="1"/>
-            </p:cNvPicPr>
-            <p:nvPr/>
-          </p:nvPicPr>
-          <p:blipFill>
-            <a:blip r:embed="rId3">
-              <a:extLst>
-                <a:ext uri="{96DAC541-7B7A-43D3-8B79-37D633B846F1}">
-                  <asvg:svgBlip xmlns:asvg="http://schemas.microsoft.com/office/drawing/2016/SVG/main" r:embed="rId4"/>
-                </a:ext>
-              </a:extLst>
-            </a:blip>
-            <a:stretch>
-              <a:fillRect/>
-            </a:stretch>
-          </p:blipFill>
-          <p:spPr>
-            <a:xfrm>
-              <a:off x="1891980" y="2806050"/>
-              <a:ext cx="188129" cy="188129"/>
-            </a:xfrm>
-            <a:prstGeom prst="rect">
-              <a:avLst/>
-            </a:prstGeom>
-          </p:spPr>
-        </p:pic>
-        <p:sp>
-          <p:nvSpPr>
-            <p:cNvPr id="9" name="正方形/長方形 8">
-              <a:extLst>
-                <a:ext uri="{FF2B5EF4-FFF2-40B4-BE49-F238E27FC236}">
-                  <a16:creationId xmlns:a16="http://schemas.microsoft.com/office/drawing/2014/main" id="{054A2D94-819C-D942-A266-9992B02A0BBD}"/>
-                </a:ext>
-              </a:extLst>
-            </p:cNvPr>
-            <p:cNvSpPr/>
-            <p:nvPr/>
-          </p:nvSpPr>
-          <p:spPr bwMode="auto">
-            <a:xfrm>
-              <a:off x="1886216" y="2796773"/>
-              <a:ext cx="2243052" cy="1584093"/>
-            </a:xfrm>
-            <a:prstGeom prst="rect">
-              <a:avLst/>
-            </a:prstGeom>
-            <a:noFill/>
-            <a:ln>
-              <a:prstDash val="lgDash"/>
-              <a:headEnd/>
-              <a:tailEnd/>
-            </a:ln>
-          </p:spPr>
-          <p:style>
-            <a:lnRef idx="2">
-              <a:schemeClr val="dk1"/>
-            </a:lnRef>
-            <a:fillRef idx="1">
-              <a:schemeClr val="lt1"/>
-            </a:fillRef>
-            <a:effectRef idx="0">
-              <a:schemeClr val="dk1"/>
-            </a:effectRef>
-            <a:fontRef idx="minor">
-              <a:schemeClr val="dk1"/>
-            </a:fontRef>
-          </p:style>
-          <p:txBody>
-            <a:bodyPr wrap="none" rtlCol="0" anchor="ctr" anchorCtr="0">
-              <a:noAutofit/>
-            </a:bodyPr>
-            <a:lstStyle/>
-            <a:p>
-              <a:pPr algn="ctr"/>
-              <a:endParaRPr kumimoji="1" lang="ja-JP" altLang="en-US" sz="1800">
-                <a:solidFill>
-                  <a:schemeClr val="tx1"/>
-                </a:solidFill>
-              </a:endParaRPr>
-            </a:p>
-          </p:txBody>
-        </p:sp>
-        <p:sp>
-          <p:nvSpPr>
-            <p:cNvPr id="10" name="正方形/長方形 9">
-              <a:extLst>
-                <a:ext uri="{FF2B5EF4-FFF2-40B4-BE49-F238E27FC236}">
-                  <a16:creationId xmlns:a16="http://schemas.microsoft.com/office/drawing/2014/main" id="{A4C7DC7B-6C8D-B041-8C27-D3FF0AA3DF75}"/>
-                </a:ext>
-              </a:extLst>
-            </p:cNvPr>
-            <p:cNvSpPr/>
-            <p:nvPr/>
-          </p:nvSpPr>
-          <p:spPr bwMode="auto">
-            <a:xfrm>
-              <a:off x="3885180" y="2796773"/>
-              <a:ext cx="241503" cy="195355"/>
-            </a:xfrm>
-            <a:prstGeom prst="rect">
-              <a:avLst/>
-            </a:prstGeom>
-            <a:noFill/>
-            <a:ln>
-              <a:headEnd/>
-              <a:tailEnd/>
-            </a:ln>
-          </p:spPr>
-          <p:style>
-            <a:lnRef idx="2">
-              <a:schemeClr val="dk1"/>
-            </a:lnRef>
-            <a:fillRef idx="1">
-              <a:schemeClr val="lt1"/>
-            </a:fillRef>
-            <a:effectRef idx="0">
-              <a:schemeClr val="dk1"/>
-            </a:effectRef>
-            <a:fontRef idx="minor">
-              <a:schemeClr val="dk1"/>
-            </a:fontRef>
-          </p:style>
-          <p:txBody>
-            <a:bodyPr wrap="none" rtlCol="0" anchor="ctr" anchorCtr="0">
-              <a:noAutofit/>
-            </a:bodyPr>
-            <a:lstStyle/>
-            <a:p>
-              <a:pPr algn="ctr"/>
-              <a:r>
-                <a:rPr kumimoji="1" lang="en-US" altLang="ja-JP" sz="1800" dirty="0">
-                  <a:solidFill>
-                    <a:schemeClr val="tx1"/>
-                  </a:solidFill>
-                </a:rPr>
-                <a:t>x</a:t>
-              </a:r>
-              <a:endParaRPr kumimoji="1" lang="ja-JP" altLang="en-US" sz="1800">
-                <a:solidFill>
-                  <a:schemeClr val="tx1"/>
-                </a:solidFill>
-              </a:endParaRPr>
-            </a:p>
-          </p:txBody>
-        </p:sp>
-        <p:sp>
-          <p:nvSpPr>
-            <p:cNvPr id="11" name="正方形/長方形 10">
-              <a:extLst>
-                <a:ext uri="{FF2B5EF4-FFF2-40B4-BE49-F238E27FC236}">
-                  <a16:creationId xmlns:a16="http://schemas.microsoft.com/office/drawing/2014/main" id="{0383C47B-B658-8A41-AF8D-0E5CF1E1AF76}"/>
-                </a:ext>
-              </a:extLst>
-            </p:cNvPr>
-            <p:cNvSpPr/>
-            <p:nvPr/>
-          </p:nvSpPr>
-          <p:spPr bwMode="auto">
-            <a:xfrm>
-              <a:off x="3637656" y="2796773"/>
-              <a:ext cx="241503" cy="195355"/>
-            </a:xfrm>
-            <a:prstGeom prst="rect">
-              <a:avLst/>
-            </a:prstGeom>
-            <a:noFill/>
-            <a:ln>
-              <a:headEnd/>
-              <a:tailEnd/>
-            </a:ln>
-          </p:spPr>
-          <p:style>
-            <a:lnRef idx="2">
-              <a:schemeClr val="dk1"/>
-            </a:lnRef>
-            <a:fillRef idx="1">
-              <a:schemeClr val="lt1"/>
-            </a:fillRef>
-            <a:effectRef idx="0">
-              <a:schemeClr val="dk1"/>
-            </a:effectRef>
-            <a:fontRef idx="minor">
-              <a:schemeClr val="dk1"/>
-            </a:fontRef>
-          </p:style>
-          <p:txBody>
-            <a:bodyPr wrap="none" rtlCol="0" anchor="ctr" anchorCtr="0">
-              <a:noAutofit/>
-            </a:bodyPr>
-            <a:lstStyle/>
-            <a:p>
-              <a:pPr algn="ctr"/>
-              <a:endParaRPr kumimoji="1" lang="ja-JP" altLang="en-US" sz="1800">
-                <a:solidFill>
-                  <a:schemeClr val="tx1"/>
-                </a:solidFill>
-              </a:endParaRPr>
-            </a:p>
-          </p:txBody>
-        </p:sp>
-        <p:sp>
-          <p:nvSpPr>
-            <p:cNvPr id="13" name="正方形/長方形 12">
-              <a:extLst>
-                <a:ext uri="{FF2B5EF4-FFF2-40B4-BE49-F238E27FC236}">
-                  <a16:creationId xmlns:a16="http://schemas.microsoft.com/office/drawing/2014/main" id="{AF8B1694-7F6A-DD42-AA72-A8CBEC79B918}"/>
-                </a:ext>
-              </a:extLst>
-            </p:cNvPr>
-            <p:cNvSpPr/>
-            <p:nvPr/>
-          </p:nvSpPr>
-          <p:spPr bwMode="auto">
-            <a:xfrm>
-              <a:off x="3397004" y="2796773"/>
-              <a:ext cx="241503" cy="195355"/>
-            </a:xfrm>
-            <a:prstGeom prst="rect">
-              <a:avLst/>
-            </a:prstGeom>
-            <a:noFill/>
-            <a:ln>
-              <a:headEnd/>
-              <a:tailEnd/>
-            </a:ln>
-          </p:spPr>
-          <p:style>
-            <a:lnRef idx="2">
-              <a:schemeClr val="dk1"/>
-            </a:lnRef>
-            <a:fillRef idx="1">
-              <a:schemeClr val="lt1"/>
-            </a:fillRef>
-            <a:effectRef idx="0">
-              <a:schemeClr val="dk1"/>
-            </a:effectRef>
-            <a:fontRef idx="minor">
-              <a:schemeClr val="dk1"/>
-            </a:fontRef>
-          </p:style>
-          <p:txBody>
-            <a:bodyPr wrap="none" rtlCol="0" anchor="ctr" anchorCtr="0">
-              <a:noAutofit/>
-            </a:bodyPr>
-            <a:lstStyle/>
-            <a:p>
-              <a:pPr algn="ctr"/>
-              <a:endParaRPr kumimoji="1" lang="ja-JP" altLang="en-US" sz="1800" b="1">
-                <a:solidFill>
-                  <a:schemeClr val="tx1"/>
-                </a:solidFill>
-              </a:endParaRPr>
-            </a:p>
-          </p:txBody>
-        </p:sp>
-        <p:sp>
-          <p:nvSpPr>
-            <p:cNvPr id="14" name="正方形/長方形 13">
-              <a:extLst>
-                <a:ext uri="{FF2B5EF4-FFF2-40B4-BE49-F238E27FC236}">
-                  <a16:creationId xmlns:a16="http://schemas.microsoft.com/office/drawing/2014/main" id="{A96EEEB6-7F10-F146-BEA0-E6ECA8BE6C7C}"/>
-                </a:ext>
-              </a:extLst>
-            </p:cNvPr>
-            <p:cNvSpPr/>
-            <p:nvPr/>
-          </p:nvSpPr>
-          <p:spPr bwMode="auto">
-            <a:xfrm>
-              <a:off x="3696784" y="2851438"/>
-              <a:ext cx="123248" cy="85849"/>
-            </a:xfrm>
-            <a:prstGeom prst="rect">
-              <a:avLst/>
-            </a:prstGeom>
-            <a:noFill/>
-            <a:ln>
-              <a:headEnd/>
-              <a:tailEnd/>
-            </a:ln>
-          </p:spPr>
-          <p:style>
-            <a:lnRef idx="2">
-              <a:schemeClr val="dk1"/>
-            </a:lnRef>
-            <a:fillRef idx="1">
-              <a:schemeClr val="lt1"/>
-            </a:fillRef>
-            <a:effectRef idx="0">
-              <a:schemeClr val="dk1"/>
-            </a:effectRef>
-            <a:fontRef idx="minor">
-              <a:schemeClr val="dk1"/>
-            </a:fontRef>
-          </p:style>
-          <p:txBody>
-            <a:bodyPr wrap="none" rtlCol="0" anchor="ctr" anchorCtr="0">
-              <a:noAutofit/>
-            </a:bodyPr>
-            <a:lstStyle/>
-            <a:p>
-              <a:pPr algn="ctr"/>
-              <a:endParaRPr kumimoji="1" lang="ja-JP" altLang="en-US" sz="1800" b="1">
-                <a:solidFill>
-                  <a:schemeClr val="tx1"/>
-                </a:solidFill>
-              </a:endParaRPr>
-            </a:p>
-          </p:txBody>
-        </p:sp>
-        <p:cxnSp>
-          <p:nvCxnSpPr>
-            <p:cNvPr id="15" name="直線コネクタ 14">
-              <a:extLst>
-                <a:ext uri="{FF2B5EF4-FFF2-40B4-BE49-F238E27FC236}">
-                  <a16:creationId xmlns:a16="http://schemas.microsoft.com/office/drawing/2014/main" id="{DBFC469E-81C9-314E-AFA9-CF11BAC48C0E}"/>
-                </a:ext>
-              </a:extLst>
-            </p:cNvPr>
-            <p:cNvCxnSpPr/>
-            <p:nvPr/>
-          </p:nvCxnSpPr>
-          <p:spPr bwMode="auto">
-            <a:xfrm>
-              <a:off x="3446029" y="2937287"/>
-              <a:ext cx="133350" cy="0"/>
-            </a:xfrm>
-            <a:prstGeom prst="line">
-              <a:avLst/>
-            </a:prstGeom>
-            <a:noFill/>
-            <a:ln w="19050" cap="flat" cmpd="sng" algn="ctr">
-              <a:solidFill>
-                <a:schemeClr val="tx1"/>
-              </a:solidFill>
-              <a:prstDash val="solid"/>
-              <a:round/>
-              <a:headEnd type="none" w="med" len="med"/>
-              <a:tailEnd type="none" w="med" len="med"/>
-            </a:ln>
-            <a:effectLst/>
-          </p:spPr>
-        </p:cxnSp>
-      </p:grpSp>
-      <p:graphicFrame>
-        <p:nvGraphicFramePr>
-          <p:cNvPr id="5" name="表 4">
-            <a:extLst>
-              <a:ext uri="{FF2B5EF4-FFF2-40B4-BE49-F238E27FC236}">
-                <a16:creationId xmlns:a16="http://schemas.microsoft.com/office/drawing/2014/main" id="{BA4B1C9C-A4FE-A04D-A965-39694AA6BE5F}"/>
-              </a:ext>
-            </a:extLst>
-          </p:cNvPr>
-          <p:cNvGraphicFramePr>
-            <a:graphicFrameLocks noGrp="1"/>
-          </p:cNvGraphicFramePr>
-          <p:nvPr>
-            <p:extLst>
-              <p:ext uri="{D42A27DB-BD31-4B8C-83A1-F6EECF244321}">
-                <p14:modId xmlns:p14="http://schemas.microsoft.com/office/powerpoint/2010/main" val="1144775880"/>
-              </p:ext>
-            </p:extLst>
-          </p:nvPr>
-        </p:nvGraphicFramePr>
-        <p:xfrm>
-          <a:off x="291170" y="3489210"/>
-          <a:ext cx="3061971" cy="2171700"/>
-        </p:xfrm>
-        <a:graphic>
-          <a:graphicData uri="http://schemas.openxmlformats.org/drawingml/2006/table">
-            <a:tbl>
-              <a:tblPr firstRow="1" bandRow="1">
-                <a:tableStyleId>{5C22544A-7EE6-4342-B048-85BDC9FD1C3A}</a:tableStyleId>
-              </a:tblPr>
-              <a:tblGrid>
-                <a:gridCol w="294005">
-                  <a:extLst>
-                    <a:ext uri="{9D8B030D-6E8A-4147-A177-3AD203B41FA5}">
-                      <a16:colId xmlns:a16="http://schemas.microsoft.com/office/drawing/2014/main" val="634588555"/>
-                    </a:ext>
-                  </a:extLst>
-                </a:gridCol>
-                <a:gridCol w="752793">
-                  <a:extLst>
-                    <a:ext uri="{9D8B030D-6E8A-4147-A177-3AD203B41FA5}">
-                      <a16:colId xmlns:a16="http://schemas.microsoft.com/office/drawing/2014/main" val="3597028429"/>
-                    </a:ext>
-                  </a:extLst>
-                </a:gridCol>
-                <a:gridCol w="1040130">
-                  <a:extLst>
-                    <a:ext uri="{9D8B030D-6E8A-4147-A177-3AD203B41FA5}">
-                      <a16:colId xmlns:a16="http://schemas.microsoft.com/office/drawing/2014/main" val="3173415226"/>
-                    </a:ext>
-                  </a:extLst>
-                </a:gridCol>
-                <a:gridCol w="975043">
-                  <a:extLst>
-                    <a:ext uri="{9D8B030D-6E8A-4147-A177-3AD203B41FA5}">
-                      <a16:colId xmlns:a16="http://schemas.microsoft.com/office/drawing/2014/main" val="883997496"/>
-                    </a:ext>
-                  </a:extLst>
-                </a:gridCol>
-              </a:tblGrid>
-              <a:tr h="232476">
-                <a:tc>
-                  <a:txBody>
-                    <a:bodyPr/>
-                    <a:lstStyle/>
-                    <a:p>
-                      <a:pPr algn="ctr"/>
-                      <a:r>
-                        <a:rPr kumimoji="1" lang="en-US" altLang="ja-JP" sz="1050" dirty="0"/>
-                        <a:t>#</a:t>
-                      </a:r>
-                      <a:endParaRPr kumimoji="1" lang="ja-JP" altLang="en-US" sz="1050"/>
-                    </a:p>
-                  </a:txBody>
-                  <a:tcPr anchor="ctr"/>
-                </a:tc>
-                <a:tc>
-                  <a:txBody>
-                    <a:bodyPr/>
-                    <a:lstStyle/>
-                    <a:p>
-                      <a:pPr algn="ctr"/>
-                      <a:r>
-                        <a:rPr kumimoji="1" lang="en-US" altLang="ja-JP" sz="1050" dirty="0"/>
-                        <a:t>Electron</a:t>
-                      </a:r>
-                      <a:endParaRPr kumimoji="1" lang="ja-JP" altLang="en-US" sz="1050"/>
-                    </a:p>
-                  </a:txBody>
-                  <a:tcPr anchor="ctr"/>
-                </a:tc>
-                <a:tc>
-                  <a:txBody>
-                    <a:bodyPr/>
-                    <a:lstStyle/>
-                    <a:p>
-                      <a:pPr algn="ctr"/>
-                      <a:r>
-                        <a:rPr kumimoji="1" lang="en-US" altLang="ja-JP" sz="1050" dirty="0"/>
-                        <a:t>Chromium in</a:t>
-                      </a:r>
-                    </a:p>
-                    <a:p>
-                      <a:pPr algn="ctr"/>
-                      <a:r>
-                        <a:rPr kumimoji="1" lang="en-US" altLang="ja-JP" sz="1050" dirty="0"/>
-                        <a:t>the electron</a:t>
-                      </a:r>
-                      <a:endParaRPr kumimoji="1" lang="ja-JP" altLang="en-US" sz="1050"/>
-                    </a:p>
-                  </a:txBody>
-                  <a:tcPr anchor="ctr"/>
-                </a:tc>
-                <a:tc>
-                  <a:txBody>
-                    <a:bodyPr/>
-                    <a:lstStyle/>
-                    <a:p>
-                      <a:pPr algn="ctr"/>
-                      <a:r>
-                        <a:rPr kumimoji="1" lang="en-US" altLang="ja-JP" sz="1050" dirty="0"/>
-                        <a:t>Node.js in</a:t>
-                      </a:r>
-                    </a:p>
-                    <a:p>
-                      <a:pPr algn="ctr"/>
-                      <a:r>
-                        <a:rPr kumimoji="1" lang="en-US" altLang="ja-JP" sz="1050" dirty="0"/>
-                        <a:t>the electron</a:t>
-                      </a:r>
-                      <a:endParaRPr kumimoji="1" lang="ja-JP" altLang="en-US" sz="1050"/>
-                    </a:p>
-                  </a:txBody>
-                  <a:tcPr anchor="ctr"/>
-                </a:tc>
-                <a:extLst>
-                  <a:ext uri="{0D108BD9-81ED-4DB2-BD59-A6C34878D82A}">
-                    <a16:rowId xmlns:a16="http://schemas.microsoft.com/office/drawing/2014/main" val="1822420283"/>
-                  </a:ext>
-                </a:extLst>
-              </a:tr>
-              <a:tr h="148866">
-                <a:tc>
-                  <a:txBody>
-                    <a:bodyPr/>
-                    <a:lstStyle/>
-                    <a:p>
-                      <a:pPr algn="ctr"/>
-                      <a:r>
-                        <a:rPr kumimoji="1" lang="en-US" altLang="ja-JP" sz="1050" dirty="0"/>
-                        <a:t>1</a:t>
-                      </a:r>
-                      <a:endParaRPr kumimoji="1" lang="ja-JP" altLang="en-US" sz="1050"/>
-                    </a:p>
-                  </a:txBody>
-                  <a:tcPr/>
-                </a:tc>
-                <a:tc>
-                  <a:txBody>
-                    <a:bodyPr/>
-                    <a:lstStyle/>
-                    <a:p>
-                      <a:pPr algn="ctr"/>
-                      <a:r>
-                        <a:rPr kumimoji="1" lang="en-US" altLang="ja-JP" sz="1050" dirty="0"/>
-                        <a:t>v3.0.0</a:t>
-                      </a:r>
-                      <a:endParaRPr kumimoji="1" lang="ja-JP" altLang="en-US" sz="1050"/>
-                    </a:p>
-                  </a:txBody>
-                  <a:tcPr/>
-                </a:tc>
-                <a:tc>
-                  <a:txBody>
-                    <a:bodyPr/>
-                    <a:lstStyle/>
-                    <a:p>
-                      <a:pPr algn="ctr"/>
-                      <a:r>
-                        <a:rPr kumimoji="1" lang="en-US" altLang="ja-JP" sz="1050" dirty="0"/>
-                        <a:t>v66</a:t>
-                      </a:r>
-                      <a:endParaRPr kumimoji="1" lang="ja-JP" altLang="en-US" sz="1050"/>
-                    </a:p>
-                  </a:txBody>
-                  <a:tcPr/>
-                </a:tc>
-                <a:tc>
-                  <a:txBody>
-                    <a:bodyPr/>
-                    <a:lstStyle/>
-                    <a:p>
-                      <a:pPr algn="ctr"/>
-                      <a:r>
-                        <a:rPr kumimoji="1" lang="en-US" altLang="ja-JP" sz="1050" dirty="0"/>
-                        <a:t>v10</a:t>
-                      </a:r>
-                      <a:endParaRPr kumimoji="1" lang="ja-JP" altLang="en-US" sz="1050"/>
-                    </a:p>
-                  </a:txBody>
-                  <a:tcPr/>
-                </a:tc>
-                <a:extLst>
-                  <a:ext uri="{0D108BD9-81ED-4DB2-BD59-A6C34878D82A}">
-                    <a16:rowId xmlns:a16="http://schemas.microsoft.com/office/drawing/2014/main" val="25646938"/>
-                  </a:ext>
-                </a:extLst>
-              </a:tr>
-              <a:tr h="148866">
-                <a:tc>
-                  <a:txBody>
-                    <a:bodyPr/>
-                    <a:lstStyle/>
-                    <a:p>
-                      <a:pPr algn="ctr"/>
-                      <a:r>
-                        <a:rPr kumimoji="1" lang="en-US" altLang="ja-JP" sz="1050" dirty="0"/>
-                        <a:t>2</a:t>
-                      </a:r>
-                      <a:endParaRPr kumimoji="1" lang="ja-JP" altLang="en-US" sz="1050"/>
-                    </a:p>
-                  </a:txBody>
-                  <a:tcPr/>
-                </a:tc>
-                <a:tc>
-                  <a:txBody>
-                    <a:bodyPr/>
-                    <a:lstStyle/>
-                    <a:p>
-                      <a:pPr algn="ctr"/>
-                      <a:r>
-                        <a:rPr kumimoji="1" lang="en-US" altLang="ja-JP" sz="1050" dirty="0"/>
-                        <a:t>v4.0.0</a:t>
-                      </a:r>
-                      <a:endParaRPr kumimoji="1" lang="ja-JP" altLang="en-US" sz="1050"/>
-                    </a:p>
-                  </a:txBody>
-                  <a:tcPr/>
-                </a:tc>
-                <a:tc>
-                  <a:txBody>
-                    <a:bodyPr/>
-                    <a:lstStyle/>
-                    <a:p>
-                      <a:pPr algn="ctr"/>
-                      <a:r>
-                        <a:rPr kumimoji="1" lang="en-US" altLang="ja-JP" sz="1050" dirty="0"/>
-                        <a:t>v69</a:t>
-                      </a:r>
-                      <a:endParaRPr kumimoji="1" lang="ja-JP" altLang="en-US" sz="1050"/>
-                    </a:p>
-                  </a:txBody>
-                  <a:tcPr/>
-                </a:tc>
-                <a:tc>
-                  <a:txBody>
-                    <a:bodyPr/>
-                    <a:lstStyle/>
-                    <a:p>
-                      <a:pPr algn="ctr"/>
-                      <a:r>
-                        <a:rPr kumimoji="1" lang="en-US" altLang="ja-JP" sz="1050" dirty="0"/>
-                        <a:t>v10</a:t>
-                      </a:r>
-                      <a:endParaRPr kumimoji="1" lang="ja-JP" altLang="en-US" sz="1050"/>
-                    </a:p>
-                  </a:txBody>
-                  <a:tcPr/>
-                </a:tc>
-                <a:extLst>
-                  <a:ext uri="{0D108BD9-81ED-4DB2-BD59-A6C34878D82A}">
-                    <a16:rowId xmlns:a16="http://schemas.microsoft.com/office/drawing/2014/main" val="4206209221"/>
-                  </a:ext>
-                </a:extLst>
-              </a:tr>
-              <a:tr h="148866">
-                <a:tc>
-                  <a:txBody>
-                    <a:bodyPr/>
-                    <a:lstStyle/>
-                    <a:p>
-                      <a:pPr algn="ctr"/>
-                      <a:r>
-                        <a:rPr kumimoji="1" lang="en-US" altLang="ja-JP" sz="1050" dirty="0"/>
-                        <a:t>3</a:t>
-                      </a:r>
-                      <a:endParaRPr kumimoji="1" lang="ja-JP" altLang="en-US" sz="1050"/>
-                    </a:p>
-                  </a:txBody>
-                  <a:tcPr/>
-                </a:tc>
-                <a:tc>
-                  <a:txBody>
-                    <a:bodyPr/>
-                    <a:lstStyle/>
-                    <a:p>
-                      <a:pPr algn="ctr"/>
-                      <a:r>
-                        <a:rPr kumimoji="1" lang="en-US" altLang="ja-JP" sz="1050" dirty="0"/>
-                        <a:t>v5.0.0</a:t>
-                      </a:r>
-                      <a:endParaRPr kumimoji="1" lang="ja-JP" altLang="en-US" sz="1050"/>
-                    </a:p>
-                  </a:txBody>
-                  <a:tcPr/>
-                </a:tc>
-                <a:tc>
-                  <a:txBody>
-                    <a:bodyPr/>
-                    <a:lstStyle/>
-                    <a:p>
-                      <a:pPr algn="ctr"/>
-                      <a:r>
-                        <a:rPr kumimoji="1" lang="en-US" altLang="ja-JP" sz="1050" dirty="0"/>
-                        <a:t>v73</a:t>
-                      </a:r>
-                      <a:endParaRPr kumimoji="1" lang="ja-JP" altLang="en-US" sz="1050"/>
-                    </a:p>
-                  </a:txBody>
-                  <a:tcPr/>
-                </a:tc>
-                <a:tc>
-                  <a:txBody>
-                    <a:bodyPr/>
-                    <a:lstStyle/>
-                    <a:p>
-                      <a:pPr algn="ctr"/>
-                      <a:r>
-                        <a:rPr kumimoji="1" lang="en-US" altLang="ja-JP" sz="1050" dirty="0"/>
-                        <a:t>v12</a:t>
-                      </a:r>
-                      <a:endParaRPr kumimoji="1" lang="ja-JP" altLang="en-US" sz="1050"/>
-                    </a:p>
-                  </a:txBody>
-                  <a:tcPr/>
-                </a:tc>
-                <a:extLst>
-                  <a:ext uri="{0D108BD9-81ED-4DB2-BD59-A6C34878D82A}">
-                    <a16:rowId xmlns:a16="http://schemas.microsoft.com/office/drawing/2014/main" val="4192034201"/>
-                  </a:ext>
-                </a:extLst>
-              </a:tr>
-              <a:tr h="148866">
-                <a:tc>
-                  <a:txBody>
-                    <a:bodyPr/>
-                    <a:lstStyle/>
-                    <a:p>
-                      <a:pPr algn="ctr"/>
-                      <a:r>
-                        <a:rPr kumimoji="1" lang="en-US" altLang="ja-JP" sz="1050" dirty="0"/>
-                        <a:t>4</a:t>
-                      </a:r>
-                      <a:endParaRPr kumimoji="1" lang="ja-JP" altLang="en-US" sz="1050"/>
-                    </a:p>
-                  </a:txBody>
-                  <a:tcPr/>
-                </a:tc>
-                <a:tc>
-                  <a:txBody>
-                    <a:bodyPr/>
-                    <a:lstStyle/>
-                    <a:p>
-                      <a:pPr algn="ctr"/>
-                      <a:r>
-                        <a:rPr kumimoji="1" lang="en-US" altLang="ja-JP" sz="1050" dirty="0"/>
-                        <a:t>v6.0.0</a:t>
-                      </a:r>
-                      <a:endParaRPr kumimoji="1" lang="ja-JP" altLang="en-US" sz="1050"/>
-                    </a:p>
-                  </a:txBody>
-                  <a:tcPr/>
-                </a:tc>
-                <a:tc>
-                  <a:txBody>
-                    <a:bodyPr/>
-                    <a:lstStyle/>
-                    <a:p>
-                      <a:pPr algn="ctr"/>
-                      <a:r>
-                        <a:rPr kumimoji="1" lang="en-US" altLang="ja-JP" sz="1050" dirty="0"/>
-                        <a:t>v76</a:t>
-                      </a:r>
-                      <a:endParaRPr kumimoji="1" lang="ja-JP" altLang="en-US" sz="1050"/>
-                    </a:p>
-                  </a:txBody>
-                  <a:tcPr/>
-                </a:tc>
-                <a:tc>
-                  <a:txBody>
-                    <a:bodyPr/>
-                    <a:lstStyle/>
-                    <a:p>
-                      <a:pPr marL="0" marR="0" lvl="0" indent="0" algn="ctr" defTabSz="914400" rtl="0" eaLnBrk="1" fontAlgn="auto" latinLnBrk="0" hangingPunct="1">
-                        <a:lnSpc>
-                          <a:spcPct val="100000"/>
-                        </a:lnSpc>
-                        <a:spcBef>
-                          <a:spcPts val="0"/>
-                        </a:spcBef>
-                        <a:spcAft>
-                          <a:spcPts val="0"/>
-                        </a:spcAft>
-                        <a:buClrTx/>
-                        <a:buSzTx/>
-                        <a:buFontTx/>
-                        <a:buNone/>
-                        <a:tabLst/>
-                        <a:defRPr/>
-                      </a:pPr>
-                      <a:r>
-                        <a:rPr kumimoji="1" lang="en-US" altLang="ja-JP" sz="1050" dirty="0"/>
-                        <a:t>v12</a:t>
-                      </a:r>
-                      <a:endParaRPr kumimoji="1" lang="ja-JP" altLang="en-US" sz="1050"/>
-                    </a:p>
-                  </a:txBody>
-                  <a:tcPr/>
-                </a:tc>
-                <a:extLst>
-                  <a:ext uri="{0D108BD9-81ED-4DB2-BD59-A6C34878D82A}">
-                    <a16:rowId xmlns:a16="http://schemas.microsoft.com/office/drawing/2014/main" val="3306166965"/>
-                  </a:ext>
-                </a:extLst>
-              </a:tr>
-              <a:tr h="148866">
-                <a:tc>
-                  <a:txBody>
-                    <a:bodyPr/>
-                    <a:lstStyle/>
-                    <a:p>
-                      <a:pPr algn="ctr"/>
-                      <a:r>
-                        <a:rPr kumimoji="1" lang="en-US" altLang="ja-JP" sz="1050" dirty="0"/>
-                        <a:t>5</a:t>
-                      </a:r>
-                      <a:endParaRPr kumimoji="1" lang="ja-JP" altLang="en-US" sz="1050"/>
-                    </a:p>
-                  </a:txBody>
-                  <a:tcPr/>
-                </a:tc>
-                <a:tc>
-                  <a:txBody>
-                    <a:bodyPr/>
-                    <a:lstStyle/>
-                    <a:p>
-                      <a:pPr algn="ctr"/>
-                      <a:r>
-                        <a:rPr kumimoji="1" lang="en-US" altLang="ja-JP" sz="1050" dirty="0"/>
-                        <a:t>v7.0.0</a:t>
-                      </a:r>
-                      <a:endParaRPr kumimoji="1" lang="ja-JP" altLang="en-US" sz="1050"/>
-                    </a:p>
-                  </a:txBody>
-                  <a:tcPr/>
-                </a:tc>
-                <a:tc>
-                  <a:txBody>
-                    <a:bodyPr/>
-                    <a:lstStyle/>
-                    <a:p>
-                      <a:pPr algn="ctr"/>
-                      <a:r>
-                        <a:rPr kumimoji="1" lang="en-US" altLang="ja-JP" sz="1050" dirty="0"/>
-                        <a:t>v78</a:t>
-                      </a:r>
-                      <a:endParaRPr kumimoji="1" lang="ja-JP" altLang="en-US" sz="1050"/>
-                    </a:p>
-                  </a:txBody>
-                  <a:tcPr/>
-                </a:tc>
-                <a:tc>
-                  <a:txBody>
-                    <a:bodyPr/>
-                    <a:lstStyle/>
-                    <a:p>
-                      <a:pPr algn="ctr"/>
-                      <a:r>
-                        <a:rPr kumimoji="1" lang="en-US" altLang="ja-JP" sz="1050" dirty="0"/>
-                        <a:t>v12</a:t>
-                      </a:r>
-                      <a:endParaRPr kumimoji="1" lang="ja-JP" altLang="en-US" sz="1050"/>
-                    </a:p>
-                  </a:txBody>
-                  <a:tcPr/>
-                </a:tc>
-                <a:extLst>
-                  <a:ext uri="{0D108BD9-81ED-4DB2-BD59-A6C34878D82A}">
-                    <a16:rowId xmlns:a16="http://schemas.microsoft.com/office/drawing/2014/main" val="179646365"/>
-                  </a:ext>
-                </a:extLst>
-              </a:tr>
-              <a:tr h="148866">
-                <a:tc>
-                  <a:txBody>
-                    <a:bodyPr/>
-                    <a:lstStyle/>
-                    <a:p>
-                      <a:pPr algn="ctr"/>
-                      <a:r>
-                        <a:rPr kumimoji="1" lang="en-US" altLang="ja-JP" sz="1050" dirty="0"/>
-                        <a:t>6</a:t>
-                      </a:r>
-                      <a:endParaRPr kumimoji="1" lang="ja-JP" altLang="en-US" sz="1050"/>
-                    </a:p>
-                  </a:txBody>
-                  <a:tcPr/>
-                </a:tc>
-                <a:tc>
-                  <a:txBody>
-                    <a:bodyPr/>
-                    <a:lstStyle/>
-                    <a:p>
-                      <a:pPr algn="ctr"/>
-                      <a:r>
-                        <a:rPr kumimoji="1" lang="en-US" altLang="ja-JP" sz="1050" dirty="0"/>
-                        <a:t>v8.0.0</a:t>
-                      </a:r>
-                      <a:endParaRPr kumimoji="1" lang="ja-JP" altLang="en-US" sz="1050"/>
-                    </a:p>
-                  </a:txBody>
-                  <a:tcPr/>
-                </a:tc>
-                <a:tc>
-                  <a:txBody>
-                    <a:bodyPr/>
-                    <a:lstStyle/>
-                    <a:p>
-                      <a:pPr algn="ctr"/>
-                      <a:r>
-                        <a:rPr kumimoji="1" lang="en-US" altLang="ja-JP" sz="1050" dirty="0"/>
-                        <a:t>v80</a:t>
-                      </a:r>
-                      <a:endParaRPr kumimoji="1" lang="ja-JP" altLang="en-US" sz="1050"/>
-                    </a:p>
-                  </a:txBody>
-                  <a:tcPr/>
-                </a:tc>
-                <a:tc>
-                  <a:txBody>
-                    <a:bodyPr/>
-                    <a:lstStyle/>
-                    <a:p>
-                      <a:pPr algn="ctr"/>
-                      <a:r>
-                        <a:rPr kumimoji="1" lang="en-US" altLang="ja-JP" sz="1050" dirty="0"/>
-                        <a:t>v12</a:t>
-                      </a:r>
-                      <a:endParaRPr kumimoji="1" lang="ja-JP" altLang="en-US" sz="1050"/>
-                    </a:p>
-                  </a:txBody>
-                  <a:tcPr/>
-                </a:tc>
-                <a:extLst>
-                  <a:ext uri="{0D108BD9-81ED-4DB2-BD59-A6C34878D82A}">
-                    <a16:rowId xmlns:a16="http://schemas.microsoft.com/office/drawing/2014/main" val="911949403"/>
-                  </a:ext>
-                </a:extLst>
-              </a:tr>
-              <a:tr h="148866">
-                <a:tc>
-                  <a:txBody>
-                    <a:bodyPr/>
-                    <a:lstStyle/>
-                    <a:p>
-                      <a:pPr algn="ctr"/>
-                      <a:r>
-                        <a:rPr kumimoji="1" lang="en-US" altLang="ja-JP" sz="1050" dirty="0"/>
-                        <a:t>7</a:t>
-                      </a:r>
-                      <a:endParaRPr kumimoji="1" lang="ja-JP" altLang="en-US" sz="1050"/>
-                    </a:p>
-                  </a:txBody>
-                  <a:tcPr/>
-                </a:tc>
-                <a:tc>
-                  <a:txBody>
-                    <a:bodyPr/>
-                    <a:lstStyle/>
-                    <a:p>
-                      <a:pPr algn="ctr"/>
-                      <a:r>
-                        <a:rPr kumimoji="1" lang="en-US" altLang="ja-JP" sz="1050" dirty="0"/>
-                        <a:t>v9.0.0</a:t>
-                      </a:r>
-                      <a:endParaRPr kumimoji="1" lang="ja-JP" altLang="en-US" sz="1050"/>
-                    </a:p>
-                  </a:txBody>
-                  <a:tcPr/>
-                </a:tc>
-                <a:tc>
-                  <a:txBody>
-                    <a:bodyPr/>
-                    <a:lstStyle/>
-                    <a:p>
-                      <a:pPr algn="ctr"/>
-                      <a:r>
-                        <a:rPr kumimoji="1" lang="en-US" altLang="ja-JP" sz="1050" dirty="0"/>
-                        <a:t>v83</a:t>
-                      </a:r>
-                      <a:endParaRPr kumimoji="1" lang="ja-JP" altLang="en-US" sz="1050"/>
-                    </a:p>
-                  </a:txBody>
-                  <a:tcPr/>
-                </a:tc>
-                <a:tc>
-                  <a:txBody>
-                    <a:bodyPr/>
-                    <a:lstStyle/>
-                    <a:p>
-                      <a:pPr algn="ctr"/>
-                      <a:r>
-                        <a:rPr kumimoji="1" lang="en-US" altLang="ja-JP" sz="1050" dirty="0"/>
-                        <a:t>v12</a:t>
-                      </a:r>
-                      <a:endParaRPr kumimoji="1" lang="ja-JP" altLang="en-US" sz="1050"/>
-                    </a:p>
-                  </a:txBody>
-                  <a:tcPr/>
-                </a:tc>
-                <a:extLst>
-                  <a:ext uri="{0D108BD9-81ED-4DB2-BD59-A6C34878D82A}">
-                    <a16:rowId xmlns:a16="http://schemas.microsoft.com/office/drawing/2014/main" val="2544151921"/>
-                  </a:ext>
-                </a:extLst>
-              </a:tr>
-            </a:tbl>
-          </a:graphicData>
-        </a:graphic>
-      </p:graphicFrame>
-      <p:sp>
-        <p:nvSpPr>
-          <p:cNvPr id="18" name="正方形/長方形 17">
-            <a:extLst>
-              <a:ext uri="{FF2B5EF4-FFF2-40B4-BE49-F238E27FC236}">
-                <a16:creationId xmlns:a16="http://schemas.microsoft.com/office/drawing/2014/main" id="{1E856E3B-860D-714D-9F27-AC336DABD5A2}"/>
-              </a:ext>
-            </a:extLst>
-          </p:cNvPr>
-          <p:cNvSpPr/>
-          <p:nvPr/>
-        </p:nvSpPr>
-        <p:spPr bwMode="auto">
-          <a:xfrm>
-            <a:off x="287799" y="4116662"/>
-            <a:ext cx="3058532" cy="304800"/>
-          </a:xfrm>
-          <a:prstGeom prst="rect">
-            <a:avLst/>
-          </a:prstGeom>
-          <a:noFill/>
-          <a:ln>
-            <a:solidFill>
-              <a:srgbClr val="FF0000"/>
-            </a:solidFill>
-            <a:headEnd/>
-            <a:tailEnd/>
-          </a:ln>
-        </p:spPr>
-        <p:style>
-          <a:lnRef idx="2">
-            <a:schemeClr val="dk1"/>
-          </a:lnRef>
-          <a:fillRef idx="1">
-            <a:schemeClr val="lt1"/>
-          </a:fillRef>
-          <a:effectRef idx="0">
-            <a:schemeClr val="dk1"/>
-          </a:effectRef>
-          <a:fontRef idx="minor">
-            <a:schemeClr val="dk1"/>
-          </a:fontRef>
-        </p:style>
-        <p:txBody>
-          <a:bodyPr wrap="none" rtlCol="0" anchor="ctr" anchorCtr="0">
-            <a:noAutofit/>
-          </a:bodyPr>
-          <a:lstStyle/>
-          <a:p>
-            <a:pPr algn="ctr"/>
-            <a:endParaRPr kumimoji="1" lang="ja-JP" altLang="en-US" sz="1800">
-              <a:solidFill>
-                <a:schemeClr val="tx1"/>
-              </a:solidFill>
-            </a:endParaRPr>
-          </a:p>
-        </p:txBody>
-      </p:sp>
-      <p:pic>
-        <p:nvPicPr>
-          <p:cNvPr id="19" name="グラフィックス 18">
-            <a:extLst>
-              <a:ext uri="{FF2B5EF4-FFF2-40B4-BE49-F238E27FC236}">
-                <a16:creationId xmlns:a16="http://schemas.microsoft.com/office/drawing/2014/main" id="{B89B46D4-4672-5549-849A-D66F44258A6D}"/>
-              </a:ext>
-            </a:extLst>
-          </p:cNvPr>
-          <p:cNvPicPr>
-            <a:picLocks noChangeAspect="1"/>
-          </p:cNvPicPr>
-          <p:nvPr/>
-        </p:nvPicPr>
-        <p:blipFill>
-          <a:blip r:embed="rId5">
-            <a:extLst>
-              <a:ext uri="{96DAC541-7B7A-43D3-8B79-37D633B846F1}">
-                <asvg:svgBlip xmlns:asvg="http://schemas.microsoft.com/office/drawing/2016/SVG/main" r:embed="rId6"/>
-              </a:ext>
-            </a:extLst>
-          </a:blip>
-          <a:stretch>
-            <a:fillRect/>
-          </a:stretch>
-        </p:blipFill>
-        <p:spPr>
-          <a:xfrm>
-            <a:off x="5772233" y="3079876"/>
-            <a:ext cx="838200" cy="838200"/>
-          </a:xfrm>
-          <a:prstGeom prst="rect">
-            <a:avLst/>
-          </a:prstGeom>
-        </p:spPr>
-      </p:pic>
-      <p:sp>
-        <p:nvSpPr>
-          <p:cNvPr id="20" name="正方形/長方形 19">
-            <a:extLst>
-              <a:ext uri="{FF2B5EF4-FFF2-40B4-BE49-F238E27FC236}">
-                <a16:creationId xmlns:a16="http://schemas.microsoft.com/office/drawing/2014/main" id="{119E220E-1A5C-8F40-9731-A3E4FB545BF3}"/>
-              </a:ext>
-            </a:extLst>
-          </p:cNvPr>
-          <p:cNvSpPr/>
-          <p:nvPr/>
-        </p:nvSpPr>
-        <p:spPr bwMode="auto">
-          <a:xfrm>
-            <a:off x="5872377" y="5050899"/>
-            <a:ext cx="2688807" cy="841959"/>
-          </a:xfrm>
-          <a:prstGeom prst="rect">
-            <a:avLst/>
-          </a:prstGeom>
-          <a:ln>
-            <a:headEnd/>
-            <a:tailEnd/>
-          </a:ln>
-        </p:spPr>
-        <p:style>
-          <a:lnRef idx="2">
-            <a:schemeClr val="dk1"/>
-          </a:lnRef>
-          <a:fillRef idx="1">
-            <a:schemeClr val="lt1"/>
-          </a:fillRef>
-          <a:effectRef idx="0">
-            <a:schemeClr val="dk1"/>
-          </a:effectRef>
-          <a:fontRef idx="minor">
-            <a:schemeClr val="dk1"/>
-          </a:fontRef>
-        </p:style>
-        <p:txBody>
-          <a:bodyPr wrap="none" rtlCol="0" anchor="b" anchorCtr="0">
-            <a:noAutofit/>
-          </a:bodyPr>
-          <a:lstStyle/>
-          <a:p>
-            <a:pPr algn="ctr"/>
-            <a:r>
-              <a:rPr kumimoji="1" lang="en-US" altLang="ja-JP" sz="1800" dirty="0">
-                <a:solidFill>
-                  <a:schemeClr val="tx1"/>
-                </a:solidFill>
-              </a:rPr>
-              <a:t>Runtime</a:t>
-            </a:r>
-            <a:endParaRPr kumimoji="1" lang="ja-JP" altLang="en-US" sz="1800">
-              <a:solidFill>
-                <a:schemeClr val="tx1"/>
-              </a:solidFill>
-            </a:endParaRPr>
-          </a:p>
-        </p:txBody>
-      </p:sp>
-      <p:sp>
-        <p:nvSpPr>
-          <p:cNvPr id="21" name="正方形/長方形 20">
-            <a:extLst>
-              <a:ext uri="{FF2B5EF4-FFF2-40B4-BE49-F238E27FC236}">
-                <a16:creationId xmlns:a16="http://schemas.microsoft.com/office/drawing/2014/main" id="{9C6D3896-46D4-AD4E-BA4E-05AC78BF3A5D}"/>
-              </a:ext>
-            </a:extLst>
-          </p:cNvPr>
-          <p:cNvSpPr/>
-          <p:nvPr/>
-        </p:nvSpPr>
-        <p:spPr bwMode="auto">
-          <a:xfrm>
-            <a:off x="5872377" y="5050900"/>
-            <a:ext cx="1307662" cy="424732"/>
-          </a:xfrm>
-          <a:prstGeom prst="rect">
-            <a:avLst/>
-          </a:prstGeom>
-          <a:ln>
-            <a:headEnd/>
-            <a:tailEnd/>
-          </a:ln>
-        </p:spPr>
-        <p:style>
-          <a:lnRef idx="2">
-            <a:schemeClr val="dk1"/>
-          </a:lnRef>
-          <a:fillRef idx="1">
-            <a:schemeClr val="lt1"/>
-          </a:fillRef>
-          <a:effectRef idx="0">
-            <a:schemeClr val="dk1"/>
-          </a:effectRef>
-          <a:fontRef idx="minor">
-            <a:schemeClr val="dk1"/>
-          </a:fontRef>
-        </p:style>
-        <p:txBody>
-          <a:bodyPr wrap="none" rtlCol="0" anchor="ctr" anchorCtr="0">
-            <a:noAutofit/>
-          </a:bodyPr>
-          <a:lstStyle/>
-          <a:p>
-            <a:pPr algn="ctr"/>
-            <a:r>
-              <a:rPr kumimoji="1" lang="en-US" altLang="ja-JP" sz="1800" dirty="0">
-                <a:solidFill>
-                  <a:schemeClr val="tx1"/>
-                </a:solidFill>
-              </a:rPr>
-              <a:t>Admin API</a:t>
-            </a:r>
-            <a:endParaRPr kumimoji="1" lang="ja-JP" altLang="en-US" sz="1800">
-              <a:solidFill>
-                <a:schemeClr val="tx1"/>
-              </a:solidFill>
-            </a:endParaRPr>
-          </a:p>
-        </p:txBody>
-      </p:sp>
-      <p:sp>
-        <p:nvSpPr>
-          <p:cNvPr id="22" name="正方形/長方形 21">
-            <a:extLst>
-              <a:ext uri="{FF2B5EF4-FFF2-40B4-BE49-F238E27FC236}">
-                <a16:creationId xmlns:a16="http://schemas.microsoft.com/office/drawing/2014/main" id="{B053EAB9-C063-4D4C-9048-7E4D1332B7E3}"/>
-              </a:ext>
-            </a:extLst>
-          </p:cNvPr>
-          <p:cNvSpPr/>
-          <p:nvPr/>
-        </p:nvSpPr>
-        <p:spPr bwMode="auto">
-          <a:xfrm>
-            <a:off x="7253522" y="5050900"/>
-            <a:ext cx="1307662" cy="424732"/>
-          </a:xfrm>
-          <a:prstGeom prst="rect">
-            <a:avLst/>
-          </a:prstGeom>
-          <a:ln>
-            <a:headEnd/>
-            <a:tailEnd/>
-          </a:ln>
-        </p:spPr>
-        <p:style>
-          <a:lnRef idx="2">
-            <a:schemeClr val="dk1"/>
-          </a:lnRef>
-          <a:fillRef idx="1">
-            <a:schemeClr val="lt1"/>
-          </a:fillRef>
-          <a:effectRef idx="0">
-            <a:schemeClr val="dk1"/>
-          </a:effectRef>
-          <a:fontRef idx="minor">
-            <a:schemeClr val="dk1"/>
-          </a:fontRef>
-        </p:style>
-        <p:txBody>
-          <a:bodyPr wrap="none" rtlCol="0" anchor="ctr" anchorCtr="0">
-            <a:noAutofit/>
-          </a:bodyPr>
-          <a:lstStyle/>
-          <a:p>
-            <a:pPr algn="ctr"/>
-            <a:r>
-              <a:rPr kumimoji="1" lang="en-US" altLang="ja-JP" sz="1800" dirty="0">
-                <a:solidFill>
-                  <a:schemeClr val="tx1"/>
-                </a:solidFill>
-              </a:rPr>
-              <a:t>REST API</a:t>
-            </a:r>
-            <a:endParaRPr kumimoji="1" lang="ja-JP" altLang="en-US" sz="1800">
-              <a:solidFill>
-                <a:schemeClr val="tx1"/>
-              </a:solidFill>
-            </a:endParaRPr>
-          </a:p>
-        </p:txBody>
-      </p:sp>
-      <p:sp>
-        <p:nvSpPr>
-          <p:cNvPr id="23" name="正方形/長方形 22">
-            <a:extLst>
-              <a:ext uri="{FF2B5EF4-FFF2-40B4-BE49-F238E27FC236}">
-                <a16:creationId xmlns:a16="http://schemas.microsoft.com/office/drawing/2014/main" id="{3724A661-B6F5-3641-8C8F-614221A529D6}"/>
-              </a:ext>
-            </a:extLst>
-          </p:cNvPr>
-          <p:cNvSpPr/>
-          <p:nvPr/>
-        </p:nvSpPr>
-        <p:spPr bwMode="auto">
-          <a:xfrm>
-            <a:off x="7822056" y="3695766"/>
-            <a:ext cx="695658" cy="589108"/>
-          </a:xfrm>
-          <a:prstGeom prst="rect">
-            <a:avLst/>
-          </a:prstGeom>
-          <a:ln>
-            <a:headEnd/>
-            <a:tailEnd/>
-          </a:ln>
-        </p:spPr>
-        <p:style>
-          <a:lnRef idx="2">
-            <a:schemeClr val="dk1"/>
-          </a:lnRef>
-          <a:fillRef idx="1">
-            <a:schemeClr val="lt1"/>
-          </a:fillRef>
-          <a:effectRef idx="0">
-            <a:schemeClr val="dk1"/>
-          </a:effectRef>
-          <a:fontRef idx="minor">
-            <a:schemeClr val="dk1"/>
-          </a:fontRef>
-        </p:style>
-        <p:txBody>
-          <a:bodyPr wrap="none" rtlCol="0" anchor="ctr" anchorCtr="0">
-            <a:noAutofit/>
-          </a:bodyPr>
-          <a:lstStyle/>
-          <a:p>
-            <a:pPr algn="ctr"/>
-            <a:r>
-              <a:rPr kumimoji="1" lang="en-US" altLang="ja-JP" sz="1600" dirty="0">
-                <a:solidFill>
-                  <a:schemeClr val="tx1"/>
-                </a:solidFill>
-              </a:rPr>
-              <a:t>Mobile</a:t>
-            </a:r>
-          </a:p>
-          <a:p>
-            <a:pPr algn="ctr"/>
-            <a:r>
-              <a:rPr lang="en-US" altLang="ja-JP" sz="1600" dirty="0">
-                <a:solidFill>
-                  <a:schemeClr val="tx1"/>
-                </a:solidFill>
-              </a:rPr>
-              <a:t>app</a:t>
-            </a:r>
-            <a:endParaRPr kumimoji="1" lang="ja-JP" altLang="en-US" sz="1600">
-              <a:solidFill>
-                <a:schemeClr val="tx1"/>
-              </a:solidFill>
-            </a:endParaRPr>
-          </a:p>
-        </p:txBody>
-      </p:sp>
-      <p:cxnSp>
-        <p:nvCxnSpPr>
-          <p:cNvPr id="24" name="曲線コネクタ 23">
-            <a:extLst>
-              <a:ext uri="{FF2B5EF4-FFF2-40B4-BE49-F238E27FC236}">
-                <a16:creationId xmlns:a16="http://schemas.microsoft.com/office/drawing/2014/main" id="{CDB02D9E-B1AE-484A-833D-4A42FF0D055A}"/>
-              </a:ext>
-            </a:extLst>
-          </p:cNvPr>
-          <p:cNvCxnSpPr>
-            <a:cxnSpLocks/>
-            <a:stCxn id="22" idx="0"/>
-            <a:endCxn id="23" idx="2"/>
-          </p:cNvCxnSpPr>
-          <p:nvPr/>
-        </p:nvCxnSpPr>
-        <p:spPr bwMode="auto">
-          <a:xfrm rot="5400000" flipH="1" flipV="1">
-            <a:off x="7655606" y="4536621"/>
-            <a:ext cx="766026" cy="262532"/>
-          </a:xfrm>
-          <a:prstGeom prst="curvedConnector3">
-            <a:avLst>
-              <a:gd name="adj1" fmla="val 50000"/>
-            </a:avLst>
-          </a:prstGeom>
-          <a:noFill/>
-          <a:ln w="9525" cap="flat" cmpd="sng" algn="ctr">
-            <a:solidFill>
-              <a:schemeClr val="tx1"/>
-            </a:solidFill>
-            <a:prstDash val="solid"/>
-            <a:round/>
-            <a:headEnd type="triangle" w="med" len="med"/>
-            <a:tailEnd type="triangle"/>
-          </a:ln>
-          <a:effectLst/>
-        </p:spPr>
-      </p:cxnSp>
-      <p:sp>
-        <p:nvSpPr>
-          <p:cNvPr id="25" name="Text Box 33">
-            <a:extLst>
-              <a:ext uri="{FF2B5EF4-FFF2-40B4-BE49-F238E27FC236}">
-                <a16:creationId xmlns:a16="http://schemas.microsoft.com/office/drawing/2014/main" id="{7C404A1A-47D0-4B40-9CA1-A74CDEDCD1E5}"/>
-              </a:ext>
-            </a:extLst>
-          </p:cNvPr>
-          <p:cNvSpPr txBox="1">
-            <a:spLocks noChangeArrowheads="1"/>
-          </p:cNvSpPr>
-          <p:nvPr/>
-        </p:nvSpPr>
-        <p:spPr bwMode="gray">
-          <a:xfrm>
-            <a:off x="8090570" y="4395911"/>
-            <a:ext cx="798617" cy="584775"/>
-          </a:xfrm>
-          <a:prstGeom prst="rect">
-            <a:avLst/>
-          </a:prstGeom>
-          <a:noFill/>
-          <a:ln w="3175" cap="rnd">
-            <a:noFill/>
-            <a:miter lim="800000"/>
-            <a:headEnd/>
-            <a:tailEnd/>
-          </a:ln>
-          <a:effectLst/>
-        </p:spPr>
-        <p:txBody>
-          <a:bodyPr wrap="none">
-            <a:spAutoFit/>
-          </a:bodyPr>
-          <a:lstStyle/>
-          <a:p>
-            <a:pPr marL="0" marR="0" lvl="0" indent="0" algn="ctr" defTabSz="914400" eaLnBrk="1" fontAlgn="auto" latinLnBrk="0" hangingPunct="1">
-              <a:lnSpc>
-                <a:spcPct val="100000"/>
-              </a:lnSpc>
-              <a:spcBef>
-                <a:spcPts val="0"/>
-              </a:spcBef>
-              <a:spcAft>
-                <a:spcPts val="0"/>
-              </a:spcAft>
-              <a:buClrTx/>
-              <a:buSzTx/>
-              <a:buFontTx/>
-              <a:buNone/>
-              <a:tabLst/>
-              <a:defRPr/>
-            </a:pPr>
-            <a:r>
-              <a:rPr kumimoji="0" lang="en-US" altLang="ja-JP" sz="1600" kern="0" dirty="0">
-                <a:solidFill>
-                  <a:srgbClr val="000000"/>
-                </a:solidFill>
-                <a:latin typeface="+mn-ea"/>
-                <a:ea typeface="+mn-ea"/>
-              </a:rPr>
-              <a:t>Normal</a:t>
-            </a:r>
-          </a:p>
-          <a:p>
-            <a:pPr marL="0" marR="0" lvl="0" indent="0" algn="ctr" defTabSz="914400" eaLnBrk="1" fontAlgn="auto" latinLnBrk="0" hangingPunct="1">
-              <a:lnSpc>
-                <a:spcPct val="100000"/>
-              </a:lnSpc>
-              <a:spcBef>
-                <a:spcPts val="0"/>
-              </a:spcBef>
-              <a:spcAft>
-                <a:spcPts val="0"/>
-              </a:spcAft>
-              <a:buClrTx/>
-              <a:buSzTx/>
-              <a:buFontTx/>
-              <a:buNone/>
-              <a:tabLst/>
-              <a:defRPr/>
-            </a:pPr>
-            <a:r>
-              <a:rPr kumimoji="0" lang="en-US" altLang="ja-JP" sz="1600" kern="0" dirty="0">
-                <a:solidFill>
-                  <a:srgbClr val="000000"/>
-                </a:solidFill>
-                <a:latin typeface="+mn-ea"/>
-                <a:ea typeface="+mn-ea"/>
-              </a:rPr>
-              <a:t>access</a:t>
-            </a:r>
-          </a:p>
-        </p:txBody>
-      </p:sp>
-      <p:cxnSp>
-        <p:nvCxnSpPr>
-          <p:cNvPr id="26" name="曲線コネクタ 25">
-            <a:extLst>
-              <a:ext uri="{FF2B5EF4-FFF2-40B4-BE49-F238E27FC236}">
-                <a16:creationId xmlns:a16="http://schemas.microsoft.com/office/drawing/2014/main" id="{E5F0FF7C-3952-7E4E-A86D-CF23E8740DA2}"/>
-              </a:ext>
-            </a:extLst>
-          </p:cNvPr>
-          <p:cNvCxnSpPr>
-            <a:cxnSpLocks/>
-            <a:stCxn id="21" idx="0"/>
-            <a:endCxn id="19" idx="2"/>
-          </p:cNvCxnSpPr>
-          <p:nvPr/>
-        </p:nvCxnSpPr>
-        <p:spPr bwMode="auto">
-          <a:xfrm rot="16200000" flipV="1">
-            <a:off x="5792359" y="4317050"/>
-            <a:ext cx="1132824" cy="334875"/>
-          </a:xfrm>
-          <a:prstGeom prst="curvedConnector3">
-            <a:avLst>
-              <a:gd name="adj1" fmla="val 50000"/>
-            </a:avLst>
-          </a:prstGeom>
-          <a:noFill/>
-          <a:ln w="9525" cap="flat" cmpd="sng" algn="ctr">
-            <a:solidFill>
-              <a:schemeClr val="tx1"/>
-            </a:solidFill>
-            <a:prstDash val="solid"/>
-            <a:round/>
-            <a:headEnd type="triangle" w="med" len="med"/>
-            <a:tailEnd type="triangle"/>
-          </a:ln>
-          <a:effectLst/>
-        </p:spPr>
-      </p:cxnSp>
-      <p:sp>
-        <p:nvSpPr>
-          <p:cNvPr id="27" name="Text Box 33">
-            <a:extLst>
-              <a:ext uri="{FF2B5EF4-FFF2-40B4-BE49-F238E27FC236}">
-                <a16:creationId xmlns:a16="http://schemas.microsoft.com/office/drawing/2014/main" id="{BB8D10D8-2507-094B-ABA6-CAC82BC39215}"/>
-              </a:ext>
-            </a:extLst>
-          </p:cNvPr>
-          <p:cNvSpPr txBox="1">
-            <a:spLocks noChangeArrowheads="1"/>
-          </p:cNvSpPr>
-          <p:nvPr/>
-        </p:nvSpPr>
-        <p:spPr bwMode="gray">
-          <a:xfrm>
-            <a:off x="4284229" y="3624208"/>
-            <a:ext cx="1133645" cy="338554"/>
-          </a:xfrm>
-          <a:prstGeom prst="rect">
-            <a:avLst/>
-          </a:prstGeom>
-          <a:noFill/>
-          <a:ln w="3175" cap="rnd">
-            <a:noFill/>
-            <a:miter lim="800000"/>
-            <a:headEnd/>
-            <a:tailEnd/>
-          </a:ln>
-          <a:effectLst/>
-        </p:spPr>
-        <p:txBody>
-          <a:bodyPr wrap="none">
-            <a:spAutoFit/>
-          </a:bodyPr>
-          <a:lstStyle/>
-          <a:p>
-            <a:pPr marL="0" marR="0" lvl="0" indent="0" algn="ctr" defTabSz="914400" eaLnBrk="1" fontAlgn="auto" latinLnBrk="0" hangingPunct="1">
-              <a:lnSpc>
-                <a:spcPct val="100000"/>
-              </a:lnSpc>
-              <a:spcBef>
-                <a:spcPts val="0"/>
-              </a:spcBef>
-              <a:spcAft>
-                <a:spcPts val="0"/>
-              </a:spcAft>
-              <a:buClrTx/>
-              <a:buSzTx/>
-              <a:buFontTx/>
-              <a:buNone/>
-              <a:tabLst/>
-              <a:defRPr/>
-            </a:pPr>
-            <a:r>
-              <a:rPr kumimoji="0" lang="en-US" altLang="ja-JP" sz="1600" kern="0" dirty="0">
-                <a:solidFill>
-                  <a:srgbClr val="000000"/>
-                </a:solidFill>
-                <a:latin typeface="+mn-ea"/>
-                <a:ea typeface="+mn-ea"/>
-              </a:rPr>
-              <a:t>No window</a:t>
-            </a:r>
-          </a:p>
-        </p:txBody>
-      </p:sp>
-      <p:sp>
-        <p:nvSpPr>
-          <p:cNvPr id="28" name="Text Box 33">
-            <a:extLst>
-              <a:ext uri="{FF2B5EF4-FFF2-40B4-BE49-F238E27FC236}">
-                <a16:creationId xmlns:a16="http://schemas.microsoft.com/office/drawing/2014/main" id="{31400740-9C55-9E46-9853-795443AE3E80}"/>
-              </a:ext>
-            </a:extLst>
-          </p:cNvPr>
-          <p:cNvSpPr txBox="1">
-            <a:spLocks noChangeArrowheads="1"/>
-          </p:cNvSpPr>
-          <p:nvPr/>
-        </p:nvSpPr>
-        <p:spPr bwMode="gray">
-          <a:xfrm>
-            <a:off x="6453716" y="4179493"/>
-            <a:ext cx="798617" cy="584775"/>
-          </a:xfrm>
-          <a:prstGeom prst="rect">
-            <a:avLst/>
-          </a:prstGeom>
-          <a:noFill/>
-          <a:ln w="3175" cap="rnd">
-            <a:noFill/>
-            <a:miter lim="800000"/>
-            <a:headEnd/>
-            <a:tailEnd/>
-          </a:ln>
-          <a:effectLst/>
-        </p:spPr>
-        <p:txBody>
-          <a:bodyPr wrap="none">
-            <a:spAutoFit/>
-          </a:bodyPr>
-          <a:lstStyle/>
-          <a:p>
-            <a:pPr marL="0" marR="0" lvl="0" indent="0" algn="ctr" defTabSz="914400" eaLnBrk="1" fontAlgn="auto" latinLnBrk="0" hangingPunct="1">
-              <a:lnSpc>
-                <a:spcPct val="100000"/>
-              </a:lnSpc>
-              <a:spcBef>
-                <a:spcPts val="0"/>
-              </a:spcBef>
-              <a:spcAft>
-                <a:spcPts val="0"/>
-              </a:spcAft>
-              <a:buClrTx/>
-              <a:buSzTx/>
-              <a:buFontTx/>
-              <a:buNone/>
-              <a:tabLst/>
-              <a:defRPr/>
-            </a:pPr>
-            <a:r>
-              <a:rPr kumimoji="0" lang="en-US" altLang="ja-JP" sz="1600" kern="0" dirty="0">
-                <a:solidFill>
-                  <a:srgbClr val="000000"/>
-                </a:solidFill>
-                <a:latin typeface="+mn-ea"/>
-                <a:ea typeface="+mn-ea"/>
-              </a:rPr>
-              <a:t>Normal</a:t>
-            </a:r>
-            <a:br>
-              <a:rPr kumimoji="0" lang="en-US" altLang="ja-JP" sz="1600" kern="0" dirty="0">
-                <a:solidFill>
-                  <a:srgbClr val="000000"/>
-                </a:solidFill>
-                <a:latin typeface="+mn-ea"/>
-                <a:ea typeface="+mn-ea"/>
-              </a:rPr>
-            </a:br>
-            <a:r>
-              <a:rPr kumimoji="0" lang="en-US" altLang="ja-JP" sz="1600" kern="0" dirty="0">
-                <a:solidFill>
-                  <a:srgbClr val="000000"/>
-                </a:solidFill>
-                <a:latin typeface="+mn-ea"/>
-                <a:ea typeface="+mn-ea"/>
-              </a:rPr>
-              <a:t>access</a:t>
-            </a:r>
-          </a:p>
-        </p:txBody>
-      </p:sp>
-      <p:sp>
-        <p:nvSpPr>
-          <p:cNvPr id="29" name="四角形吹き出し 28">
-            <a:extLst>
-              <a:ext uri="{FF2B5EF4-FFF2-40B4-BE49-F238E27FC236}">
-                <a16:creationId xmlns:a16="http://schemas.microsoft.com/office/drawing/2014/main" id="{6FE33102-46A9-304D-A927-5CD50787EAEE}"/>
-              </a:ext>
-            </a:extLst>
-          </p:cNvPr>
-          <p:cNvSpPr/>
-          <p:nvPr/>
-        </p:nvSpPr>
-        <p:spPr bwMode="auto">
-          <a:xfrm>
-            <a:off x="3657600" y="2550391"/>
-            <a:ext cx="2030161" cy="601333"/>
-          </a:xfrm>
-          <a:prstGeom prst="wedgeRectCallout">
-            <a:avLst>
-              <a:gd name="adj1" fmla="val 64547"/>
-              <a:gd name="adj2" fmla="val 42895"/>
-            </a:avLst>
-          </a:prstGeom>
-          <a:ln>
-            <a:headEnd/>
-            <a:tailEnd/>
-          </a:ln>
-        </p:spPr>
-        <p:style>
-          <a:lnRef idx="2">
-            <a:schemeClr val="dk1"/>
-          </a:lnRef>
-          <a:fillRef idx="1">
-            <a:schemeClr val="lt1"/>
-          </a:fillRef>
-          <a:effectRef idx="0">
-            <a:schemeClr val="dk1"/>
-          </a:effectRef>
-          <a:fontRef idx="minor">
-            <a:schemeClr val="dk1"/>
-          </a:fontRef>
-        </p:style>
-        <p:txBody>
-          <a:bodyPr wrap="none" rtlCol="0" anchor="ctr" anchorCtr="0">
-            <a:noAutofit/>
-          </a:bodyPr>
-          <a:lstStyle/>
-          <a:p>
-            <a:pPr algn="ctr"/>
-            <a:r>
-              <a:rPr kumimoji="1" lang="en-US" altLang="ja-JP" sz="1800" dirty="0">
-                <a:solidFill>
-                  <a:schemeClr val="tx1"/>
-                </a:solidFill>
-              </a:rPr>
-              <a:t>Use can use </a:t>
-            </a:r>
-            <a:br>
-              <a:rPr kumimoji="1" lang="en-US" altLang="ja-JP" sz="1800" dirty="0">
-                <a:solidFill>
-                  <a:schemeClr val="tx1"/>
-                </a:solidFill>
-              </a:rPr>
-            </a:br>
-            <a:r>
-              <a:rPr kumimoji="1" lang="en-US" altLang="ja-JP" sz="1800" dirty="0">
-                <a:solidFill>
-                  <a:schemeClr val="tx1"/>
-                </a:solidFill>
-              </a:rPr>
-              <a:t>the latest Chrome</a:t>
-            </a:r>
-            <a:endParaRPr lang="en-US" altLang="ja-JP" sz="1800" dirty="0">
-              <a:solidFill>
-                <a:schemeClr val="tx1"/>
-              </a:solidFill>
-            </a:endParaRPr>
-          </a:p>
-        </p:txBody>
-      </p:sp>
-      <p:sp>
-        <p:nvSpPr>
-          <p:cNvPr id="30" name="正方形/長方形 29">
-            <a:extLst>
-              <a:ext uri="{FF2B5EF4-FFF2-40B4-BE49-F238E27FC236}">
-                <a16:creationId xmlns:a16="http://schemas.microsoft.com/office/drawing/2014/main" id="{EDF2217B-C727-304B-B062-33132490F786}"/>
-              </a:ext>
-            </a:extLst>
-          </p:cNvPr>
-          <p:cNvSpPr/>
-          <p:nvPr/>
-        </p:nvSpPr>
-        <p:spPr bwMode="auto">
-          <a:xfrm>
-            <a:off x="5872376" y="5892858"/>
-            <a:ext cx="2688807" cy="400619"/>
-          </a:xfrm>
-          <a:prstGeom prst="rect">
-            <a:avLst/>
-          </a:prstGeom>
-          <a:ln>
-            <a:headEnd/>
-            <a:tailEnd/>
-          </a:ln>
-        </p:spPr>
-        <p:style>
-          <a:lnRef idx="2">
-            <a:schemeClr val="dk1"/>
-          </a:lnRef>
-          <a:fillRef idx="1">
-            <a:schemeClr val="lt1"/>
-          </a:fillRef>
-          <a:effectRef idx="0">
-            <a:schemeClr val="dk1"/>
-          </a:effectRef>
-          <a:fontRef idx="minor">
-            <a:schemeClr val="dk1"/>
-          </a:fontRef>
-        </p:style>
-        <p:txBody>
-          <a:bodyPr wrap="none" rtlCol="0" anchor="ctr" anchorCtr="0">
-            <a:noAutofit/>
-          </a:bodyPr>
-          <a:lstStyle/>
-          <a:p>
-            <a:pPr algn="ctr"/>
-            <a:r>
-              <a:rPr kumimoji="1" lang="en-US" altLang="ja-JP" sz="1800" dirty="0">
-                <a:solidFill>
-                  <a:schemeClr val="tx1"/>
-                </a:solidFill>
-              </a:rPr>
-              <a:t>Node.js v10</a:t>
-            </a:r>
-            <a:endParaRPr kumimoji="1" lang="ja-JP" altLang="en-US" sz="1800">
-              <a:solidFill>
-                <a:schemeClr val="tx1"/>
-              </a:solidFill>
-            </a:endParaRPr>
-          </a:p>
-        </p:txBody>
-      </p:sp>
-      <p:sp>
-        <p:nvSpPr>
-          <p:cNvPr id="31" name="Text Box 33">
-            <a:extLst>
-              <a:ext uri="{FF2B5EF4-FFF2-40B4-BE49-F238E27FC236}">
-                <a16:creationId xmlns:a16="http://schemas.microsoft.com/office/drawing/2014/main" id="{B4E99D3D-76B6-8D43-9819-FFD075849EDF}"/>
-              </a:ext>
-            </a:extLst>
-          </p:cNvPr>
-          <p:cNvSpPr txBox="1">
-            <a:spLocks noChangeArrowheads="1"/>
-          </p:cNvSpPr>
-          <p:nvPr/>
-        </p:nvSpPr>
-        <p:spPr bwMode="gray">
-          <a:xfrm>
-            <a:off x="6484556" y="3610554"/>
-            <a:ext cx="1252266" cy="338554"/>
-          </a:xfrm>
-          <a:prstGeom prst="rect">
-            <a:avLst/>
-          </a:prstGeom>
-          <a:noFill/>
-          <a:ln w="3175" cap="rnd">
-            <a:noFill/>
-            <a:miter lim="800000"/>
-            <a:headEnd/>
-            <a:tailEnd/>
-          </a:ln>
-          <a:effectLst/>
-        </p:spPr>
-        <p:txBody>
-          <a:bodyPr wrap="none">
-            <a:spAutoFit/>
-          </a:bodyPr>
-          <a:lstStyle/>
-          <a:p>
-            <a:pPr marL="0" marR="0" lvl="0" indent="0" algn="ctr" defTabSz="914400" eaLnBrk="1" fontAlgn="auto" latinLnBrk="0" hangingPunct="1">
-              <a:lnSpc>
-                <a:spcPct val="100000"/>
-              </a:lnSpc>
-              <a:spcBef>
-                <a:spcPts val="0"/>
-              </a:spcBef>
-              <a:spcAft>
-                <a:spcPts val="0"/>
-              </a:spcAft>
-              <a:buClrTx/>
-              <a:buSzTx/>
-              <a:buFontTx/>
-              <a:buNone/>
-              <a:tabLst/>
-              <a:defRPr/>
-            </a:pPr>
-            <a:r>
-              <a:rPr kumimoji="0" lang="en-US" altLang="ja-JP" sz="1600" kern="0" dirty="0">
-                <a:solidFill>
-                  <a:srgbClr val="000000"/>
-                </a:solidFill>
-                <a:latin typeface="+mn-ea"/>
-                <a:ea typeface="+mn-ea"/>
-              </a:rPr>
-              <a:t>Chrome v83</a:t>
-            </a:r>
-          </a:p>
-        </p:txBody>
-      </p:sp>
-      <p:sp>
-        <p:nvSpPr>
-          <p:cNvPr id="32" name="四角形吹き出し 31">
-            <a:extLst>
-              <a:ext uri="{FF2B5EF4-FFF2-40B4-BE49-F238E27FC236}">
-                <a16:creationId xmlns:a16="http://schemas.microsoft.com/office/drawing/2014/main" id="{FDDB5C0D-C426-084D-A6AE-6F2CBF091D4A}"/>
-              </a:ext>
-            </a:extLst>
-          </p:cNvPr>
-          <p:cNvSpPr/>
-          <p:nvPr/>
-        </p:nvSpPr>
-        <p:spPr bwMode="auto">
-          <a:xfrm>
-            <a:off x="3428212" y="4535784"/>
-            <a:ext cx="2030161" cy="1119011"/>
-          </a:xfrm>
-          <a:prstGeom prst="wedgeRectCallout">
-            <a:avLst>
-              <a:gd name="adj1" fmla="val -51142"/>
-              <a:gd name="adj2" fmla="val -68887"/>
-            </a:avLst>
-          </a:prstGeom>
-          <a:ln>
-            <a:headEnd/>
-            <a:tailEnd/>
-          </a:ln>
-        </p:spPr>
-        <p:style>
-          <a:lnRef idx="2">
-            <a:schemeClr val="dk1"/>
-          </a:lnRef>
-          <a:fillRef idx="1">
-            <a:schemeClr val="lt1"/>
-          </a:fillRef>
-          <a:effectRef idx="0">
-            <a:schemeClr val="dk1"/>
-          </a:effectRef>
-          <a:fontRef idx="minor">
-            <a:schemeClr val="dk1"/>
-          </a:fontRef>
-        </p:style>
-        <p:txBody>
-          <a:bodyPr wrap="none" rtlCol="0" anchor="ctr" anchorCtr="0">
-            <a:noAutofit/>
-          </a:bodyPr>
-          <a:lstStyle/>
-          <a:p>
-            <a:pPr algn="ctr"/>
-            <a:r>
-              <a:rPr lang="en-US" altLang="ja-JP" sz="1800" dirty="0">
-                <a:solidFill>
-                  <a:schemeClr val="tx1"/>
-                </a:solidFill>
-              </a:rPr>
-              <a:t>If the node requires</a:t>
-            </a:r>
-          </a:p>
-          <a:p>
-            <a:pPr algn="ctr"/>
-            <a:r>
-              <a:rPr lang="en-US" altLang="ja-JP" sz="1800" dirty="0">
-                <a:solidFill>
-                  <a:schemeClr val="tx1"/>
-                </a:solidFill>
-              </a:rPr>
-              <a:t> the old Node.js,</a:t>
-            </a:r>
-          </a:p>
-          <a:p>
-            <a:pPr algn="ctr"/>
-            <a:r>
-              <a:rPr lang="en-US" altLang="ja-JP" sz="1800" dirty="0">
-                <a:solidFill>
-                  <a:schemeClr val="tx1"/>
-                </a:solidFill>
-              </a:rPr>
-              <a:t> the browser engine </a:t>
-            </a:r>
-          </a:p>
-          <a:p>
-            <a:pPr algn="ctr"/>
-            <a:r>
-              <a:rPr lang="en-US" altLang="ja-JP" sz="1800" dirty="0">
-                <a:solidFill>
-                  <a:schemeClr val="tx1"/>
-                </a:solidFill>
-              </a:rPr>
-              <a:t>also becomes old.</a:t>
-            </a:r>
-          </a:p>
-        </p:txBody>
-      </p:sp>
-      <p:sp>
-        <p:nvSpPr>
-          <p:cNvPr id="33" name="スマイル 32">
-            <a:extLst>
-              <a:ext uri="{FF2B5EF4-FFF2-40B4-BE49-F238E27FC236}">
-                <a16:creationId xmlns:a16="http://schemas.microsoft.com/office/drawing/2014/main" id="{8BE2D506-234C-6D48-94E1-7F5DD5116D64}"/>
-              </a:ext>
-            </a:extLst>
-          </p:cNvPr>
-          <p:cNvSpPr/>
-          <p:nvPr/>
-        </p:nvSpPr>
-        <p:spPr bwMode="auto">
-          <a:xfrm>
-            <a:off x="6671825" y="2868998"/>
-            <a:ext cx="601333" cy="601333"/>
-          </a:xfrm>
-          <a:prstGeom prst="smileyFace">
-            <a:avLst/>
-          </a:prstGeom>
-          <a:ln>
-            <a:headEnd/>
-            <a:tailEnd/>
-          </a:ln>
-        </p:spPr>
-        <p:style>
-          <a:lnRef idx="2">
-            <a:schemeClr val="dk1"/>
-          </a:lnRef>
-          <a:fillRef idx="1">
-            <a:schemeClr val="lt1"/>
-          </a:fillRef>
-          <a:effectRef idx="0">
-            <a:schemeClr val="dk1"/>
-          </a:effectRef>
-          <a:fontRef idx="minor">
-            <a:schemeClr val="dk1"/>
-          </a:fontRef>
-        </p:style>
-        <p:txBody>
-          <a:bodyPr wrap="none" rtlCol="0" anchor="ctr" anchorCtr="0">
-            <a:noAutofit/>
-          </a:bodyPr>
-          <a:lstStyle/>
-          <a:p>
-            <a:pPr algn="ctr"/>
-            <a:endParaRPr kumimoji="1" lang="ja-JP" altLang="en-US" sz="1600">
-              <a:solidFill>
-                <a:schemeClr val="tx1"/>
-              </a:solidFill>
-            </a:endParaRPr>
-          </a:p>
-        </p:txBody>
-      </p:sp>
-      <p:sp>
-        <p:nvSpPr>
-          <p:cNvPr id="34" name="Text Box 33">
-            <a:extLst>
-              <a:ext uri="{FF2B5EF4-FFF2-40B4-BE49-F238E27FC236}">
-                <a16:creationId xmlns:a16="http://schemas.microsoft.com/office/drawing/2014/main" id="{2D025F14-8B61-3742-9193-7BAFC6FBF6F5}"/>
-              </a:ext>
-            </a:extLst>
-          </p:cNvPr>
-          <p:cNvSpPr txBox="1">
-            <a:spLocks noChangeArrowheads="1"/>
-          </p:cNvSpPr>
-          <p:nvPr/>
-        </p:nvSpPr>
-        <p:spPr bwMode="gray">
-          <a:xfrm>
-            <a:off x="7273158" y="2975213"/>
-            <a:ext cx="1492717" cy="338554"/>
-          </a:xfrm>
-          <a:prstGeom prst="rect">
-            <a:avLst/>
-          </a:prstGeom>
-          <a:noFill/>
-          <a:ln w="3175" cap="rnd">
-            <a:noFill/>
-            <a:miter lim="800000"/>
-            <a:headEnd/>
-            <a:tailEnd/>
-          </a:ln>
-          <a:effectLst/>
-        </p:spPr>
-        <p:txBody>
-          <a:bodyPr wrap="none">
-            <a:spAutoFit/>
-          </a:bodyPr>
-          <a:lstStyle/>
-          <a:p>
-            <a:pPr marL="0" marR="0" lvl="0" indent="0" algn="ctr" defTabSz="914400" eaLnBrk="1" fontAlgn="auto" latinLnBrk="0" hangingPunct="1">
-              <a:lnSpc>
-                <a:spcPct val="100000"/>
-              </a:lnSpc>
-              <a:spcBef>
-                <a:spcPts val="0"/>
-              </a:spcBef>
-              <a:spcAft>
-                <a:spcPts val="0"/>
-              </a:spcAft>
-              <a:buClrTx/>
-              <a:buSzTx/>
-              <a:buFontTx/>
-              <a:buNone/>
-              <a:tabLst/>
-              <a:defRPr/>
-            </a:pPr>
-            <a:r>
-              <a:rPr kumimoji="0" lang="en-US" altLang="ja-JP" sz="1600" kern="0" dirty="0">
-                <a:solidFill>
-                  <a:srgbClr val="000000"/>
-                </a:solidFill>
-                <a:latin typeface="+mn-ea"/>
-                <a:ea typeface="+mn-ea"/>
-              </a:rPr>
-              <a:t>Flow developer</a:t>
-            </a:r>
-          </a:p>
-        </p:txBody>
-      </p:sp>
-      <p:sp>
-        <p:nvSpPr>
-          <p:cNvPr id="35" name="Text Box 33">
-            <a:extLst>
-              <a:ext uri="{FF2B5EF4-FFF2-40B4-BE49-F238E27FC236}">
-                <a16:creationId xmlns:a16="http://schemas.microsoft.com/office/drawing/2014/main" id="{C18B6F59-47FF-9E4F-89B4-A50300E034E4}"/>
-              </a:ext>
-            </a:extLst>
-          </p:cNvPr>
-          <p:cNvSpPr txBox="1">
-            <a:spLocks noChangeArrowheads="1"/>
-          </p:cNvSpPr>
-          <p:nvPr/>
-        </p:nvSpPr>
-        <p:spPr bwMode="gray">
-          <a:xfrm>
-            <a:off x="961857" y="3107070"/>
-            <a:ext cx="1683474" cy="338554"/>
-          </a:xfrm>
-          <a:prstGeom prst="rect">
-            <a:avLst/>
-          </a:prstGeom>
-          <a:noFill/>
-          <a:ln w="3175" cap="rnd">
-            <a:noFill/>
-            <a:miter lim="800000"/>
-            <a:headEnd/>
-            <a:tailEnd/>
-          </a:ln>
-          <a:effectLst/>
-        </p:spPr>
-        <p:txBody>
-          <a:bodyPr wrap="none">
-            <a:spAutoFit/>
-          </a:bodyPr>
-          <a:lstStyle/>
-          <a:p>
-            <a:pPr marL="0" marR="0" lvl="0" indent="0" algn="ctr" defTabSz="914400" eaLnBrk="1" fontAlgn="auto" latinLnBrk="0" hangingPunct="1">
-              <a:lnSpc>
-                <a:spcPct val="100000"/>
-              </a:lnSpc>
-              <a:spcBef>
-                <a:spcPts val="0"/>
-              </a:spcBef>
-              <a:spcAft>
-                <a:spcPts val="0"/>
-              </a:spcAft>
-              <a:buClrTx/>
-              <a:buSzTx/>
-              <a:buFontTx/>
-              <a:buNone/>
-              <a:tabLst/>
-              <a:defRPr/>
-            </a:pPr>
-            <a:r>
-              <a:rPr kumimoji="0" lang="en-US" altLang="ja-JP" sz="1600" kern="0" dirty="0">
-                <a:solidFill>
-                  <a:srgbClr val="000000"/>
-                </a:solidFill>
-                <a:latin typeface="+mn-ea"/>
-                <a:ea typeface="+mn-ea"/>
-              </a:rPr>
-              <a:t>Electron releases</a:t>
-            </a:r>
-          </a:p>
-        </p:txBody>
-      </p:sp>
-      <p:sp>
-        <p:nvSpPr>
-          <p:cNvPr id="36" name="正方形/長方形 35">
-            <a:extLst>
-              <a:ext uri="{FF2B5EF4-FFF2-40B4-BE49-F238E27FC236}">
-                <a16:creationId xmlns:a16="http://schemas.microsoft.com/office/drawing/2014/main" id="{B8E4C2D8-8CEA-9147-BB67-63152A3F1390}"/>
-              </a:ext>
-            </a:extLst>
-          </p:cNvPr>
-          <p:cNvSpPr/>
-          <p:nvPr/>
-        </p:nvSpPr>
-        <p:spPr>
-          <a:xfrm>
-            <a:off x="287799" y="5734763"/>
-            <a:ext cx="3651962" cy="253916"/>
-          </a:xfrm>
-          <a:prstGeom prst="rect">
-            <a:avLst/>
-          </a:prstGeom>
-          <a:noFill/>
-          <a:ln w="3175" cap="rnd">
-            <a:noFill/>
-            <a:miter lim="800000"/>
-            <a:headEnd/>
-            <a:tailEnd/>
-          </a:ln>
-          <a:effectLst/>
-        </p:spPr>
-        <p:txBody>
-          <a:bodyPr wrap="none">
-            <a:spAutoFit/>
-          </a:bodyPr>
-          <a:lstStyle/>
-          <a:p>
-            <a:pPr fontAlgn="auto">
-              <a:lnSpc>
-                <a:spcPct val="100000"/>
-              </a:lnSpc>
-              <a:spcBef>
-                <a:spcPts val="0"/>
-              </a:spcBef>
-              <a:spcAft>
-                <a:spcPts val="0"/>
-              </a:spcAft>
-            </a:pPr>
-            <a:r>
-              <a:rPr kumimoji="0" lang="en-US" altLang="ja-JP" sz="1050" kern="0" dirty="0">
-                <a:solidFill>
-                  <a:srgbClr val="000000"/>
-                </a:solidFill>
-                <a:latin typeface="+mn-ea"/>
-                <a:ea typeface="+mn-ea"/>
-                <a:hlinkClick r:id="rId7"/>
-              </a:rPr>
-              <a:t>https://www.electronjs.org/docs/tutorial/electron-timelines</a:t>
-            </a:r>
-            <a:endParaRPr kumimoji="0" lang="ja-JP" altLang="en-US" sz="1050" kern="0">
-              <a:solidFill>
-                <a:srgbClr val="000000"/>
-              </a:solidFill>
-              <a:latin typeface="+mn-ea"/>
-              <a:ea typeface="+mn-ea"/>
-            </a:endParaRPr>
-          </a:p>
-        </p:txBody>
-      </p:sp>
-    </p:spTree>
-    <p:extLst>
-      <p:ext uri="{BB962C8B-B14F-4D97-AF65-F5344CB8AC3E}">
-        <p14:creationId xmlns:p14="http://schemas.microsoft.com/office/powerpoint/2010/main" val="2882273556"/>
-      </p:ext>
-    </p:extLst>
-  </p:cSld>
-  <p:clrMapOvr>
-    <a:masterClrMapping/>
-  </p:clrMapOvr>
-</p:sld>
-</file>
-
-<file path=ppt/slides/slide7.xml><?xml version="1.0" encoding="utf-8"?>
-<p:sld xmlns:a="http://schemas.openxmlformats.org/drawingml/2006/main" xmlns:r="http://schemas.openxmlformats.org/officeDocument/2006/relationships" xmlns:p="http://schemas.openxmlformats.org/presentationml/2006/main">
-  <p:cSld>
-    <p:spTree>
-      <p:nvGrpSpPr>
-        <p:cNvPr id="1" name=""/>
-        <p:cNvGrpSpPr/>
-        <p:nvPr/>
-      </p:nvGrpSpPr>
-      <p:grpSpPr>
-        <a:xfrm>
-          <a:off x="0" y="0"/>
-          <a:ext cx="0" cy="0"/>
-          <a:chOff x="0" y="0"/>
-          <a:chExt cx="0" cy="0"/>
-        </a:xfrm>
-      </p:grpSpPr>
-      <p:sp>
-        <p:nvSpPr>
-          <p:cNvPr id="16" name="Text Box 33"/>
-          <p:cNvSpPr txBox="1">
-            <a:spLocks noChangeArrowheads="1"/>
-          </p:cNvSpPr>
-          <p:nvPr/>
-        </p:nvSpPr>
-        <p:spPr bwMode="gray">
-          <a:xfrm>
-            <a:off x="102644" y="911224"/>
             <a:ext cx="8824852" cy="830997"/>
           </a:xfrm>
           <a:prstGeom prst="rect">
@@ -16902,7 +12178,7 @@
               <a:pPr>
                 <a:defRPr/>
               </a:pPr>
-              <a:t>6</a:t>
+              <a:t>5</a:t>
             </a:fld>
             <a:endParaRPr lang="en-US" altLang="ja-JP"/>
           </a:p>
@@ -17949,7 +13225,7 @@
 </p:sld>
 </file>
 
-<file path=ppt/slides/slide8.xml><?xml version="1.0" encoding="utf-8"?>
+<file path=ppt/slides/slide7.xml><?xml version="1.0" encoding="utf-8"?>
 <p:sld xmlns:a="http://schemas.openxmlformats.org/drawingml/2006/main" xmlns:r="http://schemas.openxmlformats.org/officeDocument/2006/relationships" xmlns:p="http://schemas.openxmlformats.org/presentationml/2006/main">
   <p:cSld>
     <p:spTree>
@@ -18084,7 +13360,7 @@
               <a:pPr>
                 <a:defRPr/>
               </a:pPr>
-              <a:t>7</a:t>
+              <a:t>6</a:t>
             </a:fld>
             <a:endParaRPr lang="en-US" altLang="ja-JP"/>
           </a:p>
@@ -18227,14 +13503,14 @@
           <p:nvPr>
             <p:extLst>
               <p:ext uri="{D42A27DB-BD31-4B8C-83A1-F6EECF244321}">
-                <p14:modId xmlns:p14="http://schemas.microsoft.com/office/powerpoint/2010/main" val="690793381"/>
+                <p14:modId xmlns:p14="http://schemas.microsoft.com/office/powerpoint/2010/main" val="3124637606"/>
               </p:ext>
             </p:extLst>
           </p:nvPr>
         </p:nvGraphicFramePr>
         <p:xfrm>
           <a:off x="221672" y="2767672"/>
-          <a:ext cx="4836733" cy="3777588"/>
+          <a:ext cx="4836733" cy="3510016"/>
         </p:xfrm>
         <a:graphic>
           <a:graphicData uri="http://schemas.openxmlformats.org/drawingml/2006/table">
@@ -18378,7 +13654,7 @@
                       <a:pPr algn="ctr"/>
                       <a:r>
                         <a:rPr kumimoji="1" lang="en-US" altLang="ja-JP" sz="2000" dirty="0"/>
-                        <a:t>format</a:t>
+                        <a:t>Format</a:t>
                       </a:r>
                       <a:endParaRPr kumimoji="1" lang="ja-JP" altLang="en-US" sz="2000"/>
                     </a:p>
@@ -18983,9 +14259,9 @@
                     <a:p>
                       <a:r>
                         <a:rPr kumimoji="1" lang="en-US" altLang="ja-JP" sz="2000" dirty="0" err="1"/>
-                        <a:t>AppImage</a:t>
+                        <a:t>tar.gz</a:t>
                       </a:r>
-                      <a:endParaRPr kumimoji="1" lang="ja-JP" altLang="en-US" sz="2000"/>
+                      <a:endParaRPr kumimoji="1" lang="en-US" altLang="ja-JP" sz="2000" dirty="0"/>
                     </a:p>
                   </a:txBody>
                   <a:tcPr>
@@ -19090,9 +14366,49 @@
                     <a:bodyPr/>
                     <a:lstStyle/>
                     <a:p>
+                      <a:pPr marL="0" marR="0" lvl="0" indent="0" algn="l" defTabSz="914400" rtl="0" eaLnBrk="1" fontAlgn="auto" latinLnBrk="0" hangingPunct="1">
+                        <a:lnSpc>
+                          <a:spcPct val="100000"/>
+                        </a:lnSpc>
+                        <a:spcBef>
+                          <a:spcPts val="0"/>
+                        </a:spcBef>
+                        <a:spcAft>
+                          <a:spcPts val="0"/>
+                        </a:spcAft>
+                        <a:buClrTx/>
+                        <a:buSzTx/>
+                        <a:buFontTx/>
+                        <a:buNone/>
+                        <a:tabLst/>
+                        <a:defRPr/>
+                      </a:pPr>
                       <a:r>
                         <a:rPr kumimoji="1" lang="en-US" altLang="ja-JP" sz="2000" dirty="0"/>
-                        <a:t>Ubuntu</a:t>
+                        <a:t>Ubuntu, RHEL</a:t>
+                      </a:r>
+                    </a:p>
+                    <a:p>
+                      <a:pPr marL="0" marR="0" lvl="0" indent="0" algn="l" defTabSz="914400" rtl="0" eaLnBrk="1" fontAlgn="auto" latinLnBrk="0" hangingPunct="1">
+                        <a:lnSpc>
+                          <a:spcPct val="100000"/>
+                        </a:lnSpc>
+                        <a:spcBef>
+                          <a:spcPts val="0"/>
+                        </a:spcBef>
+                        <a:spcAft>
+                          <a:spcPts val="0"/>
+                        </a:spcAft>
+                        <a:buClrTx/>
+                        <a:buSzTx/>
+                        <a:buFontTx/>
+                        <a:buNone/>
+                        <a:tabLst/>
+                        <a:defRPr/>
+                      </a:pPr>
+                      <a:r>
+                        <a:rPr kumimoji="1" lang="en-US" altLang="ja-JP" sz="2000" dirty="0"/>
+                        <a:t>(x64)</a:t>
                       </a:r>
                       <a:endParaRPr kumimoji="1" lang="ja-JP" altLang="en-US" sz="2000"/>
                     </a:p>
@@ -19142,8 +14458,8 @@
                     <a:lstStyle/>
                     <a:p>
                       <a:r>
-                        <a:rPr kumimoji="1" lang="en-US" altLang="ja-JP" sz="2000" dirty="0"/>
-                        <a:t>deb file</a:t>
+                        <a:rPr kumimoji="1" lang="en-US" altLang="ja-JP" sz="2000" dirty="0" err="1"/>
+                        <a:t>tar.gz</a:t>
                       </a:r>
                       <a:endParaRPr kumimoji="1" lang="ja-JP" altLang="en-US" sz="2000"/>
                     </a:p>
@@ -19190,166 +14506,6 @@
                 <a:extLst>
                   <a:ext uri="{0D108BD9-81ED-4DB2-BD59-A6C34878D82A}">
                     <a16:rowId xmlns:a16="http://schemas.microsoft.com/office/drawing/2014/main" val="1882832954"/>
-                  </a:ext>
-                </a:extLst>
-              </a:tr>
-              <a:tr h="484306">
-                <a:tc>
-                  <a:txBody>
-                    <a:bodyPr/>
-                    <a:lstStyle/>
-                    <a:p>
-                      <a:r>
-                        <a:rPr kumimoji="1" lang="en-US" altLang="ja-JP" sz="2000" dirty="0"/>
-                        <a:t>6</a:t>
-                      </a:r>
-                      <a:endParaRPr kumimoji="1" lang="ja-JP" altLang="en-US" sz="2000"/>
-                    </a:p>
-                  </a:txBody>
-                  <a:tcPr>
-                    <a:lnL w="12700" cap="flat" cmpd="sng" algn="ctr">
-                      <a:solidFill>
-                        <a:schemeClr val="tx1"/>
-                      </a:solidFill>
-                      <a:prstDash val="solid"/>
-                      <a:round/>
-                      <a:headEnd type="none" w="med" len="med"/>
-                      <a:tailEnd type="none" w="med" len="med"/>
-                    </a:lnL>
-                    <a:lnR w="12700" cap="flat" cmpd="sng" algn="ctr">
-                      <a:solidFill>
-                        <a:schemeClr val="tx1"/>
-                      </a:solidFill>
-                      <a:prstDash val="solid"/>
-                      <a:round/>
-                      <a:headEnd type="none" w="med" len="med"/>
-                      <a:tailEnd type="none" w="med" len="med"/>
-                    </a:lnR>
-                    <a:lnT w="12700" cap="flat" cmpd="sng" algn="ctr">
-                      <a:solidFill>
-                        <a:schemeClr val="tx1"/>
-                      </a:solidFill>
-                      <a:prstDash val="solid"/>
-                      <a:round/>
-                      <a:headEnd type="none" w="med" len="med"/>
-                      <a:tailEnd type="none" w="med" len="med"/>
-                    </a:lnT>
-                    <a:lnB w="12700" cap="flat" cmpd="sng" algn="ctr">
-                      <a:solidFill>
-                        <a:schemeClr val="tx1"/>
-                      </a:solidFill>
-                      <a:prstDash val="solid"/>
-                      <a:round/>
-                      <a:headEnd type="none" w="med" len="med"/>
-                      <a:tailEnd type="none" w="med" len="med"/>
-                    </a:lnB>
-                  </a:tcPr>
-                </a:tc>
-                <a:tc>
-                  <a:txBody>
-                    <a:bodyPr/>
-                    <a:lstStyle/>
-                    <a:p>
-                      <a:r>
-                        <a:rPr kumimoji="1" lang="en-US" altLang="ja-JP" sz="2000" dirty="0"/>
-                        <a:t>RHEL</a:t>
-                      </a:r>
-                      <a:endParaRPr kumimoji="1" lang="ja-JP" altLang="en-US" sz="2000"/>
-                    </a:p>
-                  </a:txBody>
-                  <a:tcPr>
-                    <a:lnL w="12700" cap="flat" cmpd="sng" algn="ctr">
-                      <a:solidFill>
-                        <a:schemeClr val="tx1"/>
-                      </a:solidFill>
-                      <a:prstDash val="solid"/>
-                      <a:round/>
-                      <a:headEnd type="none" w="med" len="med"/>
-                      <a:tailEnd type="none" w="med" len="med"/>
-                    </a:lnL>
-                    <a:lnR w="12700" cap="flat" cmpd="sng" algn="ctr">
-                      <a:solidFill>
-                        <a:schemeClr val="tx1"/>
-                      </a:solidFill>
-                      <a:prstDash val="solid"/>
-                      <a:round/>
-                      <a:headEnd type="none" w="med" len="med"/>
-                      <a:tailEnd type="none" w="med" len="med"/>
-                    </a:lnR>
-                    <a:lnT w="12700" cap="flat" cmpd="sng" algn="ctr">
-                      <a:solidFill>
-                        <a:schemeClr val="tx1"/>
-                      </a:solidFill>
-                      <a:prstDash val="solid"/>
-                      <a:round/>
-                      <a:headEnd type="none" w="med" len="med"/>
-                      <a:tailEnd type="none" w="med" len="med"/>
-                    </a:lnT>
-                    <a:lnB w="12700" cap="flat" cmpd="sng" algn="ctr">
-                      <a:solidFill>
-                        <a:schemeClr val="tx1"/>
-                      </a:solidFill>
-                      <a:prstDash val="solid"/>
-                      <a:round/>
-                      <a:headEnd type="none" w="med" len="med"/>
-                      <a:tailEnd type="none" w="med" len="med"/>
-                    </a:lnB>
-                  </a:tcPr>
-                </a:tc>
-                <a:tc>
-                  <a:txBody>
-                    <a:bodyPr/>
-                    <a:lstStyle/>
-                    <a:p>
-                      <a:r>
-                        <a:rPr kumimoji="1" lang="en-US" altLang="ja-JP" sz="2000" dirty="0"/>
-                        <a:t>rpm file</a:t>
-                      </a:r>
-                      <a:endParaRPr kumimoji="1" lang="ja-JP" altLang="en-US" sz="2000"/>
-                    </a:p>
-                  </a:txBody>
-                  <a:tcPr>
-                    <a:lnL w="12700" cap="flat" cmpd="sng" algn="ctr">
-                      <a:solidFill>
-                        <a:schemeClr val="tx1"/>
-                      </a:solidFill>
-                      <a:prstDash val="solid"/>
-                      <a:round/>
-                      <a:headEnd type="none" w="med" len="med"/>
-                      <a:tailEnd type="none" w="med" len="med"/>
-                    </a:lnL>
-                    <a:lnR w="12700" cap="flat" cmpd="sng" algn="ctr">
-                      <a:solidFill>
-                        <a:schemeClr val="tx1"/>
-                      </a:solidFill>
-                      <a:prstDash val="solid"/>
-                      <a:round/>
-                      <a:headEnd type="none" w="med" len="med"/>
-                      <a:tailEnd type="none" w="med" len="med"/>
-                    </a:lnR>
-                    <a:lnT w="12700" cap="flat" cmpd="sng" algn="ctr">
-                      <a:solidFill>
-                        <a:schemeClr val="tx1"/>
-                      </a:solidFill>
-                      <a:prstDash val="solid"/>
-                      <a:round/>
-                      <a:headEnd type="none" w="med" len="med"/>
-                      <a:tailEnd type="none" w="med" len="med"/>
-                    </a:lnT>
-                    <a:lnB w="12700" cap="flat" cmpd="sng" algn="ctr">
-                      <a:solidFill>
-                        <a:schemeClr val="tx1"/>
-                      </a:solidFill>
-                      <a:prstDash val="solid"/>
-                      <a:round/>
-                      <a:headEnd type="none" w="med" len="med"/>
-                      <a:tailEnd type="none" w="med" len="med"/>
-                    </a:lnB>
-                  </a:tcPr>
-                </a:tc>
-                <a:extLst>
-                  <a:ext uri="{0D108BD9-81ED-4DB2-BD59-A6C34878D82A}">
-                    <a16:rowId xmlns:a16="http://schemas.microsoft.com/office/drawing/2014/main" val="2347945276"/>
                   </a:ext>
                 </a:extLst>
               </a:tr>
@@ -19570,7 +14726,7 @@
 </p:sld>
 </file>
 
-<file path=ppt/slides/slide9.xml><?xml version="1.0" encoding="utf-8"?>
+<file path=ppt/slides/slide8.xml><?xml version="1.0" encoding="utf-8"?>
 <p:sld xmlns:a="http://schemas.openxmlformats.org/drawingml/2006/main" xmlns:r="http://schemas.openxmlformats.org/officeDocument/2006/relationships" xmlns:p="http://schemas.openxmlformats.org/presentationml/2006/main">
   <p:cSld>
     <p:spTree>
@@ -19838,7 +14994,7 @@
               <a:pPr>
                 <a:defRPr/>
               </a:pPr>
-              <a:t>8</a:t>
+              <a:t>7</a:t>
             </a:fld>
             <a:endParaRPr lang="en-US" altLang="ja-JP"/>
           </a:p>
@@ -20574,6 +15730,2411 @@
     <p:extLst>
       <p:ext uri="{BB962C8B-B14F-4D97-AF65-F5344CB8AC3E}">
         <p14:creationId xmlns:p14="http://schemas.microsoft.com/office/powerpoint/2010/main" val="402013987"/>
+      </p:ext>
+    </p:extLst>
+  </p:cSld>
+  <p:clrMapOvr>
+    <a:masterClrMapping/>
+  </p:clrMapOvr>
+</p:sld>
+</file>
+
+<file path=ppt/slides/slide9.xml><?xml version="1.0" encoding="utf-8"?>
+<p:sld xmlns:a="http://schemas.openxmlformats.org/drawingml/2006/main" xmlns:r="http://schemas.openxmlformats.org/officeDocument/2006/relationships" xmlns:p="http://schemas.openxmlformats.org/presentationml/2006/main">
+  <p:cSld>
+    <p:spTree>
+      <p:nvGrpSpPr>
+        <p:cNvPr id="1" name=""/>
+        <p:cNvGrpSpPr/>
+        <p:nvPr/>
+      </p:nvGrpSpPr>
+      <p:grpSpPr>
+        <a:xfrm>
+          <a:off x="0" y="0"/>
+          <a:ext cx="0" cy="0"/>
+          <a:chOff x="0" y="0"/>
+          <a:chExt cx="0" cy="0"/>
+        </a:xfrm>
+      </p:grpSpPr>
+      <p:sp>
+        <p:nvSpPr>
+          <p:cNvPr id="16" name="Text Box 33"/>
+          <p:cNvSpPr txBox="1">
+            <a:spLocks noChangeArrowheads="1"/>
+          </p:cNvSpPr>
+          <p:nvPr/>
+        </p:nvSpPr>
+        <p:spPr bwMode="gray">
+          <a:xfrm>
+            <a:off x="-235469" y="1127272"/>
+            <a:ext cx="4763070" cy="1107996"/>
+          </a:xfrm>
+          <a:prstGeom prst="rect">
+            <a:avLst/>
+          </a:prstGeom>
+          <a:noFill/>
+          <a:ln w="3175" cap="rnd">
+            <a:noFill/>
+            <a:miter lim="800000"/>
+            <a:headEnd/>
+            <a:tailEnd/>
+          </a:ln>
+          <a:effectLst/>
+        </p:spPr>
+        <p:txBody>
+          <a:bodyPr wrap="square">
+            <a:spAutoFit/>
+          </a:bodyPr>
+          <a:lstStyle/>
+          <a:p>
+            <a:pPr lvl="1" fontAlgn="auto">
+              <a:lnSpc>
+                <a:spcPct val="100000"/>
+              </a:lnSpc>
+              <a:spcBef>
+                <a:spcPts val="0"/>
+              </a:spcBef>
+              <a:spcAft>
+                <a:spcPts val="0"/>
+              </a:spcAft>
+              <a:defRPr/>
+            </a:pPr>
+            <a:r>
+              <a:rPr kumimoji="0" lang="en-US" altLang="ja-JP" sz="2200" kern="0" dirty="0">
+                <a:solidFill>
+                  <a:srgbClr val="000000"/>
+                </a:solidFill>
+                <a:latin typeface="+mn-ea"/>
+                <a:ea typeface="+mn-ea"/>
+              </a:rPr>
+              <a:t>(1) After opening flow JSON file in explorer, the standalone</a:t>
+            </a:r>
+            <a:br>
+              <a:rPr kumimoji="0" lang="en-US" altLang="ja-JP" sz="2200" kern="0" dirty="0">
+                <a:solidFill>
+                  <a:srgbClr val="000000"/>
+                </a:solidFill>
+                <a:latin typeface="+mn-ea"/>
+                <a:ea typeface="+mn-ea"/>
+              </a:rPr>
+            </a:br>
+            <a:r>
+              <a:rPr kumimoji="0" lang="en-US" altLang="ja-JP" sz="2200" kern="0" dirty="0">
+                <a:solidFill>
+                  <a:srgbClr val="000000"/>
+                </a:solidFill>
+                <a:latin typeface="+mn-ea"/>
+                <a:ea typeface="+mn-ea"/>
+              </a:rPr>
+              <a:t>Node-RED starts to edit the flow.</a:t>
+            </a:r>
+          </a:p>
+        </p:txBody>
+      </p:sp>
+      <p:sp>
+        <p:nvSpPr>
+          <p:cNvPr id="12" name="タイトル 11"/>
+          <p:cNvSpPr>
+            <a:spLocks noGrp="1"/>
+          </p:cNvSpPr>
+          <p:nvPr>
+            <p:ph type="title"/>
+          </p:nvPr>
+        </p:nvSpPr>
+        <p:spPr bwMode="gray">
+          <a:xfrm>
+            <a:off x="113191" y="179482"/>
+            <a:ext cx="7326000" cy="424732"/>
+          </a:xfrm>
+        </p:spPr>
+        <p:txBody>
+          <a:bodyPr wrap="square">
+            <a:spAutoFit/>
+          </a:bodyPr>
+          <a:lstStyle/>
+          <a:p>
+            <a:r>
+              <a:rPr kumimoji="1" lang="en-US" altLang="ja-JP" dirty="0">
+                <a:latin typeface="+mj-ea"/>
+                <a:ea typeface="+mj-ea"/>
+              </a:rPr>
+              <a:t>Suggestion: Integration with file system (2/2)</a:t>
+            </a:r>
+            <a:endParaRPr kumimoji="1" lang="ja-JP" altLang="en-US" dirty="0">
+              <a:latin typeface="+mj-ea"/>
+              <a:ea typeface="+mj-ea"/>
+            </a:endParaRPr>
+          </a:p>
+        </p:txBody>
+      </p:sp>
+      <p:sp>
+        <p:nvSpPr>
+          <p:cNvPr id="6" name="スライド番号プレースホルダ 5"/>
+          <p:cNvSpPr>
+            <a:spLocks noGrp="1"/>
+          </p:cNvSpPr>
+          <p:nvPr>
+            <p:ph type="sldNum" sz="quarter" idx="10"/>
+          </p:nvPr>
+        </p:nvSpPr>
+        <p:spPr/>
+        <p:txBody>
+          <a:bodyPr/>
+          <a:lstStyle/>
+          <a:p>
+            <a:pPr>
+              <a:defRPr/>
+            </a:pPr>
+            <a:fld id="{B69A64E9-DEE1-40B5-88E8-A6C3DD001D0B}" type="slidenum">
+              <a:rPr lang="en-US" altLang="ja-JP" smtClean="0"/>
+              <a:pPr>
+                <a:defRPr/>
+              </a:pPr>
+              <a:t>8</a:t>
+            </a:fld>
+            <a:endParaRPr lang="en-US" altLang="ja-JP"/>
+          </a:p>
+        </p:txBody>
+      </p:sp>
+      <p:grpSp>
+        <p:nvGrpSpPr>
+          <p:cNvPr id="19" name="グループ化 18">
+            <a:extLst>
+              <a:ext uri="{FF2B5EF4-FFF2-40B4-BE49-F238E27FC236}">
+                <a16:creationId xmlns:a16="http://schemas.microsoft.com/office/drawing/2014/main" id="{745C43C8-5AC0-F74C-8B08-31F1F4551ECC}"/>
+              </a:ext>
+            </a:extLst>
+          </p:cNvPr>
+          <p:cNvGrpSpPr/>
+          <p:nvPr/>
+        </p:nvGrpSpPr>
+        <p:grpSpPr>
+          <a:xfrm>
+            <a:off x="1997154" y="2296593"/>
+            <a:ext cx="2243052" cy="1613706"/>
+            <a:chOff x="1886216" y="2770753"/>
+            <a:chExt cx="2243052" cy="1613706"/>
+          </a:xfrm>
+        </p:grpSpPr>
+        <p:pic>
+          <p:nvPicPr>
+            <p:cNvPr id="20" name="グラフィックス 19">
+              <a:extLst>
+                <a:ext uri="{FF2B5EF4-FFF2-40B4-BE49-F238E27FC236}">
+                  <a16:creationId xmlns:a16="http://schemas.microsoft.com/office/drawing/2014/main" id="{22F08766-3C92-A443-813F-82731A1BF574}"/>
+                </a:ext>
+              </a:extLst>
+            </p:cNvPr>
+            <p:cNvPicPr>
+              <a:picLocks noChangeAspect="1"/>
+            </p:cNvPicPr>
+            <p:nvPr/>
+          </p:nvPicPr>
+          <p:blipFill>
+            <a:blip r:embed="rId3">
+              <a:extLst>
+                <a:ext uri="{96DAC541-7B7A-43D3-8B79-37D633B846F1}">
+                  <asvg:svgBlip xmlns:asvg="http://schemas.microsoft.com/office/drawing/2016/SVG/main" r:embed="rId4"/>
+                </a:ext>
+              </a:extLst>
+            </a:blip>
+            <a:stretch>
+              <a:fillRect/>
+            </a:stretch>
+          </p:blipFill>
+          <p:spPr>
+            <a:xfrm>
+              <a:off x="1891980" y="2806050"/>
+              <a:ext cx="188129" cy="188129"/>
+            </a:xfrm>
+            <a:prstGeom prst="rect">
+              <a:avLst/>
+            </a:prstGeom>
+          </p:spPr>
+        </p:pic>
+        <p:pic>
+          <p:nvPicPr>
+            <p:cNvPr id="21" name="図 20" descr="コンピューターのスクリーンショット&#10;&#10;自動的に生成された説明">
+              <a:extLst>
+                <a:ext uri="{FF2B5EF4-FFF2-40B4-BE49-F238E27FC236}">
+                  <a16:creationId xmlns:a16="http://schemas.microsoft.com/office/drawing/2014/main" id="{6290C2EB-1616-FF49-9344-6D3E7C63DCF8}"/>
+                </a:ext>
+              </a:extLst>
+            </p:cNvPr>
+            <p:cNvPicPr>
+              <a:picLocks noChangeAspect="1"/>
+            </p:cNvPicPr>
+            <p:nvPr/>
+          </p:nvPicPr>
+          <p:blipFill>
+            <a:blip r:embed="rId5"/>
+            <a:stretch>
+              <a:fillRect/>
+            </a:stretch>
+          </p:blipFill>
+          <p:spPr>
+            <a:xfrm>
+              <a:off x="1898258" y="2990079"/>
+              <a:ext cx="2231009" cy="1394380"/>
+            </a:xfrm>
+            <a:prstGeom prst="rect">
+              <a:avLst/>
+            </a:prstGeom>
+          </p:spPr>
+        </p:pic>
+        <p:sp>
+          <p:nvSpPr>
+            <p:cNvPr id="22" name="正方形/長方形 21">
+              <a:extLst>
+                <a:ext uri="{FF2B5EF4-FFF2-40B4-BE49-F238E27FC236}">
+                  <a16:creationId xmlns:a16="http://schemas.microsoft.com/office/drawing/2014/main" id="{E6A5C146-6A11-1D42-91A6-4C177C65570D}"/>
+                </a:ext>
+              </a:extLst>
+            </p:cNvPr>
+            <p:cNvSpPr/>
+            <p:nvPr/>
+          </p:nvSpPr>
+          <p:spPr bwMode="auto">
+            <a:xfrm>
+              <a:off x="1886216" y="2796773"/>
+              <a:ext cx="2243052" cy="1584093"/>
+            </a:xfrm>
+            <a:prstGeom prst="rect">
+              <a:avLst/>
+            </a:prstGeom>
+            <a:noFill/>
+            <a:ln>
+              <a:headEnd/>
+              <a:tailEnd/>
+            </a:ln>
+          </p:spPr>
+          <p:style>
+            <a:lnRef idx="2">
+              <a:schemeClr val="dk1"/>
+            </a:lnRef>
+            <a:fillRef idx="1">
+              <a:schemeClr val="lt1"/>
+            </a:fillRef>
+            <a:effectRef idx="0">
+              <a:schemeClr val="dk1"/>
+            </a:effectRef>
+            <a:fontRef idx="minor">
+              <a:schemeClr val="dk1"/>
+            </a:fontRef>
+          </p:style>
+          <p:txBody>
+            <a:bodyPr wrap="none" rtlCol="0" anchor="ctr" anchorCtr="0">
+              <a:noAutofit/>
+            </a:bodyPr>
+            <a:lstStyle/>
+            <a:p>
+              <a:pPr algn="ctr"/>
+              <a:endParaRPr kumimoji="1" lang="ja-JP" altLang="en-US" sz="1800">
+                <a:solidFill>
+                  <a:schemeClr val="tx1"/>
+                </a:solidFill>
+              </a:endParaRPr>
+            </a:p>
+          </p:txBody>
+        </p:sp>
+        <p:sp>
+          <p:nvSpPr>
+            <p:cNvPr id="23" name="正方形/長方形 22">
+              <a:extLst>
+                <a:ext uri="{FF2B5EF4-FFF2-40B4-BE49-F238E27FC236}">
+                  <a16:creationId xmlns:a16="http://schemas.microsoft.com/office/drawing/2014/main" id="{132982D8-2493-BB4F-A6C6-2B89D7C0C7F6}"/>
+                </a:ext>
+              </a:extLst>
+            </p:cNvPr>
+            <p:cNvSpPr/>
+            <p:nvPr/>
+          </p:nvSpPr>
+          <p:spPr bwMode="auto">
+            <a:xfrm>
+              <a:off x="3885180" y="2796773"/>
+              <a:ext cx="241503" cy="195355"/>
+            </a:xfrm>
+            <a:prstGeom prst="rect">
+              <a:avLst/>
+            </a:prstGeom>
+            <a:noFill/>
+            <a:ln>
+              <a:headEnd/>
+              <a:tailEnd/>
+            </a:ln>
+          </p:spPr>
+          <p:style>
+            <a:lnRef idx="2">
+              <a:schemeClr val="dk1"/>
+            </a:lnRef>
+            <a:fillRef idx="1">
+              <a:schemeClr val="lt1"/>
+            </a:fillRef>
+            <a:effectRef idx="0">
+              <a:schemeClr val="dk1"/>
+            </a:effectRef>
+            <a:fontRef idx="minor">
+              <a:schemeClr val="dk1"/>
+            </a:fontRef>
+          </p:style>
+          <p:txBody>
+            <a:bodyPr wrap="none" rtlCol="0" anchor="ctr" anchorCtr="0">
+              <a:noAutofit/>
+            </a:bodyPr>
+            <a:lstStyle/>
+            <a:p>
+              <a:pPr algn="ctr"/>
+              <a:r>
+                <a:rPr kumimoji="1" lang="en-US" altLang="ja-JP" sz="1800" dirty="0">
+                  <a:solidFill>
+                    <a:schemeClr val="tx1"/>
+                  </a:solidFill>
+                </a:rPr>
+                <a:t>x</a:t>
+              </a:r>
+              <a:endParaRPr kumimoji="1" lang="ja-JP" altLang="en-US" sz="1800">
+                <a:solidFill>
+                  <a:schemeClr val="tx1"/>
+                </a:solidFill>
+              </a:endParaRPr>
+            </a:p>
+          </p:txBody>
+        </p:sp>
+        <p:sp>
+          <p:nvSpPr>
+            <p:cNvPr id="24" name="正方形/長方形 23">
+              <a:extLst>
+                <a:ext uri="{FF2B5EF4-FFF2-40B4-BE49-F238E27FC236}">
+                  <a16:creationId xmlns:a16="http://schemas.microsoft.com/office/drawing/2014/main" id="{AA12174A-0998-7E45-9B7D-28970C31D2C4}"/>
+                </a:ext>
+              </a:extLst>
+            </p:cNvPr>
+            <p:cNvSpPr/>
+            <p:nvPr/>
+          </p:nvSpPr>
+          <p:spPr bwMode="auto">
+            <a:xfrm>
+              <a:off x="3637656" y="2796773"/>
+              <a:ext cx="241503" cy="195355"/>
+            </a:xfrm>
+            <a:prstGeom prst="rect">
+              <a:avLst/>
+            </a:prstGeom>
+            <a:noFill/>
+            <a:ln>
+              <a:headEnd/>
+              <a:tailEnd/>
+            </a:ln>
+          </p:spPr>
+          <p:style>
+            <a:lnRef idx="2">
+              <a:schemeClr val="dk1"/>
+            </a:lnRef>
+            <a:fillRef idx="1">
+              <a:schemeClr val="lt1"/>
+            </a:fillRef>
+            <a:effectRef idx="0">
+              <a:schemeClr val="dk1"/>
+            </a:effectRef>
+            <a:fontRef idx="minor">
+              <a:schemeClr val="dk1"/>
+            </a:fontRef>
+          </p:style>
+          <p:txBody>
+            <a:bodyPr wrap="none" rtlCol="0" anchor="ctr" anchorCtr="0">
+              <a:noAutofit/>
+            </a:bodyPr>
+            <a:lstStyle/>
+            <a:p>
+              <a:pPr algn="ctr"/>
+              <a:endParaRPr kumimoji="1" lang="ja-JP" altLang="en-US" sz="1800">
+                <a:solidFill>
+                  <a:schemeClr val="tx1"/>
+                </a:solidFill>
+              </a:endParaRPr>
+            </a:p>
+          </p:txBody>
+        </p:sp>
+        <p:sp>
+          <p:nvSpPr>
+            <p:cNvPr id="26" name="正方形/長方形 25">
+              <a:extLst>
+                <a:ext uri="{FF2B5EF4-FFF2-40B4-BE49-F238E27FC236}">
+                  <a16:creationId xmlns:a16="http://schemas.microsoft.com/office/drawing/2014/main" id="{B4AA9640-C83E-E444-8BAD-25FAC47D7A5B}"/>
+                </a:ext>
+              </a:extLst>
+            </p:cNvPr>
+            <p:cNvSpPr/>
+            <p:nvPr/>
+          </p:nvSpPr>
+          <p:spPr bwMode="auto">
+            <a:xfrm>
+              <a:off x="3397004" y="2796773"/>
+              <a:ext cx="241503" cy="195355"/>
+            </a:xfrm>
+            <a:prstGeom prst="rect">
+              <a:avLst/>
+            </a:prstGeom>
+            <a:noFill/>
+            <a:ln>
+              <a:headEnd/>
+              <a:tailEnd/>
+            </a:ln>
+          </p:spPr>
+          <p:style>
+            <a:lnRef idx="2">
+              <a:schemeClr val="dk1"/>
+            </a:lnRef>
+            <a:fillRef idx="1">
+              <a:schemeClr val="lt1"/>
+            </a:fillRef>
+            <a:effectRef idx="0">
+              <a:schemeClr val="dk1"/>
+            </a:effectRef>
+            <a:fontRef idx="minor">
+              <a:schemeClr val="dk1"/>
+            </a:fontRef>
+          </p:style>
+          <p:txBody>
+            <a:bodyPr wrap="none" rtlCol="0" anchor="ctr" anchorCtr="0">
+              <a:noAutofit/>
+            </a:bodyPr>
+            <a:lstStyle/>
+            <a:p>
+              <a:pPr algn="ctr"/>
+              <a:endParaRPr kumimoji="1" lang="ja-JP" altLang="en-US" sz="1800" b="1">
+                <a:solidFill>
+                  <a:schemeClr val="tx1"/>
+                </a:solidFill>
+              </a:endParaRPr>
+            </a:p>
+          </p:txBody>
+        </p:sp>
+        <p:sp>
+          <p:nvSpPr>
+            <p:cNvPr id="28" name="正方形/長方形 27">
+              <a:extLst>
+                <a:ext uri="{FF2B5EF4-FFF2-40B4-BE49-F238E27FC236}">
+                  <a16:creationId xmlns:a16="http://schemas.microsoft.com/office/drawing/2014/main" id="{61B3A1FF-C9EA-0049-851F-0B0CCFF06CD9}"/>
+                </a:ext>
+              </a:extLst>
+            </p:cNvPr>
+            <p:cNvSpPr/>
+            <p:nvPr/>
+          </p:nvSpPr>
+          <p:spPr bwMode="auto">
+            <a:xfrm>
+              <a:off x="3696784" y="2851438"/>
+              <a:ext cx="123248" cy="85849"/>
+            </a:xfrm>
+            <a:prstGeom prst="rect">
+              <a:avLst/>
+            </a:prstGeom>
+            <a:noFill/>
+            <a:ln>
+              <a:headEnd/>
+              <a:tailEnd/>
+            </a:ln>
+          </p:spPr>
+          <p:style>
+            <a:lnRef idx="2">
+              <a:schemeClr val="dk1"/>
+            </a:lnRef>
+            <a:fillRef idx="1">
+              <a:schemeClr val="lt1"/>
+            </a:fillRef>
+            <a:effectRef idx="0">
+              <a:schemeClr val="dk1"/>
+            </a:effectRef>
+            <a:fontRef idx="minor">
+              <a:schemeClr val="dk1"/>
+            </a:fontRef>
+          </p:style>
+          <p:txBody>
+            <a:bodyPr wrap="none" rtlCol="0" anchor="ctr" anchorCtr="0">
+              <a:noAutofit/>
+            </a:bodyPr>
+            <a:lstStyle/>
+            <a:p>
+              <a:pPr algn="ctr"/>
+              <a:endParaRPr kumimoji="1" lang="ja-JP" altLang="en-US" sz="1800" b="1">
+                <a:solidFill>
+                  <a:schemeClr val="tx1"/>
+                </a:solidFill>
+              </a:endParaRPr>
+            </a:p>
+          </p:txBody>
+        </p:sp>
+        <p:cxnSp>
+          <p:nvCxnSpPr>
+            <p:cNvPr id="29" name="直線コネクタ 28">
+              <a:extLst>
+                <a:ext uri="{FF2B5EF4-FFF2-40B4-BE49-F238E27FC236}">
+                  <a16:creationId xmlns:a16="http://schemas.microsoft.com/office/drawing/2014/main" id="{CDDF6D78-35E7-274F-AE06-118ED8981EF6}"/>
+                </a:ext>
+              </a:extLst>
+            </p:cNvPr>
+            <p:cNvCxnSpPr/>
+            <p:nvPr/>
+          </p:nvCxnSpPr>
+          <p:spPr bwMode="auto">
+            <a:xfrm>
+              <a:off x="3446029" y="2937287"/>
+              <a:ext cx="133350" cy="0"/>
+            </a:xfrm>
+            <a:prstGeom prst="line">
+              <a:avLst/>
+            </a:prstGeom>
+            <a:noFill/>
+            <a:ln w="19050" cap="flat" cmpd="sng" algn="ctr">
+              <a:solidFill>
+                <a:schemeClr val="tx1"/>
+              </a:solidFill>
+              <a:prstDash val="solid"/>
+              <a:round/>
+              <a:headEnd type="none" w="med" len="med"/>
+              <a:tailEnd type="none" w="med" len="med"/>
+            </a:ln>
+            <a:effectLst/>
+          </p:spPr>
+        </p:cxnSp>
+        <p:sp>
+          <p:nvSpPr>
+            <p:cNvPr id="30" name="Text Box 33">
+              <a:extLst>
+                <a:ext uri="{FF2B5EF4-FFF2-40B4-BE49-F238E27FC236}">
+                  <a16:creationId xmlns:a16="http://schemas.microsoft.com/office/drawing/2014/main" id="{7455D905-581A-4542-AC34-277D37023194}"/>
+                </a:ext>
+              </a:extLst>
+            </p:cNvPr>
+            <p:cNvSpPr txBox="1">
+              <a:spLocks noChangeArrowheads="1"/>
+            </p:cNvSpPr>
+            <p:nvPr/>
+          </p:nvSpPr>
+          <p:spPr bwMode="gray">
+            <a:xfrm>
+              <a:off x="2009483" y="2770753"/>
+              <a:ext cx="777777" cy="261610"/>
+            </a:xfrm>
+            <a:prstGeom prst="rect">
+              <a:avLst/>
+            </a:prstGeom>
+            <a:noFill/>
+            <a:ln w="3175" cap="rnd">
+              <a:noFill/>
+              <a:miter lim="800000"/>
+              <a:headEnd/>
+              <a:tailEnd/>
+            </a:ln>
+            <a:effectLst/>
+          </p:spPr>
+          <p:txBody>
+            <a:bodyPr wrap="none">
+              <a:spAutoFit/>
+            </a:bodyPr>
+            <a:lstStyle/>
+            <a:p>
+              <a:pPr marL="0" marR="0" lvl="0" indent="0" algn="ctr" defTabSz="914400" eaLnBrk="1" fontAlgn="auto" latinLnBrk="0" hangingPunct="1">
+                <a:lnSpc>
+                  <a:spcPct val="100000"/>
+                </a:lnSpc>
+                <a:spcBef>
+                  <a:spcPts val="0"/>
+                </a:spcBef>
+                <a:spcAft>
+                  <a:spcPts val="0"/>
+                </a:spcAft>
+                <a:buClrTx/>
+                <a:buSzTx/>
+                <a:buFontTx/>
+                <a:buNone/>
+                <a:tabLst/>
+                <a:defRPr/>
+              </a:pPr>
+              <a:r>
+                <a:rPr kumimoji="0" lang="en-US" altLang="ja-JP" sz="1050" kern="0" dirty="0">
+                  <a:solidFill>
+                    <a:schemeClr val="tx1"/>
+                  </a:solidFill>
+                  <a:latin typeface="+mn-ea"/>
+                  <a:ea typeface="+mn-ea"/>
+                </a:rPr>
+                <a:t>Node-RED</a:t>
+              </a:r>
+            </a:p>
+          </p:txBody>
+        </p:sp>
+      </p:grpSp>
+      <p:sp>
+        <p:nvSpPr>
+          <p:cNvPr id="2" name="1 つの角を切り取った四角形 1">
+            <a:extLst>
+              <a:ext uri="{FF2B5EF4-FFF2-40B4-BE49-F238E27FC236}">
+                <a16:creationId xmlns:a16="http://schemas.microsoft.com/office/drawing/2014/main" id="{9B61144D-3933-1941-8A6C-DBB1709B6D2F}"/>
+              </a:ext>
+            </a:extLst>
+          </p:cNvPr>
+          <p:cNvSpPr/>
+          <p:nvPr/>
+        </p:nvSpPr>
+        <p:spPr bwMode="auto">
+          <a:xfrm>
+            <a:off x="297309" y="2583689"/>
+            <a:ext cx="1054619" cy="1043353"/>
+          </a:xfrm>
+          <a:prstGeom prst="snip1Rect">
+            <a:avLst/>
+          </a:prstGeom>
+          <a:ln>
+            <a:headEnd/>
+            <a:tailEnd/>
+          </a:ln>
+        </p:spPr>
+        <p:style>
+          <a:lnRef idx="2">
+            <a:schemeClr val="dk1"/>
+          </a:lnRef>
+          <a:fillRef idx="1">
+            <a:schemeClr val="lt1"/>
+          </a:fillRef>
+          <a:effectRef idx="0">
+            <a:schemeClr val="dk1"/>
+          </a:effectRef>
+          <a:fontRef idx="minor">
+            <a:schemeClr val="dk1"/>
+          </a:fontRef>
+        </p:style>
+        <p:txBody>
+          <a:bodyPr wrap="none" rtlCol="0" anchor="ctr" anchorCtr="0">
+            <a:noAutofit/>
+          </a:bodyPr>
+          <a:lstStyle/>
+          <a:p>
+            <a:r>
+              <a:rPr kumimoji="1" lang="en-US" altLang="ja-JP" sz="1800" dirty="0" err="1">
+                <a:solidFill>
+                  <a:schemeClr val="tx1"/>
+                </a:solidFill>
+              </a:rPr>
+              <a:t>flow.json</a:t>
+            </a:r>
+            <a:endParaRPr kumimoji="1" lang="ja-JP" altLang="en-US" sz="1800">
+              <a:solidFill>
+                <a:schemeClr val="tx1"/>
+              </a:solidFill>
+            </a:endParaRPr>
+          </a:p>
+        </p:txBody>
+      </p:sp>
+      <p:grpSp>
+        <p:nvGrpSpPr>
+          <p:cNvPr id="32" name="グループ化 31">
+            <a:extLst>
+              <a:ext uri="{FF2B5EF4-FFF2-40B4-BE49-F238E27FC236}">
+                <a16:creationId xmlns:a16="http://schemas.microsoft.com/office/drawing/2014/main" id="{766D257B-4957-4A4B-8AB0-C48945DADCCA}"/>
+              </a:ext>
+            </a:extLst>
+          </p:cNvPr>
+          <p:cNvGrpSpPr/>
+          <p:nvPr/>
+        </p:nvGrpSpPr>
+        <p:grpSpPr>
+          <a:xfrm>
+            <a:off x="4961262" y="2322751"/>
+            <a:ext cx="2243052" cy="1613706"/>
+            <a:chOff x="1886216" y="2770753"/>
+            <a:chExt cx="2243052" cy="1613706"/>
+          </a:xfrm>
+        </p:grpSpPr>
+        <p:pic>
+          <p:nvPicPr>
+            <p:cNvPr id="33" name="グラフィックス 32">
+              <a:extLst>
+                <a:ext uri="{FF2B5EF4-FFF2-40B4-BE49-F238E27FC236}">
+                  <a16:creationId xmlns:a16="http://schemas.microsoft.com/office/drawing/2014/main" id="{2AF0152C-61F1-2248-BD36-520E4DE54D7D}"/>
+                </a:ext>
+              </a:extLst>
+            </p:cNvPr>
+            <p:cNvPicPr>
+              <a:picLocks noChangeAspect="1"/>
+            </p:cNvPicPr>
+            <p:nvPr/>
+          </p:nvPicPr>
+          <p:blipFill>
+            <a:blip r:embed="rId3">
+              <a:extLst>
+                <a:ext uri="{96DAC541-7B7A-43D3-8B79-37D633B846F1}">
+                  <asvg:svgBlip xmlns:asvg="http://schemas.microsoft.com/office/drawing/2016/SVG/main" r:embed="rId4"/>
+                </a:ext>
+              </a:extLst>
+            </a:blip>
+            <a:stretch>
+              <a:fillRect/>
+            </a:stretch>
+          </p:blipFill>
+          <p:spPr>
+            <a:xfrm>
+              <a:off x="1891980" y="2806050"/>
+              <a:ext cx="188129" cy="188129"/>
+            </a:xfrm>
+            <a:prstGeom prst="rect">
+              <a:avLst/>
+            </a:prstGeom>
+          </p:spPr>
+        </p:pic>
+        <p:pic>
+          <p:nvPicPr>
+            <p:cNvPr id="34" name="図 33" descr="コンピューターのスクリーンショット&#10;&#10;自動的に生成された説明">
+              <a:extLst>
+                <a:ext uri="{FF2B5EF4-FFF2-40B4-BE49-F238E27FC236}">
+                  <a16:creationId xmlns:a16="http://schemas.microsoft.com/office/drawing/2014/main" id="{F4D3CAFE-A97B-3E48-AF60-A6DFF4326D38}"/>
+                </a:ext>
+              </a:extLst>
+            </p:cNvPr>
+            <p:cNvPicPr>
+              <a:picLocks noChangeAspect="1"/>
+            </p:cNvPicPr>
+            <p:nvPr/>
+          </p:nvPicPr>
+          <p:blipFill>
+            <a:blip r:embed="rId5"/>
+            <a:stretch>
+              <a:fillRect/>
+            </a:stretch>
+          </p:blipFill>
+          <p:spPr>
+            <a:xfrm>
+              <a:off x="1898258" y="2990079"/>
+              <a:ext cx="2231009" cy="1394380"/>
+            </a:xfrm>
+            <a:prstGeom prst="rect">
+              <a:avLst/>
+            </a:prstGeom>
+          </p:spPr>
+        </p:pic>
+        <p:sp>
+          <p:nvSpPr>
+            <p:cNvPr id="35" name="正方形/長方形 34">
+              <a:extLst>
+                <a:ext uri="{FF2B5EF4-FFF2-40B4-BE49-F238E27FC236}">
+                  <a16:creationId xmlns:a16="http://schemas.microsoft.com/office/drawing/2014/main" id="{9FBC9447-73D4-8C41-93AC-0A5311A1A668}"/>
+                </a:ext>
+              </a:extLst>
+            </p:cNvPr>
+            <p:cNvSpPr/>
+            <p:nvPr/>
+          </p:nvSpPr>
+          <p:spPr bwMode="auto">
+            <a:xfrm>
+              <a:off x="1886216" y="2796773"/>
+              <a:ext cx="2243052" cy="1584093"/>
+            </a:xfrm>
+            <a:prstGeom prst="rect">
+              <a:avLst/>
+            </a:prstGeom>
+            <a:noFill/>
+            <a:ln>
+              <a:headEnd/>
+              <a:tailEnd/>
+            </a:ln>
+          </p:spPr>
+          <p:style>
+            <a:lnRef idx="2">
+              <a:schemeClr val="dk1"/>
+            </a:lnRef>
+            <a:fillRef idx="1">
+              <a:schemeClr val="lt1"/>
+            </a:fillRef>
+            <a:effectRef idx="0">
+              <a:schemeClr val="dk1"/>
+            </a:effectRef>
+            <a:fontRef idx="minor">
+              <a:schemeClr val="dk1"/>
+            </a:fontRef>
+          </p:style>
+          <p:txBody>
+            <a:bodyPr wrap="none" rtlCol="0" anchor="ctr" anchorCtr="0">
+              <a:noAutofit/>
+            </a:bodyPr>
+            <a:lstStyle/>
+            <a:p>
+              <a:pPr algn="ctr"/>
+              <a:endParaRPr kumimoji="1" lang="ja-JP" altLang="en-US" sz="1800">
+                <a:solidFill>
+                  <a:schemeClr val="tx1"/>
+                </a:solidFill>
+              </a:endParaRPr>
+            </a:p>
+          </p:txBody>
+        </p:sp>
+        <p:sp>
+          <p:nvSpPr>
+            <p:cNvPr id="36" name="正方形/長方形 35">
+              <a:extLst>
+                <a:ext uri="{FF2B5EF4-FFF2-40B4-BE49-F238E27FC236}">
+                  <a16:creationId xmlns:a16="http://schemas.microsoft.com/office/drawing/2014/main" id="{64FADA5A-E0DD-EB45-A3CA-044448181865}"/>
+                </a:ext>
+              </a:extLst>
+            </p:cNvPr>
+            <p:cNvSpPr/>
+            <p:nvPr/>
+          </p:nvSpPr>
+          <p:spPr bwMode="auto">
+            <a:xfrm>
+              <a:off x="3885180" y="2796773"/>
+              <a:ext cx="241503" cy="195355"/>
+            </a:xfrm>
+            <a:prstGeom prst="rect">
+              <a:avLst/>
+            </a:prstGeom>
+            <a:noFill/>
+            <a:ln>
+              <a:headEnd/>
+              <a:tailEnd/>
+            </a:ln>
+          </p:spPr>
+          <p:style>
+            <a:lnRef idx="2">
+              <a:schemeClr val="dk1"/>
+            </a:lnRef>
+            <a:fillRef idx="1">
+              <a:schemeClr val="lt1"/>
+            </a:fillRef>
+            <a:effectRef idx="0">
+              <a:schemeClr val="dk1"/>
+            </a:effectRef>
+            <a:fontRef idx="minor">
+              <a:schemeClr val="dk1"/>
+            </a:fontRef>
+          </p:style>
+          <p:txBody>
+            <a:bodyPr wrap="none" rtlCol="0" anchor="ctr" anchorCtr="0">
+              <a:noAutofit/>
+            </a:bodyPr>
+            <a:lstStyle/>
+            <a:p>
+              <a:pPr algn="ctr"/>
+              <a:r>
+                <a:rPr kumimoji="1" lang="en-US" altLang="ja-JP" sz="1800" dirty="0">
+                  <a:solidFill>
+                    <a:schemeClr val="tx1"/>
+                  </a:solidFill>
+                </a:rPr>
+                <a:t>x</a:t>
+              </a:r>
+              <a:endParaRPr kumimoji="1" lang="ja-JP" altLang="en-US" sz="1800">
+                <a:solidFill>
+                  <a:schemeClr val="tx1"/>
+                </a:solidFill>
+              </a:endParaRPr>
+            </a:p>
+          </p:txBody>
+        </p:sp>
+        <p:sp>
+          <p:nvSpPr>
+            <p:cNvPr id="37" name="正方形/長方形 36">
+              <a:extLst>
+                <a:ext uri="{FF2B5EF4-FFF2-40B4-BE49-F238E27FC236}">
+                  <a16:creationId xmlns:a16="http://schemas.microsoft.com/office/drawing/2014/main" id="{79F7C839-A920-A048-A785-5332B9081D85}"/>
+                </a:ext>
+              </a:extLst>
+            </p:cNvPr>
+            <p:cNvSpPr/>
+            <p:nvPr/>
+          </p:nvSpPr>
+          <p:spPr bwMode="auto">
+            <a:xfrm>
+              <a:off x="3637656" y="2796773"/>
+              <a:ext cx="241503" cy="195355"/>
+            </a:xfrm>
+            <a:prstGeom prst="rect">
+              <a:avLst/>
+            </a:prstGeom>
+            <a:noFill/>
+            <a:ln>
+              <a:headEnd/>
+              <a:tailEnd/>
+            </a:ln>
+          </p:spPr>
+          <p:style>
+            <a:lnRef idx="2">
+              <a:schemeClr val="dk1"/>
+            </a:lnRef>
+            <a:fillRef idx="1">
+              <a:schemeClr val="lt1"/>
+            </a:fillRef>
+            <a:effectRef idx="0">
+              <a:schemeClr val="dk1"/>
+            </a:effectRef>
+            <a:fontRef idx="minor">
+              <a:schemeClr val="dk1"/>
+            </a:fontRef>
+          </p:style>
+          <p:txBody>
+            <a:bodyPr wrap="none" rtlCol="0" anchor="ctr" anchorCtr="0">
+              <a:noAutofit/>
+            </a:bodyPr>
+            <a:lstStyle/>
+            <a:p>
+              <a:pPr algn="ctr"/>
+              <a:endParaRPr kumimoji="1" lang="ja-JP" altLang="en-US" sz="1800">
+                <a:solidFill>
+                  <a:schemeClr val="tx1"/>
+                </a:solidFill>
+              </a:endParaRPr>
+            </a:p>
+          </p:txBody>
+        </p:sp>
+        <p:sp>
+          <p:nvSpPr>
+            <p:cNvPr id="38" name="正方形/長方形 37">
+              <a:extLst>
+                <a:ext uri="{FF2B5EF4-FFF2-40B4-BE49-F238E27FC236}">
+                  <a16:creationId xmlns:a16="http://schemas.microsoft.com/office/drawing/2014/main" id="{EE8FCB20-9543-E648-A9EB-5813D2D01292}"/>
+                </a:ext>
+              </a:extLst>
+            </p:cNvPr>
+            <p:cNvSpPr/>
+            <p:nvPr/>
+          </p:nvSpPr>
+          <p:spPr bwMode="auto">
+            <a:xfrm>
+              <a:off x="3397004" y="2796773"/>
+              <a:ext cx="241503" cy="195355"/>
+            </a:xfrm>
+            <a:prstGeom prst="rect">
+              <a:avLst/>
+            </a:prstGeom>
+            <a:noFill/>
+            <a:ln>
+              <a:headEnd/>
+              <a:tailEnd/>
+            </a:ln>
+          </p:spPr>
+          <p:style>
+            <a:lnRef idx="2">
+              <a:schemeClr val="dk1"/>
+            </a:lnRef>
+            <a:fillRef idx="1">
+              <a:schemeClr val="lt1"/>
+            </a:fillRef>
+            <a:effectRef idx="0">
+              <a:schemeClr val="dk1"/>
+            </a:effectRef>
+            <a:fontRef idx="minor">
+              <a:schemeClr val="dk1"/>
+            </a:fontRef>
+          </p:style>
+          <p:txBody>
+            <a:bodyPr wrap="none" rtlCol="0" anchor="ctr" anchorCtr="0">
+              <a:noAutofit/>
+            </a:bodyPr>
+            <a:lstStyle/>
+            <a:p>
+              <a:pPr algn="ctr"/>
+              <a:endParaRPr kumimoji="1" lang="ja-JP" altLang="en-US" sz="1800" b="1">
+                <a:solidFill>
+                  <a:schemeClr val="tx1"/>
+                </a:solidFill>
+              </a:endParaRPr>
+            </a:p>
+          </p:txBody>
+        </p:sp>
+        <p:sp>
+          <p:nvSpPr>
+            <p:cNvPr id="39" name="正方形/長方形 38">
+              <a:extLst>
+                <a:ext uri="{FF2B5EF4-FFF2-40B4-BE49-F238E27FC236}">
+                  <a16:creationId xmlns:a16="http://schemas.microsoft.com/office/drawing/2014/main" id="{33B61C6C-DB2F-4246-B632-E8E87D93C654}"/>
+                </a:ext>
+              </a:extLst>
+            </p:cNvPr>
+            <p:cNvSpPr/>
+            <p:nvPr/>
+          </p:nvSpPr>
+          <p:spPr bwMode="auto">
+            <a:xfrm>
+              <a:off x="3696784" y="2851438"/>
+              <a:ext cx="123248" cy="85849"/>
+            </a:xfrm>
+            <a:prstGeom prst="rect">
+              <a:avLst/>
+            </a:prstGeom>
+            <a:noFill/>
+            <a:ln>
+              <a:headEnd/>
+              <a:tailEnd/>
+            </a:ln>
+          </p:spPr>
+          <p:style>
+            <a:lnRef idx="2">
+              <a:schemeClr val="dk1"/>
+            </a:lnRef>
+            <a:fillRef idx="1">
+              <a:schemeClr val="lt1"/>
+            </a:fillRef>
+            <a:effectRef idx="0">
+              <a:schemeClr val="dk1"/>
+            </a:effectRef>
+            <a:fontRef idx="minor">
+              <a:schemeClr val="dk1"/>
+            </a:fontRef>
+          </p:style>
+          <p:txBody>
+            <a:bodyPr wrap="none" rtlCol="0" anchor="ctr" anchorCtr="0">
+              <a:noAutofit/>
+            </a:bodyPr>
+            <a:lstStyle/>
+            <a:p>
+              <a:pPr algn="ctr"/>
+              <a:endParaRPr kumimoji="1" lang="ja-JP" altLang="en-US" sz="1800" b="1">
+                <a:solidFill>
+                  <a:schemeClr val="tx1"/>
+                </a:solidFill>
+              </a:endParaRPr>
+            </a:p>
+          </p:txBody>
+        </p:sp>
+        <p:cxnSp>
+          <p:nvCxnSpPr>
+            <p:cNvPr id="40" name="直線コネクタ 39">
+              <a:extLst>
+                <a:ext uri="{FF2B5EF4-FFF2-40B4-BE49-F238E27FC236}">
+                  <a16:creationId xmlns:a16="http://schemas.microsoft.com/office/drawing/2014/main" id="{B83DB8F7-323E-4148-96EA-7116E54D4FFC}"/>
+                </a:ext>
+              </a:extLst>
+            </p:cNvPr>
+            <p:cNvCxnSpPr/>
+            <p:nvPr/>
+          </p:nvCxnSpPr>
+          <p:spPr bwMode="auto">
+            <a:xfrm>
+              <a:off x="3446029" y="2937287"/>
+              <a:ext cx="133350" cy="0"/>
+            </a:xfrm>
+            <a:prstGeom prst="line">
+              <a:avLst/>
+            </a:prstGeom>
+            <a:noFill/>
+            <a:ln w="19050" cap="flat" cmpd="sng" algn="ctr">
+              <a:solidFill>
+                <a:schemeClr val="tx1"/>
+              </a:solidFill>
+              <a:prstDash val="solid"/>
+              <a:round/>
+              <a:headEnd type="none" w="med" len="med"/>
+              <a:tailEnd type="none" w="med" len="med"/>
+            </a:ln>
+            <a:effectLst/>
+          </p:spPr>
+        </p:cxnSp>
+        <p:sp>
+          <p:nvSpPr>
+            <p:cNvPr id="41" name="Text Box 33">
+              <a:extLst>
+                <a:ext uri="{FF2B5EF4-FFF2-40B4-BE49-F238E27FC236}">
+                  <a16:creationId xmlns:a16="http://schemas.microsoft.com/office/drawing/2014/main" id="{FFAC2E47-AC8F-B34D-ACED-46EF01392F91}"/>
+                </a:ext>
+              </a:extLst>
+            </p:cNvPr>
+            <p:cNvSpPr txBox="1">
+              <a:spLocks noChangeArrowheads="1"/>
+            </p:cNvSpPr>
+            <p:nvPr/>
+          </p:nvSpPr>
+          <p:spPr bwMode="gray">
+            <a:xfrm>
+              <a:off x="2009483" y="2770753"/>
+              <a:ext cx="777777" cy="261610"/>
+            </a:xfrm>
+            <a:prstGeom prst="rect">
+              <a:avLst/>
+            </a:prstGeom>
+            <a:noFill/>
+            <a:ln w="3175" cap="rnd">
+              <a:noFill/>
+              <a:miter lim="800000"/>
+              <a:headEnd/>
+              <a:tailEnd/>
+            </a:ln>
+            <a:effectLst/>
+          </p:spPr>
+          <p:txBody>
+            <a:bodyPr wrap="none">
+              <a:spAutoFit/>
+            </a:bodyPr>
+            <a:lstStyle/>
+            <a:p>
+              <a:pPr marL="0" marR="0" lvl="0" indent="0" algn="ctr" defTabSz="914400" eaLnBrk="1" fontAlgn="auto" latinLnBrk="0" hangingPunct="1">
+                <a:lnSpc>
+                  <a:spcPct val="100000"/>
+                </a:lnSpc>
+                <a:spcBef>
+                  <a:spcPts val="0"/>
+                </a:spcBef>
+                <a:spcAft>
+                  <a:spcPts val="0"/>
+                </a:spcAft>
+                <a:buClrTx/>
+                <a:buSzTx/>
+                <a:buFontTx/>
+                <a:buNone/>
+                <a:tabLst/>
+                <a:defRPr/>
+              </a:pPr>
+              <a:r>
+                <a:rPr kumimoji="0" lang="en-US" altLang="ja-JP" sz="1050" kern="0" dirty="0">
+                  <a:solidFill>
+                    <a:schemeClr val="tx1"/>
+                  </a:solidFill>
+                  <a:latin typeface="+mn-ea"/>
+                  <a:ea typeface="+mn-ea"/>
+                </a:rPr>
+                <a:t>Node-RED</a:t>
+              </a:r>
+            </a:p>
+          </p:txBody>
+        </p:sp>
+      </p:grpSp>
+      <p:sp>
+        <p:nvSpPr>
+          <p:cNvPr id="3" name="右矢印 2">
+            <a:extLst>
+              <a:ext uri="{FF2B5EF4-FFF2-40B4-BE49-F238E27FC236}">
+                <a16:creationId xmlns:a16="http://schemas.microsoft.com/office/drawing/2014/main" id="{68989AB6-AF65-9E4B-B588-09E043C42606}"/>
+              </a:ext>
+            </a:extLst>
+          </p:cNvPr>
+          <p:cNvSpPr/>
+          <p:nvPr/>
+        </p:nvSpPr>
+        <p:spPr bwMode="auto">
+          <a:xfrm>
+            <a:off x="1392269" y="2767555"/>
+            <a:ext cx="739882" cy="772162"/>
+          </a:xfrm>
+          <a:prstGeom prst="rightArrow">
+            <a:avLst/>
+          </a:prstGeom>
+          <a:solidFill>
+            <a:schemeClr val="bg1">
+              <a:lumMod val="75000"/>
+            </a:schemeClr>
+          </a:solidFill>
+          <a:ln w="9525">
+            <a:noFill/>
+            <a:miter lim="800000"/>
+            <a:headEnd/>
+            <a:tailEnd/>
+          </a:ln>
+          <a:effectLst/>
+        </p:spPr>
+        <p:txBody>
+          <a:bodyPr wrap="none" rtlCol="0" anchor="ctr" anchorCtr="0">
+            <a:noAutofit/>
+          </a:bodyPr>
+          <a:lstStyle/>
+          <a:p>
+            <a:r>
+              <a:rPr kumimoji="1" lang="en-US" altLang="ja-JP" sz="1800" dirty="0">
+                <a:solidFill>
+                  <a:schemeClr val="tx1"/>
+                </a:solidFill>
+              </a:rPr>
+              <a:t>Open</a:t>
+            </a:r>
+            <a:endParaRPr kumimoji="1" lang="ja-JP" altLang="en-US" sz="1800">
+              <a:solidFill>
+                <a:schemeClr val="tx1"/>
+              </a:solidFill>
+            </a:endParaRPr>
+          </a:p>
+        </p:txBody>
+      </p:sp>
+      <p:sp>
+        <p:nvSpPr>
+          <p:cNvPr id="42" name="1 つの角を切り取った四角形 41">
+            <a:extLst>
+              <a:ext uri="{FF2B5EF4-FFF2-40B4-BE49-F238E27FC236}">
+                <a16:creationId xmlns:a16="http://schemas.microsoft.com/office/drawing/2014/main" id="{2D559CCA-995E-9941-8694-2ECE18C25B53}"/>
+              </a:ext>
+            </a:extLst>
+          </p:cNvPr>
+          <p:cNvSpPr/>
+          <p:nvPr/>
+        </p:nvSpPr>
+        <p:spPr bwMode="auto">
+          <a:xfrm>
+            <a:off x="7847474" y="2617221"/>
+            <a:ext cx="1054619" cy="1043353"/>
+          </a:xfrm>
+          <a:prstGeom prst="snip1Rect">
+            <a:avLst/>
+          </a:prstGeom>
+          <a:ln>
+            <a:headEnd/>
+            <a:tailEnd/>
+          </a:ln>
+        </p:spPr>
+        <p:style>
+          <a:lnRef idx="2">
+            <a:schemeClr val="dk1"/>
+          </a:lnRef>
+          <a:fillRef idx="1">
+            <a:schemeClr val="lt1"/>
+          </a:fillRef>
+          <a:effectRef idx="0">
+            <a:schemeClr val="dk1"/>
+          </a:effectRef>
+          <a:fontRef idx="minor">
+            <a:schemeClr val="dk1"/>
+          </a:fontRef>
+        </p:style>
+        <p:txBody>
+          <a:bodyPr wrap="none" rtlCol="0" anchor="ctr" anchorCtr="0">
+            <a:noAutofit/>
+          </a:bodyPr>
+          <a:lstStyle/>
+          <a:p>
+            <a:r>
+              <a:rPr kumimoji="1" lang="en-US" altLang="ja-JP" sz="1800" dirty="0" err="1">
+                <a:solidFill>
+                  <a:schemeClr val="tx1"/>
+                </a:solidFill>
+              </a:rPr>
+              <a:t>flow.json</a:t>
+            </a:r>
+            <a:endParaRPr kumimoji="1" lang="ja-JP" altLang="en-US" sz="1800">
+              <a:solidFill>
+                <a:schemeClr val="tx1"/>
+              </a:solidFill>
+            </a:endParaRPr>
+          </a:p>
+        </p:txBody>
+      </p:sp>
+      <p:sp>
+        <p:nvSpPr>
+          <p:cNvPr id="43" name="右矢印 42">
+            <a:extLst>
+              <a:ext uri="{FF2B5EF4-FFF2-40B4-BE49-F238E27FC236}">
+                <a16:creationId xmlns:a16="http://schemas.microsoft.com/office/drawing/2014/main" id="{C5E1075F-2B01-154E-9A38-B281C804ECD4}"/>
+              </a:ext>
+            </a:extLst>
+          </p:cNvPr>
+          <p:cNvSpPr/>
+          <p:nvPr/>
+        </p:nvSpPr>
+        <p:spPr bwMode="auto">
+          <a:xfrm>
+            <a:off x="7083155" y="2752816"/>
+            <a:ext cx="739882" cy="772162"/>
+          </a:xfrm>
+          <a:prstGeom prst="rightArrow">
+            <a:avLst/>
+          </a:prstGeom>
+          <a:solidFill>
+            <a:schemeClr val="bg1">
+              <a:lumMod val="75000"/>
+            </a:schemeClr>
+          </a:solidFill>
+          <a:ln w="9525">
+            <a:noFill/>
+            <a:miter lim="800000"/>
+            <a:headEnd/>
+            <a:tailEnd/>
+          </a:ln>
+          <a:effectLst/>
+        </p:spPr>
+        <p:txBody>
+          <a:bodyPr wrap="none" rtlCol="0" anchor="ctr" anchorCtr="0">
+            <a:noAutofit/>
+          </a:bodyPr>
+          <a:lstStyle/>
+          <a:p>
+            <a:r>
+              <a:rPr kumimoji="1" lang="en-US" altLang="ja-JP" sz="1800" dirty="0">
+                <a:solidFill>
+                  <a:schemeClr val="tx1"/>
+                </a:solidFill>
+              </a:rPr>
+              <a:t>Save</a:t>
+            </a:r>
+            <a:endParaRPr kumimoji="1" lang="ja-JP" altLang="en-US" sz="1800">
+              <a:solidFill>
+                <a:schemeClr val="tx1"/>
+              </a:solidFill>
+            </a:endParaRPr>
+          </a:p>
+        </p:txBody>
+      </p:sp>
+      <p:sp>
+        <p:nvSpPr>
+          <p:cNvPr id="4" name="上矢印 3">
+            <a:extLst>
+              <a:ext uri="{FF2B5EF4-FFF2-40B4-BE49-F238E27FC236}">
+                <a16:creationId xmlns:a16="http://schemas.microsoft.com/office/drawing/2014/main" id="{24405071-6071-9740-8972-EBD33F492BC5}"/>
+              </a:ext>
+            </a:extLst>
+          </p:cNvPr>
+          <p:cNvSpPr/>
+          <p:nvPr/>
+        </p:nvSpPr>
+        <p:spPr bwMode="auto">
+          <a:xfrm rot="18900000">
+            <a:off x="1024483" y="3372686"/>
+            <a:ext cx="358211" cy="462375"/>
+          </a:xfrm>
+          <a:prstGeom prst="upArrow">
+            <a:avLst>
+              <a:gd name="adj1" fmla="val 28575"/>
+              <a:gd name="adj2" fmla="val 69636"/>
+            </a:avLst>
+          </a:prstGeom>
+          <a:ln>
+            <a:headEnd/>
+            <a:tailEnd/>
+          </a:ln>
+        </p:spPr>
+        <p:style>
+          <a:lnRef idx="2">
+            <a:schemeClr val="dk1"/>
+          </a:lnRef>
+          <a:fillRef idx="1">
+            <a:schemeClr val="lt1"/>
+          </a:fillRef>
+          <a:effectRef idx="0">
+            <a:schemeClr val="dk1"/>
+          </a:effectRef>
+          <a:fontRef idx="minor">
+            <a:schemeClr val="dk1"/>
+          </a:fontRef>
+        </p:style>
+        <p:txBody>
+          <a:bodyPr wrap="none" rtlCol="0" anchor="ctr" anchorCtr="0">
+            <a:noAutofit/>
+          </a:bodyPr>
+          <a:lstStyle/>
+          <a:p>
+            <a:pPr algn="ctr"/>
+            <a:endParaRPr kumimoji="1" lang="ja-JP" altLang="en-US" sz="1800">
+              <a:solidFill>
+                <a:schemeClr val="tx1"/>
+              </a:solidFill>
+            </a:endParaRPr>
+          </a:p>
+        </p:txBody>
+      </p:sp>
+      <p:sp>
+        <p:nvSpPr>
+          <p:cNvPr id="44" name="上矢印 43">
+            <a:extLst>
+              <a:ext uri="{FF2B5EF4-FFF2-40B4-BE49-F238E27FC236}">
+                <a16:creationId xmlns:a16="http://schemas.microsoft.com/office/drawing/2014/main" id="{7C2515B0-F291-E940-8FCE-9984AB0399C0}"/>
+              </a:ext>
+            </a:extLst>
+          </p:cNvPr>
+          <p:cNvSpPr/>
+          <p:nvPr/>
+        </p:nvSpPr>
+        <p:spPr bwMode="auto">
+          <a:xfrm rot="18900000">
+            <a:off x="6519042" y="2560607"/>
+            <a:ext cx="358211" cy="462375"/>
+          </a:xfrm>
+          <a:prstGeom prst="upArrow">
+            <a:avLst>
+              <a:gd name="adj1" fmla="val 28575"/>
+              <a:gd name="adj2" fmla="val 69636"/>
+            </a:avLst>
+          </a:prstGeom>
+          <a:ln>
+            <a:headEnd/>
+            <a:tailEnd/>
+          </a:ln>
+        </p:spPr>
+        <p:style>
+          <a:lnRef idx="2">
+            <a:schemeClr val="dk1"/>
+          </a:lnRef>
+          <a:fillRef idx="1">
+            <a:schemeClr val="lt1"/>
+          </a:fillRef>
+          <a:effectRef idx="0">
+            <a:schemeClr val="dk1"/>
+          </a:effectRef>
+          <a:fontRef idx="minor">
+            <a:schemeClr val="dk1"/>
+          </a:fontRef>
+        </p:style>
+        <p:txBody>
+          <a:bodyPr wrap="none" rtlCol="0" anchor="ctr" anchorCtr="0">
+            <a:noAutofit/>
+          </a:bodyPr>
+          <a:lstStyle/>
+          <a:p>
+            <a:pPr algn="ctr"/>
+            <a:endParaRPr kumimoji="1" lang="ja-JP" altLang="en-US" sz="1800">
+              <a:solidFill>
+                <a:schemeClr val="tx1"/>
+              </a:solidFill>
+            </a:endParaRPr>
+          </a:p>
+        </p:txBody>
+      </p:sp>
+      <p:grpSp>
+        <p:nvGrpSpPr>
+          <p:cNvPr id="45" name="グループ化 44">
+            <a:extLst>
+              <a:ext uri="{FF2B5EF4-FFF2-40B4-BE49-F238E27FC236}">
+                <a16:creationId xmlns:a16="http://schemas.microsoft.com/office/drawing/2014/main" id="{2DC691AF-BC69-7F45-B64F-1F643C3FA09C}"/>
+              </a:ext>
+            </a:extLst>
+          </p:cNvPr>
+          <p:cNvGrpSpPr/>
+          <p:nvPr/>
+        </p:nvGrpSpPr>
+        <p:grpSpPr>
+          <a:xfrm>
+            <a:off x="6054378" y="4624501"/>
+            <a:ext cx="2243052" cy="1613706"/>
+            <a:chOff x="1886216" y="2770753"/>
+            <a:chExt cx="2243052" cy="1613706"/>
+          </a:xfrm>
+        </p:grpSpPr>
+        <p:pic>
+          <p:nvPicPr>
+            <p:cNvPr id="46" name="グラフィックス 45">
+              <a:extLst>
+                <a:ext uri="{FF2B5EF4-FFF2-40B4-BE49-F238E27FC236}">
+                  <a16:creationId xmlns:a16="http://schemas.microsoft.com/office/drawing/2014/main" id="{31B89B0E-575B-8D47-8DDC-86AB6AAB65FF}"/>
+                </a:ext>
+              </a:extLst>
+            </p:cNvPr>
+            <p:cNvPicPr>
+              <a:picLocks noChangeAspect="1"/>
+            </p:cNvPicPr>
+            <p:nvPr/>
+          </p:nvPicPr>
+          <p:blipFill>
+            <a:blip r:embed="rId3">
+              <a:extLst>
+                <a:ext uri="{96DAC541-7B7A-43D3-8B79-37D633B846F1}">
+                  <asvg:svgBlip xmlns:asvg="http://schemas.microsoft.com/office/drawing/2016/SVG/main" r:embed="rId4"/>
+                </a:ext>
+              </a:extLst>
+            </a:blip>
+            <a:stretch>
+              <a:fillRect/>
+            </a:stretch>
+          </p:blipFill>
+          <p:spPr>
+            <a:xfrm>
+              <a:off x="1891980" y="2806050"/>
+              <a:ext cx="188129" cy="188129"/>
+            </a:xfrm>
+            <a:prstGeom prst="rect">
+              <a:avLst/>
+            </a:prstGeom>
+          </p:spPr>
+        </p:pic>
+        <p:pic>
+          <p:nvPicPr>
+            <p:cNvPr id="47" name="図 46" descr="コンピューターのスクリーンショット&#10;&#10;自動的に生成された説明">
+              <a:extLst>
+                <a:ext uri="{FF2B5EF4-FFF2-40B4-BE49-F238E27FC236}">
+                  <a16:creationId xmlns:a16="http://schemas.microsoft.com/office/drawing/2014/main" id="{512DCE5F-F231-D748-A7BB-2E411E86E9FD}"/>
+                </a:ext>
+              </a:extLst>
+            </p:cNvPr>
+            <p:cNvPicPr>
+              <a:picLocks noChangeAspect="1"/>
+            </p:cNvPicPr>
+            <p:nvPr/>
+          </p:nvPicPr>
+          <p:blipFill>
+            <a:blip r:embed="rId5"/>
+            <a:stretch>
+              <a:fillRect/>
+            </a:stretch>
+          </p:blipFill>
+          <p:spPr>
+            <a:xfrm>
+              <a:off x="1898258" y="2990079"/>
+              <a:ext cx="2231009" cy="1394380"/>
+            </a:xfrm>
+            <a:prstGeom prst="rect">
+              <a:avLst/>
+            </a:prstGeom>
+          </p:spPr>
+        </p:pic>
+        <p:sp>
+          <p:nvSpPr>
+            <p:cNvPr id="48" name="正方形/長方形 47">
+              <a:extLst>
+                <a:ext uri="{FF2B5EF4-FFF2-40B4-BE49-F238E27FC236}">
+                  <a16:creationId xmlns:a16="http://schemas.microsoft.com/office/drawing/2014/main" id="{463D2335-5FBA-094C-95E0-90B610266044}"/>
+                </a:ext>
+              </a:extLst>
+            </p:cNvPr>
+            <p:cNvSpPr/>
+            <p:nvPr/>
+          </p:nvSpPr>
+          <p:spPr bwMode="auto">
+            <a:xfrm>
+              <a:off x="1886216" y="2796773"/>
+              <a:ext cx="2243052" cy="1584093"/>
+            </a:xfrm>
+            <a:prstGeom prst="rect">
+              <a:avLst/>
+            </a:prstGeom>
+            <a:noFill/>
+            <a:ln>
+              <a:headEnd/>
+              <a:tailEnd/>
+            </a:ln>
+          </p:spPr>
+          <p:style>
+            <a:lnRef idx="2">
+              <a:schemeClr val="dk1"/>
+            </a:lnRef>
+            <a:fillRef idx="1">
+              <a:schemeClr val="lt1"/>
+            </a:fillRef>
+            <a:effectRef idx="0">
+              <a:schemeClr val="dk1"/>
+            </a:effectRef>
+            <a:fontRef idx="minor">
+              <a:schemeClr val="dk1"/>
+            </a:fontRef>
+          </p:style>
+          <p:txBody>
+            <a:bodyPr wrap="none" rtlCol="0" anchor="ctr" anchorCtr="0">
+              <a:noAutofit/>
+            </a:bodyPr>
+            <a:lstStyle/>
+            <a:p>
+              <a:pPr algn="ctr"/>
+              <a:endParaRPr kumimoji="1" lang="ja-JP" altLang="en-US" sz="1800">
+                <a:solidFill>
+                  <a:schemeClr val="tx1"/>
+                </a:solidFill>
+              </a:endParaRPr>
+            </a:p>
+          </p:txBody>
+        </p:sp>
+        <p:sp>
+          <p:nvSpPr>
+            <p:cNvPr id="49" name="正方形/長方形 48">
+              <a:extLst>
+                <a:ext uri="{FF2B5EF4-FFF2-40B4-BE49-F238E27FC236}">
+                  <a16:creationId xmlns:a16="http://schemas.microsoft.com/office/drawing/2014/main" id="{56AD4B77-FC7A-FF46-AF8D-4912D7FCFDC8}"/>
+                </a:ext>
+              </a:extLst>
+            </p:cNvPr>
+            <p:cNvSpPr/>
+            <p:nvPr/>
+          </p:nvSpPr>
+          <p:spPr bwMode="auto">
+            <a:xfrm>
+              <a:off x="3885180" y="2796773"/>
+              <a:ext cx="241503" cy="195355"/>
+            </a:xfrm>
+            <a:prstGeom prst="rect">
+              <a:avLst/>
+            </a:prstGeom>
+            <a:noFill/>
+            <a:ln>
+              <a:headEnd/>
+              <a:tailEnd/>
+            </a:ln>
+          </p:spPr>
+          <p:style>
+            <a:lnRef idx="2">
+              <a:schemeClr val="dk1"/>
+            </a:lnRef>
+            <a:fillRef idx="1">
+              <a:schemeClr val="lt1"/>
+            </a:fillRef>
+            <a:effectRef idx="0">
+              <a:schemeClr val="dk1"/>
+            </a:effectRef>
+            <a:fontRef idx="minor">
+              <a:schemeClr val="dk1"/>
+            </a:fontRef>
+          </p:style>
+          <p:txBody>
+            <a:bodyPr wrap="none" rtlCol="0" anchor="ctr" anchorCtr="0">
+              <a:noAutofit/>
+            </a:bodyPr>
+            <a:lstStyle/>
+            <a:p>
+              <a:pPr algn="ctr"/>
+              <a:r>
+                <a:rPr kumimoji="1" lang="en-US" altLang="ja-JP" sz="1800" dirty="0">
+                  <a:solidFill>
+                    <a:schemeClr val="tx1"/>
+                  </a:solidFill>
+                </a:rPr>
+                <a:t>x</a:t>
+              </a:r>
+              <a:endParaRPr kumimoji="1" lang="ja-JP" altLang="en-US" sz="1800">
+                <a:solidFill>
+                  <a:schemeClr val="tx1"/>
+                </a:solidFill>
+              </a:endParaRPr>
+            </a:p>
+          </p:txBody>
+        </p:sp>
+        <p:sp>
+          <p:nvSpPr>
+            <p:cNvPr id="50" name="正方形/長方形 49">
+              <a:extLst>
+                <a:ext uri="{FF2B5EF4-FFF2-40B4-BE49-F238E27FC236}">
+                  <a16:creationId xmlns:a16="http://schemas.microsoft.com/office/drawing/2014/main" id="{7FADB6DD-5157-5846-B5FD-4429EFF39690}"/>
+                </a:ext>
+              </a:extLst>
+            </p:cNvPr>
+            <p:cNvSpPr/>
+            <p:nvPr/>
+          </p:nvSpPr>
+          <p:spPr bwMode="auto">
+            <a:xfrm>
+              <a:off x="3637656" y="2796773"/>
+              <a:ext cx="241503" cy="195355"/>
+            </a:xfrm>
+            <a:prstGeom prst="rect">
+              <a:avLst/>
+            </a:prstGeom>
+            <a:noFill/>
+            <a:ln>
+              <a:headEnd/>
+              <a:tailEnd/>
+            </a:ln>
+          </p:spPr>
+          <p:style>
+            <a:lnRef idx="2">
+              <a:schemeClr val="dk1"/>
+            </a:lnRef>
+            <a:fillRef idx="1">
+              <a:schemeClr val="lt1"/>
+            </a:fillRef>
+            <a:effectRef idx="0">
+              <a:schemeClr val="dk1"/>
+            </a:effectRef>
+            <a:fontRef idx="minor">
+              <a:schemeClr val="dk1"/>
+            </a:fontRef>
+          </p:style>
+          <p:txBody>
+            <a:bodyPr wrap="none" rtlCol="0" anchor="ctr" anchorCtr="0">
+              <a:noAutofit/>
+            </a:bodyPr>
+            <a:lstStyle/>
+            <a:p>
+              <a:pPr algn="ctr"/>
+              <a:endParaRPr kumimoji="1" lang="ja-JP" altLang="en-US" sz="1800">
+                <a:solidFill>
+                  <a:schemeClr val="tx1"/>
+                </a:solidFill>
+              </a:endParaRPr>
+            </a:p>
+          </p:txBody>
+        </p:sp>
+        <p:sp>
+          <p:nvSpPr>
+            <p:cNvPr id="51" name="正方形/長方形 50">
+              <a:extLst>
+                <a:ext uri="{FF2B5EF4-FFF2-40B4-BE49-F238E27FC236}">
+                  <a16:creationId xmlns:a16="http://schemas.microsoft.com/office/drawing/2014/main" id="{7A89F407-91A9-644F-8DCD-8A1F44C56821}"/>
+                </a:ext>
+              </a:extLst>
+            </p:cNvPr>
+            <p:cNvSpPr/>
+            <p:nvPr/>
+          </p:nvSpPr>
+          <p:spPr bwMode="auto">
+            <a:xfrm>
+              <a:off x="3397004" y="2796773"/>
+              <a:ext cx="241503" cy="195355"/>
+            </a:xfrm>
+            <a:prstGeom prst="rect">
+              <a:avLst/>
+            </a:prstGeom>
+            <a:noFill/>
+            <a:ln>
+              <a:headEnd/>
+              <a:tailEnd/>
+            </a:ln>
+          </p:spPr>
+          <p:style>
+            <a:lnRef idx="2">
+              <a:schemeClr val="dk1"/>
+            </a:lnRef>
+            <a:fillRef idx="1">
+              <a:schemeClr val="lt1"/>
+            </a:fillRef>
+            <a:effectRef idx="0">
+              <a:schemeClr val="dk1"/>
+            </a:effectRef>
+            <a:fontRef idx="minor">
+              <a:schemeClr val="dk1"/>
+            </a:fontRef>
+          </p:style>
+          <p:txBody>
+            <a:bodyPr wrap="none" rtlCol="0" anchor="ctr" anchorCtr="0">
+              <a:noAutofit/>
+            </a:bodyPr>
+            <a:lstStyle/>
+            <a:p>
+              <a:pPr algn="ctr"/>
+              <a:endParaRPr kumimoji="1" lang="ja-JP" altLang="en-US" sz="1800" b="1">
+                <a:solidFill>
+                  <a:schemeClr val="tx1"/>
+                </a:solidFill>
+              </a:endParaRPr>
+            </a:p>
+          </p:txBody>
+        </p:sp>
+        <p:sp>
+          <p:nvSpPr>
+            <p:cNvPr id="52" name="正方形/長方形 51">
+              <a:extLst>
+                <a:ext uri="{FF2B5EF4-FFF2-40B4-BE49-F238E27FC236}">
+                  <a16:creationId xmlns:a16="http://schemas.microsoft.com/office/drawing/2014/main" id="{AC481189-B890-434C-8DAD-1457A34DC2E0}"/>
+                </a:ext>
+              </a:extLst>
+            </p:cNvPr>
+            <p:cNvSpPr/>
+            <p:nvPr/>
+          </p:nvSpPr>
+          <p:spPr bwMode="auto">
+            <a:xfrm>
+              <a:off x="3696784" y="2851438"/>
+              <a:ext cx="123248" cy="85849"/>
+            </a:xfrm>
+            <a:prstGeom prst="rect">
+              <a:avLst/>
+            </a:prstGeom>
+            <a:noFill/>
+            <a:ln>
+              <a:headEnd/>
+              <a:tailEnd/>
+            </a:ln>
+          </p:spPr>
+          <p:style>
+            <a:lnRef idx="2">
+              <a:schemeClr val="dk1"/>
+            </a:lnRef>
+            <a:fillRef idx="1">
+              <a:schemeClr val="lt1"/>
+            </a:fillRef>
+            <a:effectRef idx="0">
+              <a:schemeClr val="dk1"/>
+            </a:effectRef>
+            <a:fontRef idx="minor">
+              <a:schemeClr val="dk1"/>
+            </a:fontRef>
+          </p:style>
+          <p:txBody>
+            <a:bodyPr wrap="none" rtlCol="0" anchor="ctr" anchorCtr="0">
+              <a:noAutofit/>
+            </a:bodyPr>
+            <a:lstStyle/>
+            <a:p>
+              <a:pPr algn="ctr"/>
+              <a:endParaRPr kumimoji="1" lang="ja-JP" altLang="en-US" sz="1800" b="1">
+                <a:solidFill>
+                  <a:schemeClr val="tx1"/>
+                </a:solidFill>
+              </a:endParaRPr>
+            </a:p>
+          </p:txBody>
+        </p:sp>
+        <p:cxnSp>
+          <p:nvCxnSpPr>
+            <p:cNvPr id="53" name="直線コネクタ 52">
+              <a:extLst>
+                <a:ext uri="{FF2B5EF4-FFF2-40B4-BE49-F238E27FC236}">
+                  <a16:creationId xmlns:a16="http://schemas.microsoft.com/office/drawing/2014/main" id="{8B37DFA5-6560-0E4A-BFD0-D637D4801FAC}"/>
+                </a:ext>
+              </a:extLst>
+            </p:cNvPr>
+            <p:cNvCxnSpPr/>
+            <p:nvPr/>
+          </p:nvCxnSpPr>
+          <p:spPr bwMode="auto">
+            <a:xfrm>
+              <a:off x="3446029" y="2937287"/>
+              <a:ext cx="133350" cy="0"/>
+            </a:xfrm>
+            <a:prstGeom prst="line">
+              <a:avLst/>
+            </a:prstGeom>
+            <a:noFill/>
+            <a:ln w="19050" cap="flat" cmpd="sng" algn="ctr">
+              <a:solidFill>
+                <a:schemeClr val="tx1"/>
+              </a:solidFill>
+              <a:prstDash val="solid"/>
+              <a:round/>
+              <a:headEnd type="none" w="med" len="med"/>
+              <a:tailEnd type="none" w="med" len="med"/>
+            </a:ln>
+            <a:effectLst/>
+          </p:spPr>
+        </p:cxnSp>
+        <p:sp>
+          <p:nvSpPr>
+            <p:cNvPr id="54" name="Text Box 33">
+              <a:extLst>
+                <a:ext uri="{FF2B5EF4-FFF2-40B4-BE49-F238E27FC236}">
+                  <a16:creationId xmlns:a16="http://schemas.microsoft.com/office/drawing/2014/main" id="{F17530A6-3759-5347-A666-D25AC2A57A75}"/>
+                </a:ext>
+              </a:extLst>
+            </p:cNvPr>
+            <p:cNvSpPr txBox="1">
+              <a:spLocks noChangeArrowheads="1"/>
+            </p:cNvSpPr>
+            <p:nvPr/>
+          </p:nvSpPr>
+          <p:spPr bwMode="gray">
+            <a:xfrm>
+              <a:off x="2009483" y="2770753"/>
+              <a:ext cx="777777" cy="261610"/>
+            </a:xfrm>
+            <a:prstGeom prst="rect">
+              <a:avLst/>
+            </a:prstGeom>
+            <a:noFill/>
+            <a:ln w="3175" cap="rnd">
+              <a:noFill/>
+              <a:miter lim="800000"/>
+              <a:headEnd/>
+              <a:tailEnd/>
+            </a:ln>
+            <a:effectLst/>
+          </p:spPr>
+          <p:txBody>
+            <a:bodyPr wrap="none">
+              <a:spAutoFit/>
+            </a:bodyPr>
+            <a:lstStyle/>
+            <a:p>
+              <a:pPr marL="0" marR="0" lvl="0" indent="0" algn="ctr" defTabSz="914400" eaLnBrk="1" fontAlgn="auto" latinLnBrk="0" hangingPunct="1">
+                <a:lnSpc>
+                  <a:spcPct val="100000"/>
+                </a:lnSpc>
+                <a:spcBef>
+                  <a:spcPts val="0"/>
+                </a:spcBef>
+                <a:spcAft>
+                  <a:spcPts val="0"/>
+                </a:spcAft>
+                <a:buClrTx/>
+                <a:buSzTx/>
+                <a:buFontTx/>
+                <a:buNone/>
+                <a:tabLst/>
+                <a:defRPr/>
+              </a:pPr>
+              <a:r>
+                <a:rPr kumimoji="0" lang="en-US" altLang="ja-JP" sz="1050" kern="0" dirty="0">
+                  <a:solidFill>
+                    <a:schemeClr val="tx1"/>
+                  </a:solidFill>
+                  <a:latin typeface="+mn-ea"/>
+                  <a:ea typeface="+mn-ea"/>
+                </a:rPr>
+                <a:t>Node-RED</a:t>
+              </a:r>
+            </a:p>
+          </p:txBody>
+        </p:sp>
+      </p:grpSp>
+      <p:sp>
+        <p:nvSpPr>
+          <p:cNvPr id="55" name="上矢印 54">
+            <a:extLst>
+              <a:ext uri="{FF2B5EF4-FFF2-40B4-BE49-F238E27FC236}">
+                <a16:creationId xmlns:a16="http://schemas.microsoft.com/office/drawing/2014/main" id="{C2E75B0F-256E-8B4C-AD4A-6E7BC074C098}"/>
+              </a:ext>
+            </a:extLst>
+          </p:cNvPr>
+          <p:cNvSpPr/>
+          <p:nvPr/>
+        </p:nvSpPr>
+        <p:spPr bwMode="auto">
+          <a:xfrm rot="18900000">
+            <a:off x="8147463" y="4683435"/>
+            <a:ext cx="358211" cy="462375"/>
+          </a:xfrm>
+          <a:prstGeom prst="upArrow">
+            <a:avLst>
+              <a:gd name="adj1" fmla="val 28575"/>
+              <a:gd name="adj2" fmla="val 69636"/>
+            </a:avLst>
+          </a:prstGeom>
+          <a:ln>
+            <a:headEnd/>
+            <a:tailEnd/>
+          </a:ln>
+        </p:spPr>
+        <p:style>
+          <a:lnRef idx="2">
+            <a:schemeClr val="dk1"/>
+          </a:lnRef>
+          <a:fillRef idx="1">
+            <a:schemeClr val="lt1"/>
+          </a:fillRef>
+          <a:effectRef idx="0">
+            <a:schemeClr val="dk1"/>
+          </a:effectRef>
+          <a:fontRef idx="minor">
+            <a:schemeClr val="dk1"/>
+          </a:fontRef>
+        </p:style>
+        <p:txBody>
+          <a:bodyPr wrap="none" rtlCol="0" anchor="ctr" anchorCtr="0">
+            <a:noAutofit/>
+          </a:bodyPr>
+          <a:lstStyle/>
+          <a:p>
+            <a:pPr algn="ctr"/>
+            <a:endParaRPr kumimoji="1" lang="ja-JP" altLang="en-US" sz="1800">
+              <a:solidFill>
+                <a:schemeClr val="tx1"/>
+              </a:solidFill>
+            </a:endParaRPr>
+          </a:p>
+        </p:txBody>
+      </p:sp>
+      <p:grpSp>
+        <p:nvGrpSpPr>
+          <p:cNvPr id="58" name="グループ化 57">
+            <a:extLst>
+              <a:ext uri="{FF2B5EF4-FFF2-40B4-BE49-F238E27FC236}">
+                <a16:creationId xmlns:a16="http://schemas.microsoft.com/office/drawing/2014/main" id="{81458B90-23FD-6E4E-AB6B-B33552CC1682}"/>
+              </a:ext>
+            </a:extLst>
+          </p:cNvPr>
+          <p:cNvGrpSpPr/>
+          <p:nvPr/>
+        </p:nvGrpSpPr>
+        <p:grpSpPr>
+          <a:xfrm>
+            <a:off x="6348092" y="4862295"/>
+            <a:ext cx="1728312" cy="377219"/>
+            <a:chOff x="5459512" y="5226412"/>
+            <a:chExt cx="2793534" cy="580243"/>
+          </a:xfrm>
+        </p:grpSpPr>
+        <p:sp>
+          <p:nvSpPr>
+            <p:cNvPr id="7" name="正方形/長方形 6">
+              <a:extLst>
+                <a:ext uri="{FF2B5EF4-FFF2-40B4-BE49-F238E27FC236}">
+                  <a16:creationId xmlns:a16="http://schemas.microsoft.com/office/drawing/2014/main" id="{094A9757-8120-3944-9744-D5EE41A48891}"/>
+                </a:ext>
+              </a:extLst>
+            </p:cNvPr>
+            <p:cNvSpPr/>
+            <p:nvPr/>
+          </p:nvSpPr>
+          <p:spPr bwMode="auto">
+            <a:xfrm>
+              <a:off x="5459512" y="5226412"/>
+              <a:ext cx="2793534" cy="580243"/>
+            </a:xfrm>
+            <a:prstGeom prst="rect">
+              <a:avLst/>
+            </a:prstGeom>
+            <a:ln>
+              <a:solidFill>
+                <a:srgbClr val="FF0026"/>
+              </a:solidFill>
+              <a:headEnd/>
+              <a:tailEnd/>
+            </a:ln>
+          </p:spPr>
+          <p:style>
+            <a:lnRef idx="2">
+              <a:schemeClr val="dk1"/>
+            </a:lnRef>
+            <a:fillRef idx="1">
+              <a:schemeClr val="lt1"/>
+            </a:fillRef>
+            <a:effectRef idx="0">
+              <a:schemeClr val="dk1"/>
+            </a:effectRef>
+            <a:fontRef idx="minor">
+              <a:schemeClr val="dk1"/>
+            </a:fontRef>
+          </p:style>
+          <p:txBody>
+            <a:bodyPr wrap="none" rtlCol="0" anchor="ctr" anchorCtr="0">
+              <a:noAutofit/>
+            </a:bodyPr>
+            <a:lstStyle/>
+            <a:p>
+              <a:r>
+                <a:rPr kumimoji="1" lang="en-US" altLang="ja-JP" sz="1100" dirty="0">
+                  <a:solidFill>
+                    <a:srgbClr val="FF0000"/>
+                  </a:solidFill>
+                </a:rPr>
+                <a:t>Exit?</a:t>
+              </a:r>
+              <a:endParaRPr kumimoji="1" lang="ja-JP" altLang="en-US" sz="1100">
+                <a:solidFill>
+                  <a:srgbClr val="FF0000"/>
+                </a:solidFill>
+              </a:endParaRPr>
+            </a:p>
+          </p:txBody>
+        </p:sp>
+        <p:sp>
+          <p:nvSpPr>
+            <p:cNvPr id="56" name="正方形/長方形 55">
+              <a:extLst>
+                <a:ext uri="{FF2B5EF4-FFF2-40B4-BE49-F238E27FC236}">
+                  <a16:creationId xmlns:a16="http://schemas.microsoft.com/office/drawing/2014/main" id="{7739B1FE-D898-2F4F-8620-99DBC4D63BAB}"/>
+                </a:ext>
+              </a:extLst>
+            </p:cNvPr>
+            <p:cNvSpPr/>
+            <p:nvPr/>
+          </p:nvSpPr>
+          <p:spPr bwMode="auto">
+            <a:xfrm>
+              <a:off x="7335203" y="5406096"/>
+              <a:ext cx="782209" cy="341826"/>
+            </a:xfrm>
+            <a:prstGeom prst="rect">
+              <a:avLst/>
+            </a:prstGeom>
+            <a:ln>
+              <a:solidFill>
+                <a:srgbClr val="FF0026"/>
+              </a:solidFill>
+              <a:headEnd/>
+              <a:tailEnd/>
+            </a:ln>
+          </p:spPr>
+          <p:style>
+            <a:lnRef idx="2">
+              <a:schemeClr val="dk1"/>
+            </a:lnRef>
+            <a:fillRef idx="1">
+              <a:schemeClr val="lt1"/>
+            </a:fillRef>
+            <a:effectRef idx="0">
+              <a:schemeClr val="dk1"/>
+            </a:effectRef>
+            <a:fontRef idx="minor">
+              <a:schemeClr val="dk1"/>
+            </a:fontRef>
+          </p:style>
+          <p:txBody>
+            <a:bodyPr wrap="none" rtlCol="0" anchor="ctr" anchorCtr="0">
+              <a:noAutofit/>
+            </a:bodyPr>
+            <a:lstStyle/>
+            <a:p>
+              <a:pPr algn="ctr"/>
+              <a:r>
+                <a:rPr kumimoji="1" lang="en-US" altLang="ja-JP" sz="1100" dirty="0">
+                  <a:solidFill>
+                    <a:srgbClr val="FF0000"/>
+                  </a:solidFill>
+                </a:rPr>
+                <a:t>Cancel</a:t>
+              </a:r>
+              <a:endParaRPr kumimoji="1" lang="ja-JP" altLang="en-US" sz="1100">
+                <a:solidFill>
+                  <a:srgbClr val="FF0000"/>
+                </a:solidFill>
+              </a:endParaRPr>
+            </a:p>
+          </p:txBody>
+        </p:sp>
+        <p:sp>
+          <p:nvSpPr>
+            <p:cNvPr id="57" name="正方形/長方形 56">
+              <a:extLst>
+                <a:ext uri="{FF2B5EF4-FFF2-40B4-BE49-F238E27FC236}">
+                  <a16:creationId xmlns:a16="http://schemas.microsoft.com/office/drawing/2014/main" id="{D0AA8574-1273-BC42-B9C7-C3436F60490F}"/>
+                </a:ext>
+              </a:extLst>
+            </p:cNvPr>
+            <p:cNvSpPr/>
+            <p:nvPr/>
+          </p:nvSpPr>
+          <p:spPr bwMode="auto">
+            <a:xfrm>
+              <a:off x="6184715" y="5406097"/>
+              <a:ext cx="1087560" cy="341826"/>
+            </a:xfrm>
+            <a:prstGeom prst="rect">
+              <a:avLst/>
+            </a:prstGeom>
+            <a:ln>
+              <a:solidFill>
+                <a:srgbClr val="FF0026"/>
+              </a:solidFill>
+              <a:headEnd/>
+              <a:tailEnd/>
+            </a:ln>
+          </p:spPr>
+          <p:style>
+            <a:lnRef idx="2">
+              <a:schemeClr val="dk1"/>
+            </a:lnRef>
+            <a:fillRef idx="1">
+              <a:schemeClr val="lt1"/>
+            </a:fillRef>
+            <a:effectRef idx="0">
+              <a:schemeClr val="dk1"/>
+            </a:effectRef>
+            <a:fontRef idx="minor">
+              <a:schemeClr val="dk1"/>
+            </a:fontRef>
+          </p:style>
+          <p:txBody>
+            <a:bodyPr wrap="none" rtlCol="0" anchor="ctr" anchorCtr="0">
+              <a:noAutofit/>
+            </a:bodyPr>
+            <a:lstStyle/>
+            <a:p>
+              <a:pPr algn="ctr"/>
+              <a:r>
+                <a:rPr kumimoji="1" lang="en-US" altLang="ja-JP" sz="1100" dirty="0" err="1">
+                  <a:solidFill>
+                    <a:srgbClr val="FF0000"/>
+                  </a:solidFill>
+                </a:rPr>
+                <a:t>Save&amp;OK</a:t>
+              </a:r>
+              <a:endParaRPr kumimoji="1" lang="ja-JP" altLang="en-US" sz="1100">
+                <a:solidFill>
+                  <a:srgbClr val="FF0000"/>
+                </a:solidFill>
+              </a:endParaRPr>
+            </a:p>
+          </p:txBody>
+        </p:sp>
+      </p:grpSp>
+      <p:sp>
+        <p:nvSpPr>
+          <p:cNvPr id="59" name="Text Box 33">
+            <a:extLst>
+              <a:ext uri="{FF2B5EF4-FFF2-40B4-BE49-F238E27FC236}">
+                <a16:creationId xmlns:a16="http://schemas.microsoft.com/office/drawing/2014/main" id="{E0121A7B-137A-2441-852C-BF3C6700B811}"/>
+              </a:ext>
+            </a:extLst>
+          </p:cNvPr>
+          <p:cNvSpPr txBox="1">
+            <a:spLocks noChangeArrowheads="1"/>
+          </p:cNvSpPr>
+          <p:nvPr/>
+        </p:nvSpPr>
+        <p:spPr bwMode="gray">
+          <a:xfrm>
+            <a:off x="-177838" y="4940052"/>
+            <a:ext cx="6232796" cy="1107996"/>
+          </a:xfrm>
+          <a:prstGeom prst="rect">
+            <a:avLst/>
+          </a:prstGeom>
+          <a:noFill/>
+          <a:ln w="3175" cap="rnd">
+            <a:noFill/>
+            <a:miter lim="800000"/>
+            <a:headEnd/>
+            <a:tailEnd/>
+          </a:ln>
+          <a:effectLst/>
+        </p:spPr>
+        <p:txBody>
+          <a:bodyPr wrap="none">
+            <a:spAutoFit/>
+          </a:bodyPr>
+          <a:lstStyle/>
+          <a:p>
+            <a:pPr lvl="1" fontAlgn="auto">
+              <a:lnSpc>
+                <a:spcPct val="100000"/>
+              </a:lnSpc>
+              <a:spcBef>
+                <a:spcPts val="0"/>
+              </a:spcBef>
+              <a:spcAft>
+                <a:spcPts val="0"/>
+              </a:spcAft>
+              <a:defRPr/>
+            </a:pPr>
+            <a:r>
+              <a:rPr kumimoji="0" lang="en-US" altLang="ja-JP" sz="2200" kern="0" dirty="0">
+                <a:solidFill>
+                  <a:srgbClr val="000000"/>
+                </a:solidFill>
+                <a:latin typeface="+mn-ea"/>
+                <a:ea typeface="+mn-ea"/>
+              </a:rPr>
+              <a:t>(3) When closing the window without</a:t>
+            </a:r>
+            <a:br>
+              <a:rPr kumimoji="0" lang="en-US" altLang="ja-JP" sz="2200" kern="0" dirty="0">
+                <a:solidFill>
+                  <a:srgbClr val="000000"/>
+                </a:solidFill>
+                <a:latin typeface="+mn-ea"/>
+                <a:ea typeface="+mn-ea"/>
+              </a:rPr>
+            </a:br>
+            <a:r>
+              <a:rPr kumimoji="0" lang="en-US" altLang="ja-JP" sz="2200" kern="0" dirty="0">
+                <a:solidFill>
+                  <a:srgbClr val="000000"/>
+                </a:solidFill>
+                <a:latin typeface="+mn-ea"/>
+                <a:ea typeface="+mn-ea"/>
+              </a:rPr>
+              <a:t>     saving the flow, the notification will be</a:t>
+            </a:r>
+            <a:br>
+              <a:rPr kumimoji="0" lang="en-US" altLang="ja-JP" sz="2200" kern="0" dirty="0">
+                <a:solidFill>
+                  <a:srgbClr val="000000"/>
+                </a:solidFill>
+                <a:latin typeface="+mn-ea"/>
+                <a:ea typeface="+mn-ea"/>
+              </a:rPr>
+            </a:br>
+            <a:r>
+              <a:rPr kumimoji="0" lang="en-US" altLang="ja-JP" sz="2200" kern="0" dirty="0">
+                <a:solidFill>
+                  <a:srgbClr val="000000"/>
+                </a:solidFill>
+                <a:latin typeface="+mn-ea"/>
+                <a:ea typeface="+mn-ea"/>
+              </a:rPr>
+              <a:t>     showed to save the flow or cancel closing.</a:t>
+            </a:r>
+          </a:p>
+        </p:txBody>
+      </p:sp>
+      <p:sp>
+        <p:nvSpPr>
+          <p:cNvPr id="60" name="Text Box 33">
+            <a:extLst>
+              <a:ext uri="{FF2B5EF4-FFF2-40B4-BE49-F238E27FC236}">
+                <a16:creationId xmlns:a16="http://schemas.microsoft.com/office/drawing/2014/main" id="{66CF492E-3051-DF45-8305-C0A428AD9B2A}"/>
+              </a:ext>
+            </a:extLst>
+          </p:cNvPr>
+          <p:cNvSpPr txBox="1">
+            <a:spLocks noChangeArrowheads="1"/>
+          </p:cNvSpPr>
+          <p:nvPr/>
+        </p:nvSpPr>
+        <p:spPr bwMode="gray">
+          <a:xfrm>
+            <a:off x="4210254" y="1101252"/>
+            <a:ext cx="5004896" cy="1107996"/>
+          </a:xfrm>
+          <a:prstGeom prst="rect">
+            <a:avLst/>
+          </a:prstGeom>
+          <a:noFill/>
+          <a:ln w="3175" cap="rnd">
+            <a:noFill/>
+            <a:miter lim="800000"/>
+            <a:headEnd/>
+            <a:tailEnd/>
+          </a:ln>
+          <a:effectLst/>
+        </p:spPr>
+        <p:txBody>
+          <a:bodyPr wrap="none">
+            <a:spAutoFit/>
+          </a:bodyPr>
+          <a:lstStyle/>
+          <a:p>
+            <a:pPr lvl="1" fontAlgn="auto">
+              <a:lnSpc>
+                <a:spcPct val="100000"/>
+              </a:lnSpc>
+              <a:spcBef>
+                <a:spcPts val="0"/>
+              </a:spcBef>
+              <a:spcAft>
+                <a:spcPts val="0"/>
+              </a:spcAft>
+              <a:defRPr/>
+            </a:pPr>
+            <a:endParaRPr kumimoji="0" lang="en-US" altLang="ja-JP" sz="2200" kern="0" dirty="0">
+              <a:solidFill>
+                <a:srgbClr val="000000"/>
+              </a:solidFill>
+              <a:latin typeface="+mn-ea"/>
+              <a:ea typeface="+mn-ea"/>
+            </a:endParaRPr>
+          </a:p>
+          <a:p>
+            <a:pPr lvl="1" fontAlgn="auto">
+              <a:lnSpc>
+                <a:spcPct val="100000"/>
+              </a:lnSpc>
+              <a:spcBef>
+                <a:spcPts val="0"/>
+              </a:spcBef>
+              <a:spcAft>
+                <a:spcPts val="0"/>
+              </a:spcAft>
+              <a:defRPr/>
+            </a:pPr>
+            <a:r>
+              <a:rPr kumimoji="0" lang="en-US" altLang="ja-JP" sz="2200" kern="0" dirty="0">
+                <a:solidFill>
+                  <a:srgbClr val="000000"/>
+                </a:solidFill>
+                <a:latin typeface="+mn-ea"/>
+                <a:ea typeface="+mn-ea"/>
+              </a:rPr>
+              <a:t>(2) When clicking the deploy button,</a:t>
+            </a:r>
+          </a:p>
+          <a:p>
+            <a:pPr lvl="1" fontAlgn="auto">
+              <a:lnSpc>
+                <a:spcPct val="100000"/>
+              </a:lnSpc>
+              <a:spcBef>
+                <a:spcPts val="0"/>
+              </a:spcBef>
+              <a:spcAft>
+                <a:spcPts val="0"/>
+              </a:spcAft>
+              <a:defRPr/>
+            </a:pPr>
+            <a:r>
+              <a:rPr kumimoji="0" lang="en-US" altLang="ja-JP" sz="2200" kern="0" dirty="0">
+                <a:solidFill>
+                  <a:srgbClr val="000000"/>
+                </a:solidFill>
+                <a:latin typeface="+mn-ea"/>
+                <a:ea typeface="+mn-ea"/>
+              </a:rPr>
+              <a:t>the Node-RED saves the flow.</a:t>
+            </a:r>
+          </a:p>
+        </p:txBody>
+      </p:sp>
+    </p:spTree>
+    <p:extLst>
+      <p:ext uri="{BB962C8B-B14F-4D97-AF65-F5344CB8AC3E}">
+        <p14:creationId xmlns:p14="http://schemas.microsoft.com/office/powerpoint/2010/main" val="2452020662"/>
       </p:ext>
     </p:extLst>
   </p:cSld>
